--- a/Presentation/Lec3/CPT103_Lec3.pptx
+++ b/Presentation/Lec3/CPT103_Lec3.pptx
@@ -9,7 +9,7 @@
     <p:notesMasterId r:id="rId5"/>
   </p:notesMasterIdLst>
   <p:handoutMasterIdLst>
-    <p:handoutMasterId r:id="rId32"/>
+    <p:handoutMasterId r:id="rId36"/>
   </p:handoutMasterIdLst>
   <p:sldIdLst>
     <p:sldId id="258" r:id="rId4"/>
@@ -38,7 +38,11 @@
     <p:sldId id="322" r:id="rId28"/>
     <p:sldId id="323" r:id="rId29"/>
     <p:sldId id="324" r:id="rId30"/>
-    <p:sldId id="309" r:id="rId31"/>
+    <p:sldId id="326" r:id="rId31"/>
+    <p:sldId id="327" r:id="rId32"/>
+    <p:sldId id="328" r:id="rId33"/>
+    <p:sldId id="329" r:id="rId34"/>
+    <p:sldId id="309" r:id="rId35"/>
   </p:sldIdLst>
   <p:sldSz cx="12192000" cy="6858000"/>
   <p:notesSz cx="7103745" cy="10234295"/>
@@ -850,34 +854,22 @@
               </a:lnSpc>
             </a:pPr>
             <a:r>
-              <a:rPr lang="" altLang="en-US" sz="2000" b="0" strike="noStrike" spc="-1">
+              <a:rPr lang="en-US" altLang="en-US" sz="2000" b="0" strike="noStrike" spc="-1">
                 <a:latin typeface="Arial"/>
               </a:rPr>
               <a:t>SQL</a:t>
             </a:r>
             <a:r>
-              <a:rPr lang="zh-CN" altLang="" sz="2000" b="0" strike="noStrike" spc="-1">
+              <a:rPr lang="zh-CN" altLang="en-US" sz="2000" b="0" strike="noStrike" spc="-1">
                 <a:latin typeface="Arial"/>
               </a:rPr>
               <a:t>的全称是</a:t>
             </a:r>
             <a:r>
-              <a:rPr lang="" altLang="zh-CN" sz="2000" b="0" strike="noStrike" spc="-1">
-                <a:latin typeface="Arial"/>
-              </a:rPr>
-              <a:t>Sequential </a:t>
-            </a:r>
-            <a:r>
-              <a:rPr lang="" altLang="zh-CN" sz="2000" b="0" strike="noStrike" spc="-1">
-                <a:latin typeface="Arial"/>
-              </a:rPr>
-              <a:t>query language, </a:t>
-            </a:r>
-            <a:r>
               <a:rPr lang="en-US" altLang="zh-CN" sz="2000" b="0" strike="noStrike" spc="-1">
                 <a:latin typeface="Arial"/>
               </a:rPr>
-              <a:t>SQL</a:t>
+              <a:t>Sequential query language, SQL</a:t>
             </a:r>
             <a:r>
               <a:rPr lang="zh-CN" altLang="en-US" sz="2000" b="0" strike="noStrike" spc="-1">
@@ -1343,7 +1335,7 @@
                 <a:spcPct val="100000"/>
               </a:lnSpc>
             </a:pPr>
-            <a:endParaRPr lang="zh-CN" altLang="" sz="2000" b="0" strike="noStrike" spc="-1">
+            <a:endParaRPr lang="zh-CN" altLang="en-US" sz="2000" b="0" strike="noStrike" spc="-1">
               <a:latin typeface="Arial"/>
             </a:endParaRPr>
           </a:p>
@@ -1598,24 +1590,24 @@
               </a:lnSpc>
             </a:pPr>
             <a:r>
-              <a:rPr lang="zh-CN" altLang="" sz="2000" b="0" strike="noStrike" spc="-1">
+              <a:rPr lang="zh-CN" altLang="en-US" sz="2000" b="0" strike="noStrike" spc="-1">
                 <a:latin typeface="Arial"/>
               </a:rPr>
               <a:t>首先我们来看一些创建</a:t>
             </a:r>
             <a:r>
-              <a:rPr lang="" altLang="zh-CN" sz="2000" b="0" strike="noStrike" spc="-1">
+              <a:rPr lang="en-US" altLang="zh-CN" sz="2000" b="0" strike="noStrike" spc="-1">
                 <a:latin typeface="Arial"/>
               </a:rPr>
               <a:t>table</a:t>
             </a:r>
             <a:r>
-              <a:rPr lang="zh-CN" altLang="" sz="2000" b="0" strike="noStrike" spc="-1">
+              <a:rPr lang="zh-CN" altLang="en-US" sz="2000" b="0" strike="noStrike" spc="-1">
                 <a:latin typeface="Arial"/>
               </a:rPr>
               <a:t>的基本语法吧。</a:t>
             </a:r>
-            <a:endParaRPr lang="zh-CN" altLang="" sz="2000" b="0" strike="noStrike" spc="-1">
+            <a:endParaRPr lang="zh-CN" altLang="en-US" sz="2000" b="0" strike="noStrike" spc="-1">
               <a:latin typeface="Arial"/>
             </a:endParaRPr>
           </a:p>
@@ -1625,7 +1617,7 @@
                 <a:spcPct val="100000"/>
               </a:lnSpc>
             </a:pPr>
-            <a:endParaRPr lang="zh-CN" altLang="" sz="2000" b="0" strike="noStrike" spc="-1">
+            <a:endParaRPr lang="zh-CN" altLang="en-US" sz="2000" b="0" strike="noStrike" spc="-1">
               <a:latin typeface="Arial"/>
             </a:endParaRPr>
           </a:p>
@@ -1636,36 +1628,36 @@
               </a:lnSpc>
             </a:pPr>
             <a:r>
-              <a:rPr lang="zh-CN" altLang="" sz="2000" b="0" strike="noStrike" spc="-1">
+              <a:rPr lang="zh-CN" altLang="en-US" sz="2000" b="0" strike="noStrike" spc="-1">
                 <a:latin typeface="Arial"/>
               </a:rPr>
               <a:t>开头的</a:t>
             </a:r>
             <a:r>
-              <a:rPr lang="" altLang="zh-CN" sz="2000" b="0" strike="noStrike" spc="-1">
+              <a:rPr lang="en-US" altLang="zh-CN" sz="2000" b="0" strike="noStrike" spc="-1">
                 <a:latin typeface="Arial"/>
               </a:rPr>
               <a:t>CREATE TABLE</a:t>
             </a:r>
             <a:r>
-              <a:rPr lang="zh-CN" altLang="" sz="2000" b="0" strike="noStrike" spc="-1">
+              <a:rPr lang="zh-CN" altLang="en-US" sz="2000" b="0" strike="noStrike" spc="-1">
                 <a:latin typeface="Arial"/>
               </a:rPr>
               <a:t>是用来告诉数据库系统我要开始创建表，紧接着</a:t>
             </a:r>
             <a:r>
-              <a:rPr lang="" altLang="zh-CN" sz="2000" b="0" strike="noStrike" spc="-1">
+              <a:rPr lang="en-US" altLang="zh-CN" sz="2000" b="0" strike="noStrike" spc="-1">
                 <a:latin typeface="Arial"/>
               </a:rPr>
               <a:t>CREATE TABLE</a:t>
             </a:r>
             <a:r>
-              <a:rPr lang="zh-CN" altLang="" sz="2000" b="0" strike="noStrike" spc="-1">
+              <a:rPr lang="zh-CN" altLang="en-US" sz="2000" b="0" strike="noStrike" spc="-1">
                 <a:latin typeface="Arial"/>
               </a:rPr>
               <a:t>的，应该是一个独一无二的名字，这个名字由你来命名。</a:t>
             </a:r>
-            <a:endParaRPr lang="zh-CN" altLang="" sz="2000" b="0" strike="noStrike" spc="-1">
+            <a:endParaRPr lang="zh-CN" altLang="en-US" sz="2000" b="0" strike="noStrike" spc="-1">
               <a:latin typeface="Arial"/>
             </a:endParaRPr>
           </a:p>
@@ -1675,7 +1667,7 @@
                 <a:spcPct val="100000"/>
               </a:lnSpc>
             </a:pPr>
-            <a:endParaRPr lang="zh-CN" altLang="" sz="2000" b="0" strike="noStrike" spc="-1">
+            <a:endParaRPr lang="zh-CN" altLang="en-US" sz="2000" b="0" strike="noStrike" spc="-1">
               <a:latin typeface="Arial"/>
             </a:endParaRPr>
           </a:p>
@@ -1686,48 +1678,48 @@
               </a:lnSpc>
             </a:pPr>
             <a:r>
-              <a:rPr lang="zh-CN" altLang="" sz="2000" b="0" strike="noStrike" spc="-1">
+              <a:rPr lang="zh-CN" altLang="en-US" sz="2000" b="0" strike="noStrike" spc="-1">
                 <a:latin typeface="Arial"/>
               </a:rPr>
               <a:t>之后的括号中定义了每一列属性的名字以及这一列属性的数据类型，比如这个例子里面，第一个属性的名字是</a:t>
             </a:r>
             <a:r>
-              <a:rPr lang="" altLang="zh-CN" sz="2000" b="0" strike="noStrike" spc="-1">
+              <a:rPr lang="en-US" altLang="zh-CN" sz="2000" b="0" strike="noStrike" spc="-1">
                 <a:latin typeface="Arial"/>
               </a:rPr>
               <a:t>column1</a:t>
             </a:r>
             <a:r>
-              <a:rPr lang="zh-CN" altLang="" sz="2000" b="0" strike="noStrike" spc="-1">
+              <a:rPr lang="zh-CN" altLang="en-US" sz="2000" b="0" strike="noStrike" spc="-1">
                 <a:latin typeface="Arial"/>
               </a:rPr>
               <a:t>，他的数据类型就是</a:t>
             </a:r>
             <a:r>
-              <a:rPr lang="" altLang="zh-CN" sz="2000" b="0" strike="noStrike" spc="-1">
+              <a:rPr lang="en-US" altLang="zh-CN" sz="2000" b="0" strike="noStrike" spc="-1">
                 <a:latin typeface="Arial"/>
               </a:rPr>
               <a:t>datatype, </a:t>
             </a:r>
             <a:r>
-              <a:rPr lang="zh-CN" altLang="" sz="2000" b="0" strike="noStrike" spc="-1">
+              <a:rPr lang="zh-CN" altLang="en-US" sz="2000" b="0" strike="noStrike" spc="-1">
                 <a:latin typeface="Arial"/>
               </a:rPr>
               <a:t>同时这个属性也会有限制条件</a:t>
             </a:r>
             <a:r>
-              <a:rPr lang="" altLang="zh-CN" sz="2000" b="0" strike="noStrike" spc="-1">
+              <a:rPr lang="en-US" altLang="zh-CN" sz="2000" b="0" strike="noStrike" spc="-1">
                 <a:latin typeface="Arial"/>
               </a:rPr>
               <a:t>conditions</a:t>
             </a:r>
             <a:r>
-              <a:rPr lang="zh-CN" altLang="" sz="2000" b="0" strike="noStrike" spc="-1">
+              <a:rPr lang="zh-CN" altLang="en-US" sz="2000" b="0" strike="noStrike" spc="-1">
                 <a:latin typeface="Arial"/>
               </a:rPr>
               <a:t>，比如不允许为空值之类的。</a:t>
             </a:r>
-            <a:endParaRPr lang="zh-CN" altLang="" sz="2000" b="0" strike="noStrike" spc="-1">
+            <a:endParaRPr lang="zh-CN" altLang="en-US" sz="2000" b="0" strike="noStrike" spc="-1">
               <a:latin typeface="Arial"/>
             </a:endParaRPr>
           </a:p>
@@ -1848,12 +1840,12 @@
               </a:lnSpc>
             </a:pPr>
             <a:r>
-              <a:rPr lang="zh-CN" altLang="" sz="2000" b="0" strike="noStrike" spc="-1">
+              <a:rPr lang="zh-CN" altLang="en-US" sz="2000" b="0" strike="noStrike" spc="-1">
                 <a:latin typeface="Arial"/>
               </a:rPr>
               <a:t>接下来我们用一个例子来说明创建操作。</a:t>
             </a:r>
-            <a:endParaRPr lang="zh-CN" altLang="" sz="2000" b="0" strike="noStrike" spc="-1">
+            <a:endParaRPr lang="zh-CN" altLang="en-US" sz="2000" b="0" strike="noStrike" spc="-1">
               <a:latin typeface="Arial"/>
             </a:endParaRPr>
           </a:p>
@@ -1863,7 +1855,7 @@
                 <a:spcPct val="100000"/>
               </a:lnSpc>
             </a:pPr>
-            <a:endParaRPr lang="zh-CN" altLang="" sz="2000" b="0" strike="noStrike" spc="-1">
+            <a:endParaRPr lang="zh-CN" altLang="en-US" sz="2000" b="0" strike="noStrike" spc="-1">
               <a:latin typeface="Arial"/>
             </a:endParaRPr>
           </a:p>
@@ -1874,12 +1866,12 @@
               </a:lnSpc>
             </a:pPr>
             <a:r>
-              <a:rPr lang="zh-CN" altLang="" sz="2000" b="0" strike="noStrike" spc="-1">
+              <a:rPr lang="zh-CN" altLang="en-US" sz="2000" b="0" strike="noStrike" spc="-1">
                 <a:latin typeface="Arial"/>
               </a:rPr>
               <a:t>这张图里面的代码片段就是一个创建表的典型例子。</a:t>
             </a:r>
-            <a:endParaRPr lang="zh-CN" altLang="" sz="2000" b="0" strike="noStrike" spc="-1">
+            <a:endParaRPr lang="zh-CN" altLang="en-US" sz="2000" b="0" strike="noStrike" spc="-1">
               <a:latin typeface="Arial"/>
             </a:endParaRPr>
           </a:p>
@@ -1889,7 +1881,7 @@
                 <a:spcPct val="100000"/>
               </a:lnSpc>
             </a:pPr>
-            <a:endParaRPr lang="zh-CN" altLang="" sz="2000" b="0" strike="noStrike" spc="-1">
+            <a:endParaRPr lang="zh-CN" altLang="en-US" sz="2000" b="0" strike="noStrike" spc="-1">
               <a:latin typeface="Arial"/>
             </a:endParaRPr>
           </a:p>
@@ -1900,91 +1892,91 @@
               </a:lnSpc>
             </a:pPr>
             <a:r>
-              <a:rPr lang="zh-CN" altLang="" sz="2000" b="0" strike="noStrike" spc="-1">
+              <a:rPr lang="zh-CN" altLang="en-US" sz="2000" b="0" strike="noStrike" spc="-1">
                 <a:latin typeface="Arial"/>
               </a:rPr>
               <a:t>首先标红的是</a:t>
             </a:r>
             <a:r>
-              <a:rPr lang="" altLang="zh-CN" sz="2000" b="0" strike="noStrike" spc="-1">
+              <a:rPr lang="en-US" altLang="zh-CN" sz="2000" b="0" strike="noStrike" spc="-1">
                 <a:latin typeface="Arial"/>
               </a:rPr>
               <a:t>create table</a:t>
             </a:r>
             <a:r>
-              <a:rPr lang="zh-CN" altLang="" sz="2000" b="0" strike="noStrike" spc="-1">
+              <a:rPr lang="zh-CN" altLang="en-US" sz="2000" b="0" strike="noStrike" spc="-1">
                 <a:latin typeface="Arial"/>
               </a:rPr>
               <a:t>，告诉系统这是个创建表命令，然后给他一个名字，也就是</a:t>
             </a:r>
             <a:r>
-              <a:rPr lang="" altLang="zh-CN" sz="2000" b="0" strike="noStrike" spc="-1">
+              <a:rPr lang="en-US" altLang="zh-CN" sz="2000" b="0" strike="noStrike" spc="-1">
                 <a:latin typeface="Arial"/>
               </a:rPr>
               <a:t>Staff, </a:t>
             </a:r>
             <a:r>
-              <a:rPr lang="zh-CN" altLang="" sz="2000" b="0" strike="noStrike" spc="-1">
+              <a:rPr lang="zh-CN" altLang="en-US" sz="2000" b="0" strike="noStrike" spc="-1">
                 <a:latin typeface="Arial"/>
               </a:rPr>
               <a:t>然后这个表第一个属性叫做</a:t>
             </a:r>
             <a:r>
-              <a:rPr lang="" altLang="zh-CN" sz="2000" b="0" strike="noStrike" spc="-1">
+              <a:rPr lang="en-US" altLang="zh-CN" sz="2000" b="0" strike="noStrike" spc="-1">
                 <a:latin typeface="Arial"/>
               </a:rPr>
               <a:t>id, </a:t>
             </a:r>
             <a:r>
-              <a:rPr lang="zh-CN" altLang="" sz="2000" b="0" strike="noStrike" spc="-1">
+              <a:rPr lang="zh-CN" altLang="en-US" sz="2000" b="0" strike="noStrike" spc="-1">
                 <a:latin typeface="Arial"/>
               </a:rPr>
               <a:t>他的数据结构是</a:t>
             </a:r>
             <a:r>
-              <a:rPr lang="" altLang="zh-CN" sz="2000" b="0" strike="noStrike" spc="-1">
+              <a:rPr lang="en-US" altLang="zh-CN" sz="2000" b="0" strike="noStrike" spc="-1">
                 <a:latin typeface="Arial"/>
               </a:rPr>
               <a:t>INT</a:t>
             </a:r>
             <a:r>
-              <a:rPr lang="zh-CN" altLang="" sz="2000" b="0" strike="noStrike" spc="-1">
+              <a:rPr lang="zh-CN" altLang="en-US" sz="2000" b="0" strike="noStrike" spc="-1">
                 <a:latin typeface="Arial"/>
               </a:rPr>
               <a:t>，也就是整数，你可以理解为数字，他的条件是</a:t>
             </a:r>
             <a:r>
-              <a:rPr lang="" altLang="zh-CN" sz="2000" b="0" strike="noStrike" spc="-1">
+              <a:rPr lang="en-US" altLang="zh-CN" sz="2000" b="0" strike="noStrike" spc="-1">
                 <a:latin typeface="Arial"/>
               </a:rPr>
               <a:t>NOT NULL, </a:t>
             </a:r>
             <a:r>
-              <a:rPr lang="zh-CN" altLang="" sz="2000" b="0" strike="noStrike" spc="-1">
+              <a:rPr lang="zh-CN" altLang="en-US" sz="2000" b="0" strike="noStrike" spc="-1">
                 <a:latin typeface="Arial"/>
               </a:rPr>
               <a:t>也就是说</a:t>
             </a:r>
             <a:r>
-              <a:rPr lang="" altLang="zh-CN" sz="2000" b="0" strike="noStrike" spc="-1">
+              <a:rPr lang="en-US" altLang="zh-CN" sz="2000" b="0" strike="noStrike" spc="-1">
                 <a:latin typeface="Arial"/>
               </a:rPr>
               <a:t>id</a:t>
             </a:r>
             <a:r>
-              <a:rPr lang="zh-CN" altLang="" sz="2000" b="0" strike="noStrike" spc="-1">
+              <a:rPr lang="zh-CN" altLang="en-US" sz="2000" b="0" strike="noStrike" spc="-1">
                 <a:latin typeface="Arial"/>
               </a:rPr>
               <a:t>这个属性不可以是空值，之后的</a:t>
             </a:r>
             <a:r>
-              <a:rPr lang="" altLang="zh-CN" sz="2000" b="0" strike="noStrike" spc="-1">
+              <a:rPr lang="en-US" altLang="zh-CN" sz="2000" b="0" strike="noStrike" spc="-1">
                 <a:latin typeface="Arial"/>
               </a:rPr>
               <a:t>staffNo</a:t>
             </a:r>
             <a:r>
-              <a:rPr lang="zh-CN" altLang="" sz="2000" b="0" strike="noStrike" spc="-1">
+              <a:rPr lang="zh-CN" altLang="en-US" sz="2000" b="0" strike="noStrike" spc="-1">
                 <a:latin typeface="Arial"/>
               </a:rPr>
               <a:t>，</a:t>
@@ -1996,66 +1988,54 @@
               <a:t> </a:t>
             </a:r>
             <a:r>
-              <a:rPr lang="" altLang="en-US" sz="2000" b="0" strike="noStrike" spc="-1">
-                <a:latin typeface="Arial"/>
-              </a:rPr>
-              <a:t>Name, </a:t>
-            </a:r>
-            <a:r>
-              <a:rPr lang="en-US" altLang="" sz="2000" b="0" strike="noStrike" spc="-1">
-                <a:latin typeface="Arial"/>
-              </a:rPr>
-              <a:t> </a:t>
-            </a:r>
-            <a:r>
-              <a:rPr lang="" altLang="en-US" sz="2000" b="0" strike="noStrike" spc="-1">
-                <a:latin typeface="Arial"/>
-              </a:rPr>
-              <a:t>salary</a:t>
-            </a:r>
-            <a:r>
-              <a:rPr lang="zh-CN" altLang="" sz="2000" b="0" strike="noStrike" spc="-1">
+              <a:rPr lang="en-US" altLang="en-US" sz="2000" b="0" strike="noStrike" spc="-1">
+                <a:latin typeface="Arial"/>
+              </a:rPr>
+              <a:t>Name,  salary</a:t>
+            </a:r>
+            <a:r>
+              <a:rPr lang="zh-CN" altLang="en-US" sz="2000" b="0" strike="noStrike" spc="-1">
                 <a:latin typeface="Arial"/>
               </a:rPr>
               <a:t>都是类似的结构，但是他们没有限制条件，最后，使用</a:t>
             </a:r>
             <a:r>
-              <a:rPr lang="" altLang="zh-CN" sz="2000" b="0" strike="noStrike" spc="-1">
+              <a:rPr lang="en-US" altLang="zh-CN" sz="2000" b="0" strike="noStrike" spc="-1">
                 <a:latin typeface="Arial"/>
               </a:rPr>
               <a:t>PRIMARY KEY</a:t>
             </a:r>
             <a:r>
-              <a:rPr lang="zh-CN" altLang="" sz="2000" b="0" strike="noStrike" spc="-1">
+              <a:rPr lang="zh-CN" altLang="en-US" sz="2000" b="0" strike="noStrike" spc="-1">
                 <a:latin typeface="Arial"/>
               </a:rPr>
               <a:t>这个声明，来确定属性</a:t>
             </a:r>
             <a:r>
-              <a:rPr lang="" altLang="zh-CN" sz="2000" b="0" strike="noStrike" spc="-1">
+              <a:rPr lang="en-US" altLang="zh-CN" sz="2000" b="0" strike="noStrike" spc="-1">
                 <a:latin typeface="Arial"/>
               </a:rPr>
               <a:t>id</a:t>
             </a:r>
             <a:r>
-              <a:rPr lang="zh-CN" altLang="" sz="2000" b="0" strike="noStrike" spc="-1">
+              <a:rPr lang="zh-CN" altLang="en-US" sz="2000" b="0" strike="noStrike" spc="-1">
                 <a:latin typeface="Arial"/>
               </a:rPr>
               <a:t>就是</a:t>
             </a:r>
             <a:r>
-              <a:rPr lang="" altLang="zh-CN" sz="2000" b="0" strike="noStrike" spc="-1">
+              <a:rPr lang="en-US" altLang="zh-CN" sz="2000" b="0" strike="noStrike" spc="-1">
                 <a:latin typeface="Arial"/>
               </a:rPr>
               <a:t>primary key</a:t>
             </a:r>
             <a:r>
-              <a:rPr lang="zh-CN" altLang="" sz="2000" b="0" strike="noStrike" spc="-1">
+              <a:rPr lang="zh-CN" altLang="en-US" sz="2000" b="0" strike="noStrike" spc="-1">
                 <a:latin typeface="Arial"/>
               </a:rPr>
               <a:t>，也就是主键。</a:t>
             </a:r>
-            <a:endParaRPr lang="zh-CN" altLang="" sz="2000" b="0" strike="noStrike" spc="-1">
+            <a:endParaRPr lang="zh-CN" altLang="en-US" sz="2000" b="0" strike="noStrike" spc="-1">
               <a:latin typeface="Arial"/>
             </a:endParaRPr>
           </a:p>
@@ -2372,37 +2352,37 @@
               <a:t>第一种是固定长的为</a:t>
             </a:r>
             <a:r>
-              <a:rPr lang="" altLang="zh-CN" sz="2000" b="0" strike="noStrike" spc="-1">
+              <a:rPr lang="en-US" altLang="zh-CN" sz="2000" b="0" strike="noStrike" spc="-1">
                 <a:latin typeface="Arial"/>
               </a:rPr>
               <a:t>M</a:t>
             </a:r>
             <a:r>
-              <a:rPr lang="zh-CN" altLang="" sz="2000" b="0" strike="noStrike" spc="-1">
+              <a:rPr lang="zh-CN" altLang="en-US" sz="2000" b="0" strike="noStrike" spc="-1">
                 <a:latin typeface="Arial"/>
               </a:rPr>
               <a:t>的</a:t>
             </a:r>
             <a:r>
-              <a:rPr lang="" altLang="zh-CN" sz="2000" b="0" strike="noStrike" spc="-1">
+              <a:rPr lang="en-US" altLang="zh-CN" sz="2000" b="0" strike="noStrike" spc="-1">
                 <a:latin typeface="Arial"/>
               </a:rPr>
               <a:t>char, </a:t>
             </a:r>
             <a:r>
-              <a:rPr lang="zh-CN" altLang="" sz="2000" b="0" strike="noStrike" spc="-1">
+              <a:rPr lang="zh-CN" altLang="en-US" sz="2000" b="0" strike="noStrike" spc="-1">
                 <a:latin typeface="Arial"/>
               </a:rPr>
               <a:t>比如</a:t>
             </a:r>
             <a:r>
-              <a:rPr lang="" altLang="zh-CN" sz="2000" b="0" strike="noStrike" spc="-1">
+              <a:rPr lang="en-US" altLang="zh-CN" sz="2000" b="0" strike="noStrike" spc="-1">
                 <a:latin typeface="Arial"/>
               </a:rPr>
               <a:t>char(8), </a:t>
             </a:r>
             <a:r>
-              <a:rPr lang="zh-CN" altLang="" sz="2000" b="0" strike="noStrike" spc="-1">
+              <a:rPr lang="zh-CN" altLang="en-US" sz="2000" b="0" strike="noStrike" spc="-1">
                 <a:latin typeface="Arial"/>
               </a:rPr>
               <a:t>当然如果存的字符没有</a:t>
@@ -2484,42 +2464,42 @@
               <a:t>第三种不太常用，</a:t>
             </a:r>
             <a:r>
-              <a:rPr lang="" altLang="zh-CN" sz="2000" b="0" strike="noStrike" spc="-1">
+              <a:rPr lang="en-US" altLang="zh-CN" sz="2000" b="0" strike="noStrike" spc="-1">
                 <a:latin typeface="Arial"/>
               </a:rPr>
               <a:t>BLOB</a:t>
             </a:r>
             <a:r>
-              <a:rPr lang="zh-CN" altLang="" sz="2000" b="0" strike="noStrike" spc="-1">
+              <a:rPr lang="zh-CN" altLang="en-US" sz="2000" b="0" strike="noStrike" spc="-1">
                 <a:latin typeface="Arial"/>
               </a:rPr>
               <a:t>的全称是</a:t>
             </a:r>
             <a:r>
-              <a:rPr lang="" altLang="zh-CN" sz="2000" b="0" strike="noStrike" spc="-1">
+              <a:rPr lang="en-US" altLang="zh-CN" sz="2000" b="0" strike="noStrike" spc="-1">
                 <a:latin typeface="Arial"/>
               </a:rPr>
               <a:t>Binary Large Objects, </a:t>
             </a:r>
             <a:r>
-              <a:rPr lang="zh-CN" altLang="" sz="2000" b="0" strike="noStrike" spc="-1">
+              <a:rPr lang="zh-CN" altLang="en-US" sz="2000" b="0" strike="noStrike" spc="-1">
                 <a:latin typeface="Arial"/>
               </a:rPr>
               <a:t>他和</a:t>
             </a:r>
             <a:r>
-              <a:rPr lang="" altLang="zh-CN" sz="2000" b="0" strike="noStrike" spc="-1">
+              <a:rPr lang="en-US" altLang="zh-CN" sz="2000" b="0" strike="noStrike" spc="-1">
                 <a:latin typeface="Arial"/>
               </a:rPr>
               <a:t>TEXT</a:t>
             </a:r>
             <a:r>
-              <a:rPr lang="zh-CN" altLang="" sz="2000" b="0" strike="noStrike" spc="-1">
+              <a:rPr lang="zh-CN" altLang="en-US" sz="2000" b="0" strike="noStrike" spc="-1">
                 <a:latin typeface="Arial"/>
               </a:rPr>
               <a:t>一样，都使用来存很大的数据的。</a:t>
             </a:r>
-            <a:endParaRPr lang="zh-CN" altLang="" sz="2000" b="0" strike="noStrike" spc="-1">
+            <a:endParaRPr lang="zh-CN" altLang="en-US" sz="2000" b="0" strike="noStrike" spc="-1">
               <a:latin typeface="Arial"/>
             </a:endParaRPr>
           </a:p>
@@ -2646,18 +2626,18 @@
               <a:t>在数据结构的后面，有时候还会跟着个</a:t>
             </a:r>
             <a:r>
-              <a:rPr lang="" altLang="zh-CN" sz="2000" b="0" strike="noStrike" spc="-1">
+              <a:rPr lang="en-US" altLang="zh-CN" sz="2000" b="0" strike="noStrike" spc="-1">
                 <a:latin typeface="Arial"/>
               </a:rPr>
               <a:t>column options</a:t>
             </a:r>
             <a:r>
-              <a:rPr lang="zh-CN" altLang="" sz="2000" b="0" strike="noStrike" spc="-1">
+              <a:rPr lang="zh-CN" altLang="en-US" sz="2000" b="0" strike="noStrike" spc="-1">
                 <a:latin typeface="Arial"/>
               </a:rPr>
               <a:t>，来限制这个属性值的取值范围，比如以下四个最常使用的。</a:t>
             </a:r>
-            <a:endParaRPr lang="zh-CN" altLang="" sz="2000" b="0" strike="noStrike" spc="-1">
+            <a:endParaRPr lang="zh-CN" altLang="en-US" sz="2000" b="0" strike="noStrike" spc="-1">
               <a:latin typeface="Arial"/>
             </a:endParaRPr>
           </a:p>
@@ -2667,7 +2647,7 @@
                 <a:spcPct val="100000"/>
               </a:lnSpc>
             </a:pPr>
-            <a:endParaRPr lang="zh-CN" altLang="" sz="2000" b="0" strike="noStrike" spc="-1">
+            <a:endParaRPr lang="zh-CN" altLang="en-US" sz="2000" b="0" strike="noStrike" spc="-1">
               <a:latin typeface="Arial"/>
             </a:endParaRPr>
           </a:p>
@@ -2678,24 +2658,24 @@
               </a:lnSpc>
             </a:pPr>
             <a:r>
-              <a:rPr lang="zh-CN" altLang="" sz="2000" b="0" strike="noStrike" spc="-1">
+              <a:rPr lang="zh-CN" altLang="en-US" sz="2000" b="0" strike="noStrike" spc="-1">
                 <a:latin typeface="Arial"/>
               </a:rPr>
               <a:t>第一个是</a:t>
             </a:r>
             <a:r>
-              <a:rPr lang="" altLang="zh-CN" sz="2000" b="0" strike="noStrike" spc="-1">
+              <a:rPr lang="en-US" altLang="zh-CN" sz="2000" b="0" strike="noStrike" spc="-1">
                 <a:latin typeface="Arial"/>
               </a:rPr>
               <a:t>NOT NULL</a:t>
             </a:r>
             <a:r>
-              <a:rPr lang="zh-CN" altLang="" sz="2000" b="0" strike="noStrike" spc="-1">
+              <a:rPr lang="zh-CN" altLang="en-US" sz="2000" b="0" strike="noStrike" spc="-1">
                 <a:latin typeface="Arial"/>
               </a:rPr>
               <a:t>，也就是说值不可以是空的，必须要有东西，这一般是用来规定主键属性的。</a:t>
             </a:r>
-            <a:endParaRPr lang="zh-CN" altLang="" sz="2000" b="0" strike="noStrike" spc="-1">
+            <a:endParaRPr lang="zh-CN" altLang="en-US" sz="2000" b="0" strike="noStrike" spc="-1">
               <a:latin typeface="Arial"/>
             </a:endParaRPr>
           </a:p>
@@ -2705,7 +2685,7 @@
                 <a:spcPct val="100000"/>
               </a:lnSpc>
             </a:pPr>
-            <a:endParaRPr lang="zh-CN" altLang="" sz="2000" b="0" strike="noStrike" spc="-1">
+            <a:endParaRPr lang="zh-CN" altLang="en-US" sz="2000" b="0" strike="noStrike" spc="-1">
               <a:latin typeface="Arial"/>
             </a:endParaRPr>
           </a:p>
@@ -2716,28 +2696,22 @@
               </a:lnSpc>
             </a:pPr>
             <a:r>
-              <a:rPr lang="zh-CN" altLang="" sz="2000" b="0" strike="noStrike" spc="-1">
+              <a:rPr lang="zh-CN" altLang="en-US" sz="2000" b="0" strike="noStrike" spc="-1">
                 <a:latin typeface="Arial"/>
               </a:rPr>
               <a:t>第二个是</a:t>
             </a:r>
             <a:r>
-              <a:rPr lang="" altLang="zh-CN" sz="2000" b="0" strike="noStrike" spc="-1">
+              <a:rPr lang="en-US" altLang="zh-CN" sz="2000" b="0" strike="noStrike" spc="-1">
                 <a:latin typeface="Arial"/>
               </a:rPr>
               <a:t>UNIQUE, </a:t>
             </a:r>
             <a:r>
-              <a:rPr lang="zh-CN" altLang="" sz="2000" b="0" strike="noStrike" spc="-1">
-                <a:latin typeface="Arial"/>
-              </a:rPr>
-              <a:t>顾名思义，值</a:t>
-            </a:r>
-            <a:r>
               <a:rPr lang="zh-CN" altLang="en-US" sz="2000" b="0" strike="noStrike" spc="-1">
                 <a:latin typeface="Arial"/>
               </a:rPr>
-              <a:t>不可以是重复的。</a:t>
+              <a:t>顾名思义，值不可以是重复的。</a:t>
             </a:r>
             <a:endParaRPr lang="zh-CN" altLang="en-US" sz="2000" b="0" strike="noStrike" spc="-1">
               <a:latin typeface="Arial"/>
@@ -2930,18 +2904,18 @@
               <a:t>只解释概念实在是太干了，我们可以用一个例子来理解</a:t>
             </a:r>
             <a:r>
-              <a:rPr lang="" altLang="zh-CN" sz="2000" b="0" strike="noStrike" spc="-1">
+              <a:rPr lang="en-US" altLang="zh-CN" sz="2000" b="0" strike="noStrike" spc="-1">
                 <a:latin typeface="Arial"/>
               </a:rPr>
               <a:t>Column options</a:t>
             </a:r>
             <a:r>
-              <a:rPr lang="zh-CN" altLang="" sz="2000" b="0" strike="noStrike" spc="-1">
+              <a:rPr lang="zh-CN" altLang="en-US" sz="2000" b="0" strike="noStrike" spc="-1">
                 <a:latin typeface="Arial"/>
               </a:rPr>
               <a:t>。</a:t>
             </a:r>
-            <a:endParaRPr lang="zh-CN" altLang="" sz="2000" b="0" strike="noStrike" spc="-1">
+            <a:endParaRPr lang="zh-CN" altLang="en-US" sz="2000" b="0" strike="noStrike" spc="-1">
               <a:latin typeface="Arial"/>
             </a:endParaRPr>
           </a:p>
@@ -2951,7 +2925,7 @@
                 <a:spcPct val="100000"/>
               </a:lnSpc>
             </a:pPr>
-            <a:endParaRPr lang="zh-CN" altLang="" sz="2000" b="0" strike="noStrike" spc="-1">
+            <a:endParaRPr lang="zh-CN" altLang="en-US" sz="2000" b="0" strike="noStrike" spc="-1">
               <a:latin typeface="Arial"/>
             </a:endParaRPr>
           </a:p>
@@ -2962,150 +2936,144 @@
               </a:lnSpc>
             </a:pPr>
             <a:r>
-              <a:rPr lang="zh-CN" altLang="" sz="2000" b="0" strike="noStrike" spc="-1">
+              <a:rPr lang="zh-CN" altLang="en-US" sz="2000" b="0" strike="noStrike" spc="-1">
                 <a:latin typeface="Arial"/>
               </a:rPr>
               <a:t>首先图中这个表叫做</a:t>
             </a:r>
             <a:r>
-              <a:rPr lang="" altLang="zh-CN" sz="2000" b="0" strike="noStrike" spc="-1">
+              <a:rPr lang="en-US" altLang="zh-CN" sz="2000" b="0" strike="noStrike" spc="-1">
                 <a:latin typeface="Arial"/>
               </a:rPr>
               <a:t>Persons, </a:t>
             </a:r>
             <a:r>
-              <a:rPr lang="zh-CN" altLang="" sz="2000" b="0" strike="noStrike" spc="-1">
+              <a:rPr lang="zh-CN" altLang="en-US" sz="2000" b="0" strike="noStrike" spc="-1">
                 <a:latin typeface="Arial"/>
               </a:rPr>
               <a:t>顾名思义这是个存个人信息的表，其中</a:t>
             </a:r>
             <a:r>
-              <a:rPr lang="" altLang="zh-CN" sz="2000" b="0" strike="noStrike" spc="-1">
+              <a:rPr lang="en-US" altLang="zh-CN" sz="2000" b="0" strike="noStrike" spc="-1">
                 <a:latin typeface="Arial"/>
               </a:rPr>
               <a:t>Personid</a:t>
             </a:r>
             <a:r>
-              <a:rPr lang="zh-CN" altLang="" sz="2000" b="0" strike="noStrike" spc="-1">
+              <a:rPr lang="zh-CN" altLang="en-US" sz="2000" b="0" strike="noStrike" spc="-1">
                 <a:latin typeface="Arial"/>
               </a:rPr>
               <a:t>作为主键，可以注意到，在</a:t>
             </a:r>
             <a:r>
-              <a:rPr lang="" altLang="zh-CN" sz="2000" b="0" strike="noStrike" spc="-1">
+              <a:rPr lang="en-US" altLang="zh-CN" sz="2000" b="0" strike="noStrike" spc="-1">
                 <a:latin typeface="Arial"/>
               </a:rPr>
               <a:t>Personid</a:t>
             </a:r>
             <a:r>
-              <a:rPr lang="zh-CN" altLang="" sz="2000" b="0" strike="noStrike" spc="-1">
+              <a:rPr lang="zh-CN" altLang="en-US" sz="2000" b="0" strike="noStrike" spc="-1">
                 <a:latin typeface="Arial"/>
               </a:rPr>
               <a:t>的数据结构后面有两个</a:t>
             </a:r>
             <a:r>
-              <a:rPr lang="" altLang="zh-CN" sz="2000" b="0" strike="noStrike" spc="-1">
+              <a:rPr lang="en-US" altLang="zh-CN" sz="2000" b="0" strike="noStrike" spc="-1">
                 <a:latin typeface="Arial"/>
               </a:rPr>
               <a:t>condition</a:t>
             </a:r>
             <a:r>
-              <a:rPr lang="zh-CN" altLang="" sz="2000" b="0" strike="noStrike" spc="-1">
+              <a:rPr lang="zh-CN" altLang="en-US" sz="2000" b="0" strike="noStrike" spc="-1">
                 <a:latin typeface="Arial"/>
               </a:rPr>
               <a:t>，第一个就是说，某一个人的</a:t>
             </a:r>
             <a:r>
-              <a:rPr lang="" altLang="zh-CN" sz="2000" b="0" strike="noStrike" spc="-1">
+              <a:rPr lang="en-US" altLang="zh-CN" sz="2000" b="0" strike="noStrike" spc="-1">
                 <a:latin typeface="Arial"/>
               </a:rPr>
               <a:t>personid</a:t>
             </a:r>
             <a:r>
-              <a:rPr lang="zh-CN" altLang="" sz="2000" b="0" strike="noStrike" spc="-1">
+              <a:rPr lang="zh-CN" altLang="en-US" sz="2000" b="0" strike="noStrike" spc="-1">
                 <a:latin typeface="Arial"/>
               </a:rPr>
               <a:t>不可以是空的，只要是个人，必须要有</a:t>
             </a:r>
             <a:r>
-              <a:rPr lang="" altLang="zh-CN" sz="2000" b="0" strike="noStrike" spc="-1">
+              <a:rPr lang="en-US" altLang="zh-CN" sz="2000" b="0" strike="noStrike" spc="-1">
                 <a:latin typeface="Arial"/>
               </a:rPr>
               <a:t>personid, </a:t>
             </a:r>
             <a:r>
-              <a:rPr lang="zh-CN" altLang="" sz="2000" b="0" strike="noStrike" spc="-1">
+              <a:rPr lang="zh-CN" altLang="en-US" sz="2000" b="0" strike="noStrike" spc="-1">
                 <a:latin typeface="Arial"/>
               </a:rPr>
               <a:t>其次是</a:t>
             </a:r>
             <a:r>
-              <a:rPr lang="" altLang="zh-CN" sz="2000" b="0" strike="noStrike" spc="-1">
+              <a:rPr lang="en-US" altLang="zh-CN" sz="2000" b="0" strike="noStrike" spc="-1">
                 <a:latin typeface="Arial"/>
               </a:rPr>
               <a:t>AUTO_INCREMENT, </a:t>
             </a:r>
             <a:r>
-              <a:rPr lang="zh-CN" altLang="" sz="2000" b="0" strike="noStrike" spc="-1">
+              <a:rPr lang="zh-CN" altLang="en-US" sz="2000" b="0" strike="noStrike" spc="-1">
                 <a:latin typeface="Arial"/>
               </a:rPr>
               <a:t>也就是说，我往这个表里面插入一条记录，比如说描述我的信息，那么我只需要输入我的名字和年龄，而不需要输入</a:t>
             </a:r>
             <a:r>
-              <a:rPr lang="" altLang="zh-CN" sz="2000" b="0" strike="noStrike" spc="-1">
+              <a:rPr lang="en-US" altLang="zh-CN" sz="2000" b="0" strike="noStrike" spc="-1">
                 <a:latin typeface="Arial"/>
               </a:rPr>
               <a:t>personid</a:t>
             </a:r>
             <a:r>
-              <a:rPr lang="zh-CN" altLang="" sz="2000" b="0" strike="noStrike" spc="-1">
+              <a:rPr lang="zh-CN" altLang="en-US" sz="2000" b="0" strike="noStrike" spc="-1">
                 <a:latin typeface="Arial"/>
               </a:rPr>
               <a:t>，因为</a:t>
             </a:r>
             <a:r>
-              <a:rPr lang="" altLang="zh-CN" sz="2000" b="0" strike="noStrike" spc="-1">
+              <a:rPr lang="en-US" altLang="zh-CN" sz="2000" b="0" strike="noStrike" spc="-1">
                 <a:latin typeface="Arial"/>
               </a:rPr>
               <a:t>personid</a:t>
             </a:r>
             <a:r>
-              <a:rPr lang="zh-CN" altLang="" sz="2000" b="0" strike="noStrike" spc="-1">
+              <a:rPr lang="zh-CN" altLang="en-US" sz="2000" b="0" strike="noStrike" spc="-1">
                 <a:latin typeface="Arial"/>
               </a:rPr>
               <a:t>这个属性会自己在别人的</a:t>
             </a:r>
             <a:r>
-              <a:rPr lang="" altLang="zh-CN" sz="2000" b="0" strike="noStrike" spc="-1">
+              <a:rPr lang="en-US" altLang="zh-CN" sz="2000" b="0" strike="noStrike" spc="-1">
                 <a:latin typeface="Arial"/>
               </a:rPr>
               <a:t>personid</a:t>
             </a:r>
             <a:r>
-              <a:rPr lang="zh-CN" altLang="" sz="2000" b="0" strike="noStrike" spc="-1">
+              <a:rPr lang="zh-CN" altLang="en-US" sz="2000" b="0" strike="noStrike" spc="-1">
                 <a:latin typeface="Arial"/>
               </a:rPr>
               <a:t>的基础上</a:t>
             </a:r>
             <a:r>
-              <a:rPr lang="" altLang="zh-CN" sz="2000" b="0" strike="noStrike" spc="-1">
+              <a:rPr lang="en-US" altLang="zh-CN" sz="2000" b="0" strike="noStrike" spc="-1">
                 <a:latin typeface="Arial"/>
               </a:rPr>
               <a:t>+</a:t>
             </a:r>
             <a:r>
-              <a:rPr lang="en-US" altLang="" sz="2000" b="0" strike="noStrike" spc="-1">
-                <a:latin typeface="Arial"/>
-              </a:rPr>
-              <a:t>1</a:t>
-            </a:r>
-            <a:r>
-              <a:rPr lang="" altLang="en-US" sz="2000" b="0" strike="noStrike" spc="-1">
-                <a:latin typeface="Arial"/>
-              </a:rPr>
-              <a:t>.</a:t>
-            </a:r>
-            <a:endParaRPr lang="" altLang="en-US" sz="2000" b="0" strike="noStrike" spc="-1">
+              <a:rPr lang="en-US" altLang="en-US" sz="2000" b="0" strike="noStrike" spc="-1">
+                <a:latin typeface="Arial"/>
+              </a:rPr>
+              <a:t>1.</a:t>
+            </a:r>
+            <a:endParaRPr lang="en-US" altLang="en-US" sz="2000" b="0" strike="noStrike" spc="-1">
               <a:latin typeface="Arial"/>
             </a:endParaRPr>
           </a:p>
@@ -3364,24 +3332,24 @@
               </a:lnSpc>
             </a:pPr>
             <a:r>
-              <a:rPr lang="zh-CN" altLang="" sz="2000" b="0" strike="noStrike" spc="-1">
+              <a:rPr lang="zh-CN" altLang="en-US" sz="2000" b="0" strike="noStrike" spc="-1">
                 <a:latin typeface="Arial"/>
               </a:rPr>
               <a:t>你刚刚应该可以注意到，除了跟在数据类型后面的限制条件，在创建</a:t>
             </a:r>
             <a:r>
-              <a:rPr lang="" altLang="zh-CN" sz="2000" b="0" strike="noStrike" spc="-1">
+              <a:rPr lang="en-US" altLang="zh-CN" sz="2000" b="0" strike="noStrike" spc="-1">
                 <a:latin typeface="Arial"/>
               </a:rPr>
               <a:t>table</a:t>
             </a:r>
             <a:r>
-              <a:rPr lang="zh-CN" altLang="" sz="2000" b="0" strike="noStrike" spc="-1">
+              <a:rPr lang="zh-CN" altLang="en-US" sz="2000" b="0" strike="noStrike" spc="-1">
                 <a:latin typeface="Arial"/>
               </a:rPr>
               <a:t>的结尾还声明了哪个属性是主键，都考虑到主键了，那么我们是不是也可以考虑外键呢？</a:t>
             </a:r>
-            <a:endParaRPr lang="zh-CN" altLang="" sz="2000" b="0" strike="noStrike" spc="-1">
+            <a:endParaRPr lang="zh-CN" altLang="en-US" sz="2000" b="0" strike="noStrike" spc="-1">
               <a:latin typeface="Arial"/>
             </a:endParaRPr>
           </a:p>
@@ -3391,7 +3359,7 @@
                 <a:spcPct val="100000"/>
               </a:lnSpc>
             </a:pPr>
-            <a:endParaRPr lang="zh-CN" altLang="" sz="2000" b="0" strike="noStrike" spc="-1">
+            <a:endParaRPr lang="zh-CN" altLang="en-US" sz="2000" b="0" strike="noStrike" spc="-1">
               <a:latin typeface="Arial"/>
             </a:endParaRPr>
           </a:p>
@@ -3402,12 +3370,12 @@
               </a:lnSpc>
             </a:pPr>
             <a:r>
-              <a:rPr lang="zh-CN" altLang="" sz="2000" b="0" strike="noStrike" spc="-1">
+              <a:rPr lang="zh-CN" altLang="en-US" sz="2000" b="0" strike="noStrike" spc="-1">
                 <a:latin typeface="Arial"/>
               </a:rPr>
               <a:t>在说明外键如何应用在创建表的语句中之前，我们先看两个例子。</a:t>
             </a:r>
-            <a:endParaRPr lang="zh-CN" altLang="" sz="2000" b="0" strike="noStrike" spc="-1">
+            <a:endParaRPr lang="zh-CN" altLang="en-US" sz="2000" b="0" strike="noStrike" spc="-1">
               <a:latin typeface="Arial"/>
             </a:endParaRPr>
           </a:p>
@@ -3417,7 +3385,7 @@
                 <a:spcPct val="100000"/>
               </a:lnSpc>
             </a:pPr>
-            <a:endParaRPr lang="zh-CN" altLang="" sz="2000" b="0" strike="noStrike" spc="-1">
+            <a:endParaRPr lang="zh-CN" altLang="en-US" sz="2000" b="0" strike="noStrike" spc="-1">
               <a:latin typeface="Arial"/>
             </a:endParaRPr>
           </a:p>
@@ -3428,102 +3396,102 @@
               </a:lnSpc>
             </a:pPr>
             <a:r>
-              <a:rPr lang="zh-CN" altLang="" sz="2000" b="0" strike="noStrike" spc="-1">
+              <a:rPr lang="zh-CN" altLang="en-US" sz="2000" b="0" strike="noStrike" spc="-1">
                 <a:latin typeface="Arial"/>
               </a:rPr>
               <a:t>首先</a:t>
             </a:r>
             <a:r>
-              <a:rPr lang="" altLang="zh-CN" sz="2000" b="0" strike="noStrike" spc="-1">
+              <a:rPr lang="en-US" altLang="zh-CN" sz="2000" b="0" strike="noStrike" spc="-1">
                 <a:latin typeface="Arial"/>
               </a:rPr>
               <a:t>Persons </a:t>
             </a:r>
             <a:r>
-              <a:rPr lang="zh-CN" altLang="" sz="2000" b="0" strike="noStrike" spc="-1">
+              <a:rPr lang="zh-CN" altLang="en-US" sz="2000" b="0" strike="noStrike" spc="-1">
                 <a:latin typeface="Arial"/>
               </a:rPr>
               <a:t>表记录了个人信息，而</a:t>
             </a:r>
             <a:r>
-              <a:rPr lang="" altLang="zh-CN" sz="2000" b="0" strike="noStrike" spc="-1">
+              <a:rPr lang="en-US" altLang="zh-CN" sz="2000" b="0" strike="noStrike" spc="-1">
                 <a:latin typeface="Arial"/>
               </a:rPr>
               <a:t>Orders</a:t>
             </a:r>
             <a:r>
-              <a:rPr lang="zh-CN" altLang="" sz="2000" b="0" strike="noStrike" spc="-1">
+              <a:rPr lang="zh-CN" altLang="en-US" sz="2000" b="0" strike="noStrike" spc="-1">
                 <a:latin typeface="Arial"/>
               </a:rPr>
               <a:t>表记录了订单信息，其中</a:t>
             </a:r>
             <a:r>
-              <a:rPr lang="" altLang="zh-CN" sz="2000" b="0" strike="noStrike" spc="-1">
+              <a:rPr lang="en-US" altLang="zh-CN" sz="2000" b="0" strike="noStrike" spc="-1">
                 <a:latin typeface="Arial"/>
               </a:rPr>
               <a:t>Persons</a:t>
             </a:r>
             <a:r>
-              <a:rPr lang="zh-CN" altLang="" sz="2000" b="0" strike="noStrike" spc="-1">
+              <a:rPr lang="zh-CN" altLang="en-US" sz="2000" b="0" strike="noStrike" spc="-1">
                 <a:latin typeface="Arial"/>
               </a:rPr>
               <a:t>中的</a:t>
             </a:r>
             <a:r>
-              <a:rPr lang="" altLang="zh-CN" sz="2000" b="0" strike="noStrike" spc="-1">
+              <a:rPr lang="en-US" altLang="zh-CN" sz="2000" b="0" strike="noStrike" spc="-1">
                 <a:latin typeface="Arial"/>
               </a:rPr>
               <a:t>PersonID</a:t>
             </a:r>
             <a:r>
-              <a:rPr lang="zh-CN" altLang="" sz="2000" b="0" strike="noStrike" spc="-1">
+              <a:rPr lang="zh-CN" altLang="en-US" sz="2000" b="0" strike="noStrike" spc="-1">
                 <a:latin typeface="Arial"/>
               </a:rPr>
               <a:t>和订单表中的</a:t>
             </a:r>
             <a:r>
-              <a:rPr lang="" altLang="zh-CN" sz="2000" b="0" strike="noStrike" spc="-1">
+              <a:rPr lang="en-US" altLang="zh-CN" sz="2000" b="0" strike="noStrike" spc="-1">
                 <a:latin typeface="Arial"/>
               </a:rPr>
               <a:t>PersonID</a:t>
             </a:r>
             <a:r>
-              <a:rPr lang="zh-CN" altLang="" sz="2000" b="0" strike="noStrike" spc="-1">
+              <a:rPr lang="zh-CN" altLang="en-US" sz="2000" b="0" strike="noStrike" spc="-1">
                 <a:latin typeface="Arial"/>
               </a:rPr>
               <a:t>是对应关系，而</a:t>
             </a:r>
             <a:r>
-              <a:rPr lang="" altLang="zh-CN" sz="2000" b="0" strike="noStrike" spc="-1">
+              <a:rPr lang="en-US" altLang="zh-CN" sz="2000" b="0" strike="noStrike" spc="-1">
                 <a:latin typeface="Arial"/>
               </a:rPr>
               <a:t>PersonID</a:t>
             </a:r>
             <a:r>
-              <a:rPr lang="zh-CN" altLang="" sz="2000" b="0" strike="noStrike" spc="-1">
+              <a:rPr lang="zh-CN" altLang="en-US" sz="2000" b="0" strike="noStrike" spc="-1">
                 <a:latin typeface="Arial"/>
               </a:rPr>
               <a:t>是</a:t>
             </a:r>
             <a:r>
-              <a:rPr lang="" altLang="zh-CN" sz="2000" b="0" strike="noStrike" spc="-1">
+              <a:rPr lang="en-US" altLang="zh-CN" sz="2000" b="0" strike="noStrike" spc="-1">
                 <a:latin typeface="Arial"/>
               </a:rPr>
               <a:t>Persons</a:t>
             </a:r>
             <a:r>
-              <a:rPr lang="zh-CN" altLang="" sz="2000" b="0" strike="noStrike" spc="-1">
+              <a:rPr lang="zh-CN" altLang="en-US" sz="2000" b="0" strike="noStrike" spc="-1">
                 <a:latin typeface="Arial"/>
               </a:rPr>
               <a:t>表的主键，因此订单表中的外键就是</a:t>
             </a:r>
             <a:r>
-              <a:rPr lang="" altLang="zh-CN" sz="2000" b="0" strike="noStrike" spc="-1">
+              <a:rPr lang="en-US" altLang="zh-CN" sz="2000" b="0" strike="noStrike" spc="-1">
                 <a:latin typeface="Arial"/>
               </a:rPr>
               <a:t>PersonID.</a:t>
             </a:r>
-            <a:endParaRPr lang="" altLang="zh-CN" sz="2000" b="0" strike="noStrike" spc="-1">
+            <a:endParaRPr lang="en-US" altLang="zh-CN" sz="2000" b="0" strike="noStrike" spc="-1">
               <a:latin typeface="Arial"/>
             </a:endParaRPr>
           </a:p>
@@ -3533,7 +3501,7 @@
                 <a:spcPct val="100000"/>
               </a:lnSpc>
             </a:pPr>
-            <a:endParaRPr lang="" altLang="zh-CN" sz="2000" b="0" strike="noStrike" spc="-1">
+            <a:endParaRPr lang="en-US" altLang="zh-CN" sz="2000" b="0" strike="noStrike" spc="-1">
               <a:latin typeface="Arial"/>
             </a:endParaRPr>
           </a:p>
@@ -3544,72 +3512,72 @@
               </a:lnSpc>
             </a:pPr>
             <a:r>
-              <a:rPr lang="zh-CN" altLang="" sz="2000" b="0" strike="noStrike" spc="-1">
+              <a:rPr lang="zh-CN" altLang="en-US" sz="2000" b="0" strike="noStrike" spc="-1">
                 <a:latin typeface="Arial"/>
               </a:rPr>
               <a:t>我们在建立订单表的时候，需要声明</a:t>
             </a:r>
             <a:r>
-              <a:rPr lang="" altLang="zh-CN" sz="2000" b="0" strike="noStrike" spc="-1">
+              <a:rPr lang="en-US" altLang="zh-CN" sz="2000" b="0" strike="noStrike" spc="-1">
                 <a:latin typeface="Arial"/>
               </a:rPr>
               <a:t>PersonID</a:t>
             </a:r>
             <a:r>
-              <a:rPr lang="zh-CN" altLang="" sz="2000" b="0" strike="noStrike" spc="-1">
+              <a:rPr lang="zh-CN" altLang="en-US" sz="2000" b="0" strike="noStrike" spc="-1">
                 <a:latin typeface="Arial"/>
               </a:rPr>
               <a:t>是外键，指向</a:t>
             </a:r>
             <a:r>
-              <a:rPr lang="" altLang="zh-CN" sz="2000" b="0" strike="noStrike" spc="-1">
+              <a:rPr lang="en-US" altLang="zh-CN" sz="2000" b="0" strike="noStrike" spc="-1">
                 <a:latin typeface="Arial"/>
               </a:rPr>
               <a:t>Persons</a:t>
             </a:r>
             <a:r>
-              <a:rPr lang="zh-CN" altLang="" sz="2000" b="0" strike="noStrike" spc="-1">
+              <a:rPr lang="zh-CN" altLang="en-US" sz="2000" b="0" strike="noStrike" spc="-1">
                 <a:latin typeface="Arial"/>
               </a:rPr>
               <a:t>表，为什么要这样呢？因为如果不加上这层限制，我在删除</a:t>
             </a:r>
             <a:r>
-              <a:rPr lang="" altLang="zh-CN" sz="2000" b="0" strike="noStrike" spc="-1">
+              <a:rPr lang="en-US" altLang="zh-CN" sz="2000" b="0" strike="noStrike" spc="-1">
                 <a:latin typeface="Arial"/>
               </a:rPr>
               <a:t>Persons</a:t>
             </a:r>
             <a:r>
-              <a:rPr lang="zh-CN" altLang="" sz="2000" b="0" strike="noStrike" spc="-1">
+              <a:rPr lang="zh-CN" altLang="en-US" sz="2000" b="0" strike="noStrike" spc="-1">
                 <a:latin typeface="Arial"/>
               </a:rPr>
               <a:t>表的记录的时候就没有警告了，可能会造成订单表里面记录的</a:t>
             </a:r>
             <a:r>
-              <a:rPr lang="" altLang="zh-CN" sz="2000" b="0" strike="noStrike" spc="-1">
+              <a:rPr lang="en-US" altLang="zh-CN" sz="2000" b="0" strike="noStrike" spc="-1">
                 <a:latin typeface="Arial"/>
               </a:rPr>
               <a:t>PersonID</a:t>
             </a:r>
             <a:r>
-              <a:rPr lang="zh-CN" altLang="" sz="2000" b="0" strike="noStrike" spc="-1">
+              <a:rPr lang="zh-CN" altLang="en-US" sz="2000" b="0" strike="noStrike" spc="-1">
                 <a:latin typeface="Arial"/>
               </a:rPr>
               <a:t>在</a:t>
             </a:r>
             <a:r>
-              <a:rPr lang="" altLang="zh-CN" sz="2000" b="0" strike="noStrike" spc="-1">
+              <a:rPr lang="en-US" altLang="zh-CN" sz="2000" b="0" strike="noStrike" spc="-1">
                 <a:latin typeface="Arial"/>
               </a:rPr>
               <a:t>Persons</a:t>
             </a:r>
             <a:r>
-              <a:rPr lang="zh-CN" altLang="" sz="2000" b="0" strike="noStrike" spc="-1">
+              <a:rPr lang="zh-CN" altLang="en-US" sz="2000" b="0" strike="noStrike" spc="-1">
                 <a:latin typeface="Arial"/>
               </a:rPr>
               <a:t>表里面找不到这种情况</a:t>
             </a:r>
-            <a:endParaRPr lang="zh-CN" altLang="" sz="2000" b="0" strike="noStrike" spc="-1">
+            <a:endParaRPr lang="zh-CN" altLang="en-US" sz="2000" b="0" strike="noStrike" spc="-1">
               <a:latin typeface="Arial"/>
             </a:endParaRPr>
           </a:p>
@@ -3736,48 +3704,48 @@
               <a:t>因此，我们在创建</a:t>
             </a:r>
             <a:r>
-              <a:rPr lang="" altLang="zh-CN" sz="2000" b="0" strike="noStrike" spc="-1">
+              <a:rPr lang="en-US" altLang="zh-CN" sz="2000" b="0" strike="noStrike" spc="-1">
                 <a:latin typeface="Arial"/>
               </a:rPr>
               <a:t>Orders</a:t>
             </a:r>
             <a:r>
-              <a:rPr lang="zh-CN" altLang="" sz="2000" b="0" strike="noStrike" spc="-1">
+              <a:rPr lang="zh-CN" altLang="en-US" sz="2000" b="0" strike="noStrike" spc="-1">
                 <a:latin typeface="Arial"/>
               </a:rPr>
               <a:t>这张表的时候，需要显式地声明外键指向了谁？就像这个截图中的最后一行一样，</a:t>
             </a:r>
             <a:r>
-              <a:rPr lang="" altLang="zh-CN" sz="2000" b="0" strike="noStrike" spc="-1">
+              <a:rPr lang="en-US" altLang="zh-CN" sz="2000" b="0" strike="noStrike" spc="-1">
                 <a:latin typeface="Arial"/>
               </a:rPr>
               <a:t>PersonID</a:t>
             </a:r>
             <a:r>
-              <a:rPr lang="zh-CN" altLang="" sz="2000" b="0" strike="noStrike" spc="-1">
+              <a:rPr lang="zh-CN" altLang="en-US" sz="2000" b="0" strike="noStrike" spc="-1">
                 <a:latin typeface="Arial"/>
               </a:rPr>
               <a:t>是我的外键，这个外键指向了</a:t>
             </a:r>
             <a:r>
-              <a:rPr lang="" altLang="zh-CN" sz="2000" b="0" strike="noStrike" spc="-1">
+              <a:rPr lang="en-US" altLang="zh-CN" sz="2000" b="0" strike="noStrike" spc="-1">
                 <a:latin typeface="Arial"/>
               </a:rPr>
               <a:t>Persons</a:t>
             </a:r>
             <a:r>
-              <a:rPr lang="zh-CN" altLang="" sz="2000" b="0" strike="noStrike" spc="-1">
+              <a:rPr lang="zh-CN" altLang="en-US" sz="2000" b="0" strike="noStrike" spc="-1">
                 <a:latin typeface="Arial"/>
               </a:rPr>
               <a:t>表里面那个</a:t>
             </a:r>
             <a:r>
-              <a:rPr lang="" altLang="zh-CN" sz="2000" b="0" strike="noStrike" spc="-1">
+              <a:rPr lang="en-US" altLang="zh-CN" sz="2000" b="0" strike="noStrike" spc="-1">
                 <a:latin typeface="Arial"/>
               </a:rPr>
               <a:t>PersonID</a:t>
             </a:r>
-            <a:endParaRPr lang="" altLang="zh-CN" sz="2000" b="0" strike="noStrike" spc="-1">
+            <a:endParaRPr lang="en-US" altLang="zh-CN" sz="2000" b="0" strike="noStrike" spc="-1">
               <a:latin typeface="Arial"/>
             </a:endParaRPr>
           </a:p>
@@ -3898,30 +3866,30 @@
               </a:lnSpc>
             </a:pPr>
             <a:r>
-              <a:rPr lang="" sz="2000" b="0" strike="noStrike" spc="-1">
+              <a:rPr lang="en-US" sz="2000" b="0" strike="noStrike" spc="-1">
                 <a:latin typeface="Arial"/>
               </a:rPr>
               <a:t>OK, </a:t>
             </a:r>
             <a:r>
-              <a:rPr lang="zh-CN" altLang="" sz="2000" b="0" strike="noStrike" spc="-1">
+              <a:rPr lang="zh-CN" altLang="en-US" sz="2000" b="0" strike="noStrike" spc="-1">
                 <a:latin typeface="Arial"/>
               </a:rPr>
               <a:t>那现在，我真的想删除</a:t>
             </a:r>
             <a:r>
-              <a:rPr lang="" altLang="zh-CN" sz="2000" b="0" strike="noStrike" spc="-1">
+              <a:rPr lang="en-US" altLang="zh-CN" sz="2000" b="0" strike="noStrike" spc="-1">
                 <a:latin typeface="Arial"/>
               </a:rPr>
               <a:t>Persons</a:t>
             </a:r>
             <a:r>
-              <a:rPr lang="zh-CN" altLang="" sz="2000" b="0" strike="noStrike" spc="-1">
+              <a:rPr lang="zh-CN" altLang="en-US" sz="2000" b="0" strike="noStrike" spc="-1">
                 <a:latin typeface="Arial"/>
               </a:rPr>
               <a:t>表里面第三行怎么办？</a:t>
             </a:r>
-            <a:endParaRPr lang="zh-CN" altLang="" sz="2000" b="0" strike="noStrike" spc="-1">
+            <a:endParaRPr lang="zh-CN" altLang="en-US" sz="2000" b="0" strike="noStrike" spc="-1">
               <a:latin typeface="Arial"/>
             </a:endParaRPr>
           </a:p>
@@ -3931,7 +3899,7 @@
                 <a:spcPct val="100000"/>
               </a:lnSpc>
             </a:pPr>
-            <a:endParaRPr lang="zh-CN" altLang="" sz="2000" b="0" strike="noStrike" spc="-1">
+            <a:endParaRPr lang="zh-CN" altLang="en-US" sz="2000" b="0" strike="noStrike" spc="-1">
               <a:latin typeface="Arial"/>
             </a:endParaRPr>
           </a:p>
@@ -3942,12 +3910,12 @@
               </a:lnSpc>
             </a:pPr>
             <a:r>
-              <a:rPr lang="zh-CN" altLang="" sz="2000" b="0" strike="noStrike" spc="-1">
+              <a:rPr lang="zh-CN" altLang="en-US" sz="2000" b="0" strike="noStrike" spc="-1">
                 <a:latin typeface="Arial"/>
               </a:rPr>
               <a:t>有四种策略摆在你面前：第一种就是我刚刚提到的，不给你删除，确保数据一致性</a:t>
             </a:r>
-            <a:endParaRPr lang="zh-CN" altLang="" sz="2000" b="0" strike="noStrike" spc="-1">
+            <a:endParaRPr lang="zh-CN" altLang="en-US" sz="2000" b="0" strike="noStrike" spc="-1">
               <a:latin typeface="Arial"/>
             </a:endParaRPr>
           </a:p>
@@ -3957,7 +3925,7 @@
                 <a:spcPct val="100000"/>
               </a:lnSpc>
             </a:pPr>
-            <a:endParaRPr lang="zh-CN" altLang="" sz="2000" b="0" strike="noStrike" spc="-1">
+            <a:endParaRPr lang="zh-CN" altLang="en-US" sz="2000" b="0" strike="noStrike" spc="-1">
               <a:latin typeface="Arial"/>
             </a:endParaRPr>
           </a:p>
@@ -3968,36 +3936,36 @@
               </a:lnSpc>
             </a:pPr>
             <a:r>
-              <a:rPr lang="zh-CN" altLang="" sz="2000" b="0" strike="noStrike" spc="-1">
+              <a:rPr lang="zh-CN" altLang="en-US" sz="2000" b="0" strike="noStrike" spc="-1">
                 <a:latin typeface="Arial"/>
               </a:rPr>
               <a:t>第二种更直接，为了确保数据一致性，</a:t>
             </a:r>
             <a:r>
-              <a:rPr lang="" altLang="zh-CN" sz="2000" b="0" strike="noStrike" spc="-1">
+              <a:rPr lang="en-US" altLang="zh-CN" sz="2000" b="0" strike="noStrike" spc="-1">
                 <a:latin typeface="Arial"/>
               </a:rPr>
               <a:t>Person</a:t>
             </a:r>
             <a:r>
-              <a:rPr lang="zh-CN" altLang="" sz="2000" b="0" strike="noStrike" spc="-1">
+              <a:rPr lang="zh-CN" altLang="en-US" sz="2000" b="0" strike="noStrike" spc="-1">
                 <a:latin typeface="Arial"/>
               </a:rPr>
               <a:t>第三行对应的</a:t>
             </a:r>
             <a:r>
-              <a:rPr lang="" altLang="zh-CN" sz="2000" b="0" strike="noStrike" spc="-1">
+              <a:rPr lang="en-US" altLang="zh-CN" sz="2000" b="0" strike="noStrike" spc="-1">
                 <a:latin typeface="Arial"/>
               </a:rPr>
               <a:t>Order</a:t>
             </a:r>
             <a:r>
-              <a:rPr lang="zh-CN" altLang="" sz="2000" b="0" strike="noStrike" spc="-1">
+              <a:rPr lang="zh-CN" altLang="en-US" sz="2000" b="0" strike="noStrike" spc="-1">
                 <a:latin typeface="Arial"/>
               </a:rPr>
               <a:t>里面第一二行也删除吧。</a:t>
             </a:r>
-            <a:endParaRPr lang="zh-CN" altLang="" sz="2000" b="0" strike="noStrike" spc="-1">
+            <a:endParaRPr lang="zh-CN" altLang="en-US" sz="2000" b="0" strike="noStrike" spc="-1">
               <a:latin typeface="Arial"/>
             </a:endParaRPr>
           </a:p>
@@ -4007,7 +3975,7 @@
                 <a:spcPct val="100000"/>
               </a:lnSpc>
             </a:pPr>
-            <a:endParaRPr lang="zh-CN" altLang="" sz="2000" b="0" strike="noStrike" spc="-1">
+            <a:endParaRPr lang="zh-CN" altLang="en-US" sz="2000" b="0" strike="noStrike" spc="-1">
               <a:latin typeface="Arial"/>
             </a:endParaRPr>
           </a:p>
@@ -4018,36 +3986,36 @@
               </a:lnSpc>
             </a:pPr>
             <a:r>
-              <a:rPr lang="zh-CN" altLang="" sz="2000" b="0" strike="noStrike" spc="-1">
+              <a:rPr lang="zh-CN" altLang="en-US" sz="2000" b="0" strike="noStrike" spc="-1">
                 <a:latin typeface="Arial"/>
               </a:rPr>
               <a:t>第三种第四种更像是一种妥协，我不想引起冲突，那么我就需要修改</a:t>
             </a:r>
             <a:r>
-              <a:rPr lang="" altLang="zh-CN" sz="2000" b="0" strike="noStrike" spc="-1">
+              <a:rPr lang="en-US" altLang="zh-CN" sz="2000" b="0" strike="noStrike" spc="-1">
                 <a:latin typeface="Arial"/>
               </a:rPr>
               <a:t>Orders</a:t>
             </a:r>
             <a:r>
-              <a:rPr lang="zh-CN" altLang="" sz="2000" b="0" strike="noStrike" spc="-1">
+              <a:rPr lang="zh-CN" altLang="en-US" sz="2000" b="0" strike="noStrike" spc="-1">
                 <a:latin typeface="Arial"/>
               </a:rPr>
               <a:t>第一二行的</a:t>
             </a:r>
             <a:r>
-              <a:rPr lang="" altLang="zh-CN" sz="2000" b="0" strike="noStrike" spc="-1">
+              <a:rPr lang="en-US" altLang="zh-CN" sz="2000" b="0" strike="noStrike" spc="-1">
                 <a:latin typeface="Arial"/>
               </a:rPr>
               <a:t>PersonID</a:t>
             </a:r>
             <a:r>
-              <a:rPr lang="zh-CN" altLang="" sz="2000" b="0" strike="noStrike" spc="-1">
+              <a:rPr lang="zh-CN" altLang="en-US" sz="2000" b="0" strike="noStrike" spc="-1">
                 <a:latin typeface="Arial"/>
               </a:rPr>
               <a:t>值为空值或者是其他默认值。</a:t>
             </a:r>
-            <a:endParaRPr lang="zh-CN" altLang="" sz="2000" b="0" strike="noStrike" spc="-1">
+            <a:endParaRPr lang="zh-CN" altLang="en-US" sz="2000" b="0" strike="noStrike" spc="-1">
               <a:latin typeface="Arial"/>
             </a:endParaRPr>
           </a:p>
@@ -4057,7 +4025,7 @@
                 <a:spcPct val="100000"/>
               </a:lnSpc>
             </a:pPr>
-            <a:endParaRPr lang="zh-CN" altLang="" sz="2000" b="0" strike="noStrike" spc="-1">
+            <a:endParaRPr lang="zh-CN" altLang="en-US" sz="2000" b="0" strike="noStrike" spc="-1">
               <a:latin typeface="Arial"/>
             </a:endParaRPr>
           </a:p>
@@ -4068,12 +4036,12 @@
               </a:lnSpc>
             </a:pPr>
             <a:r>
-              <a:rPr lang="zh-CN" altLang="" sz="2000" b="0" strike="noStrike" spc="-1">
+              <a:rPr lang="zh-CN" altLang="en-US" sz="2000" b="0" strike="noStrike" spc="-1">
                 <a:latin typeface="Arial"/>
               </a:rPr>
               <a:t>以上操作都是为了一个目的：数据一致性，无论你采用什么操作，这俩表的数据是不可以有冲突的。</a:t>
             </a:r>
-            <a:endParaRPr lang="zh-CN" altLang="" sz="2000" b="0" strike="noStrike" spc="-1">
+            <a:endParaRPr lang="zh-CN" altLang="en-US" sz="2000" b="0" strike="noStrike" spc="-1">
               <a:latin typeface="Arial"/>
             </a:endParaRPr>
           </a:p>
@@ -4326,18 +4294,18 @@
               <a:t>最终，我们可以看到最后的</a:t>
             </a:r>
             <a:r>
-              <a:rPr lang="" altLang="zh-CN" sz="2000" b="0" strike="noStrike" spc="-1">
+              <a:rPr lang="en-US" altLang="zh-CN" sz="2000" b="0" strike="noStrike" spc="-1">
                 <a:latin typeface="Arial"/>
               </a:rPr>
               <a:t>SQL</a:t>
             </a:r>
             <a:r>
-              <a:rPr lang="zh-CN" altLang="" sz="2000" b="0" strike="noStrike" spc="-1">
+              <a:rPr lang="zh-CN" altLang="en-US" sz="2000" b="0" strike="noStrike" spc="-1">
                 <a:latin typeface="Arial"/>
               </a:rPr>
               <a:t>表达式，最后两行声明了针对删除和更新的两种不同的策略</a:t>
             </a:r>
-            <a:endParaRPr lang="zh-CN" altLang="" sz="2000" b="0" strike="noStrike" spc="-1">
+            <a:endParaRPr lang="zh-CN" altLang="en-US" sz="2000" b="0" strike="noStrike" spc="-1">
               <a:latin typeface="Arial"/>
             </a:endParaRPr>
           </a:p>
@@ -4464,18 +4432,18 @@
               <a:t>有了创建，当然有删除呀，删除表的操作真的要比创建表要容易太多了，直接使用</a:t>
             </a:r>
             <a:r>
-              <a:rPr lang="" altLang="zh-CN" sz="2000" b="0" strike="noStrike" spc="-1">
+              <a:rPr lang="en-US" altLang="zh-CN" sz="2000" b="0" strike="noStrike" spc="-1">
                 <a:latin typeface="Arial"/>
               </a:rPr>
               <a:t>DROP TABLE</a:t>
             </a:r>
             <a:r>
-              <a:rPr lang="zh-CN" altLang="" sz="2000" b="0" strike="noStrike" spc="-1">
+              <a:rPr lang="zh-CN" altLang="en-US" sz="2000" b="0" strike="noStrike" spc="-1">
                 <a:latin typeface="Arial"/>
               </a:rPr>
               <a:t>这个命令，后面跟上你想删除的表名就可以了，是不是相当简单粗暴？</a:t>
             </a:r>
-            <a:endParaRPr lang="zh-CN" altLang="" sz="2000" b="0" strike="noStrike" spc="-1">
+            <a:endParaRPr lang="zh-CN" altLang="en-US" sz="2000" b="0" strike="noStrike" spc="-1">
               <a:latin typeface="Arial"/>
             </a:endParaRPr>
           </a:p>
@@ -4607,10 +4575,25 @@
                 <a:latin typeface="Arial"/>
                 <a:sym typeface="+mn-ea"/>
               </a:rPr>
-              <a:t>现在既然我们学会了怎么创建数据库，那就让我们开始学习如何在数据库里面创建表吧。</a:t>
-            </a:r>
-            <a:endParaRPr lang="zh-CN" altLang="en-US" sz="2000" b="0" strike="noStrike" spc="-1">
-              <a:latin typeface="Arial"/>
+              <a:t>现在既然我们学会了怎么创建表，那我们该如何修改已经创建的表的基本信息，比如改变属性名，插入新属性呢？</a:t>
+            </a:r>
+            <a:r>
+              <a:rPr lang="" altLang="zh-CN" sz="2000" spc="-1">
+                <a:latin typeface="Arial"/>
+                <a:sym typeface="+mn-ea"/>
+              </a:rPr>
+              <a:t>Alter</a:t>
+            </a:r>
+            <a:r>
+              <a:rPr lang="zh-CN" altLang="" sz="2000" spc="-1">
+                <a:latin typeface="Arial"/>
+                <a:sym typeface="+mn-ea"/>
+              </a:rPr>
+              <a:t>关键词就可以帮我们搞定这个。</a:t>
+            </a:r>
+            <a:endParaRPr lang="zh-CN" altLang="" sz="2000" b="0" strike="noStrike" spc="-1">
+              <a:latin typeface="Arial"/>
+              <a:sym typeface="+mn-ea"/>
             </a:endParaRPr>
           </a:p>
         </p:txBody>
@@ -4682,7 +4665,7 @@
       </p:grpSpPr>
       <p:sp>
         <p:nvSpPr>
-          <p:cNvPr id="307" name="PlaceHolder 1"/>
+          <p:cNvPr id="310" name="PlaceHolder 1"/>
           <p:cNvSpPr>
             <a:spLocks noGrp="true"/>
           </p:cNvSpPr>
@@ -4702,7 +4685,7 @@
       </p:sp>
       <p:sp>
         <p:nvSpPr>
-          <p:cNvPr id="308" name="PlaceHolder 2"/>
+          <p:cNvPr id="311" name="PlaceHolder 2"/>
           <p:cNvSpPr>
             <a:spLocks noGrp="true"/>
           </p:cNvSpPr>
@@ -4729,7 +4712,233 @@
                 <a:spcPct val="100000"/>
               </a:lnSpc>
             </a:pPr>
-            <a:endParaRPr lang="zh-CN" altLang="en-US" sz="2000" b="0" strike="noStrike" spc="-1">
+            <a:r>
+              <a:rPr lang="zh-CN" altLang="" sz="2000" b="0" strike="noStrike" spc="-1">
+                <a:latin typeface="Arial"/>
+              </a:rPr>
+              <a:t>总的来说，我们对于列，也就是属性的操作主要就三种，添加一个新列，删除某一列，以及修改某一列。</a:t>
+            </a:r>
+            <a:endParaRPr lang="zh-CN" altLang="" sz="2000" b="0" strike="noStrike" spc="-1">
+              <a:latin typeface="Arial"/>
+            </a:endParaRPr>
+          </a:p>
+          <a:p>
+            <a:pPr marL="215900" indent="-215900">
+              <a:lnSpc>
+                <a:spcPct val="100000"/>
+              </a:lnSpc>
+            </a:pPr>
+            <a:endParaRPr lang="zh-CN" altLang="" sz="2000" b="0" strike="noStrike" spc="-1">
+              <a:latin typeface="Arial"/>
+            </a:endParaRPr>
+          </a:p>
+          <a:p>
+            <a:pPr marL="215900" indent="-215900">
+              <a:lnSpc>
+                <a:spcPct val="100000"/>
+              </a:lnSpc>
+            </a:pPr>
+            <a:r>
+              <a:rPr lang="zh-CN" altLang="" sz="2000" b="0" strike="noStrike" spc="-1">
+                <a:latin typeface="Arial"/>
+              </a:rPr>
+              <a:t>首先我们来介绍怎么添加一个新列进去，基本语法方面，首先使用</a:t>
+            </a:r>
+            <a:r>
+              <a:rPr lang="en-US" altLang="zh-CN" sz="2000" b="0" strike="noStrike" spc="-1">
+                <a:latin typeface="Arial"/>
+              </a:rPr>
+              <a:t>ALTER TABLE</a:t>
+            </a:r>
+            <a:r>
+              <a:rPr lang="zh-CN" altLang="en-US" sz="2000" b="0" strike="noStrike" spc="-1">
+                <a:latin typeface="Arial"/>
+              </a:rPr>
+              <a:t>来告诉</a:t>
+            </a:r>
+            <a:r>
+              <a:rPr lang="en-US" altLang="zh-CN" sz="2000" b="0" strike="noStrike" spc="-1">
+                <a:latin typeface="Arial"/>
+              </a:rPr>
+              <a:t>mysql</a:t>
+            </a:r>
+            <a:r>
+              <a:rPr lang="zh-CN" altLang="en-US" sz="2000" b="0" strike="noStrike" spc="-1">
+                <a:latin typeface="Arial"/>
+              </a:rPr>
+              <a:t>我需要修改的列，在哪一个</a:t>
+            </a:r>
+            <a:r>
+              <a:rPr lang="" altLang="zh-CN" sz="2000" b="0" strike="noStrike" spc="-1">
+                <a:latin typeface="Arial"/>
+              </a:rPr>
+              <a:t>table</a:t>
+            </a:r>
+            <a:r>
+              <a:rPr lang="zh-CN" altLang="" sz="2000" b="0" strike="noStrike" spc="-1">
+                <a:latin typeface="Arial"/>
+              </a:rPr>
+              <a:t>里面，然后，在</a:t>
+            </a:r>
+            <a:r>
+              <a:rPr lang="" altLang="zh-CN" sz="2000" b="0" strike="noStrike" spc="-1">
+                <a:latin typeface="Arial"/>
+              </a:rPr>
+              <a:t>ADD</a:t>
+            </a:r>
+            <a:r>
+              <a:rPr lang="zh-CN" altLang="" sz="2000" b="0" strike="noStrike" spc="-1">
+                <a:latin typeface="Arial"/>
+              </a:rPr>
+              <a:t>关键词后面写上新的列名，以及这个新的列他的数据结构啊，限制条件之类的。</a:t>
+            </a:r>
+            <a:endParaRPr lang="zh-CN" altLang="" sz="2000" b="0" strike="noStrike" spc="-1">
+              <a:latin typeface="Arial"/>
+            </a:endParaRPr>
+          </a:p>
+          <a:p>
+            <a:pPr marL="215900" indent="-215900">
+              <a:lnSpc>
+                <a:spcPct val="100000"/>
+              </a:lnSpc>
+            </a:pPr>
+            <a:endParaRPr lang="zh-CN" altLang="" sz="2000" b="0" strike="noStrike" spc="-1">
+              <a:latin typeface="Arial"/>
+            </a:endParaRPr>
+          </a:p>
+          <a:p>
+            <a:pPr marL="215900" indent="-215900">
+              <a:lnSpc>
+                <a:spcPct val="100000"/>
+              </a:lnSpc>
+            </a:pPr>
+            <a:r>
+              <a:rPr lang="zh-CN" altLang="" sz="2000" b="0" strike="noStrike" spc="-1">
+                <a:latin typeface="Arial"/>
+              </a:rPr>
+              <a:t>就像例子中的那样，这个例子我们往一个联系人表里面添加姓和名两列，首先我们使用</a:t>
+            </a:r>
+            <a:r>
+              <a:rPr lang="" altLang="zh-CN" sz="2000" b="0" strike="noStrike" spc="-1">
+                <a:latin typeface="Arial"/>
+              </a:rPr>
+              <a:t>ALTER TABLE</a:t>
+            </a:r>
+            <a:r>
+              <a:rPr lang="zh-CN" altLang="" sz="2000" b="0" strike="noStrike" spc="-1">
+                <a:latin typeface="Arial"/>
+              </a:rPr>
+              <a:t>告诉</a:t>
+            </a:r>
+            <a:r>
+              <a:rPr lang="en-US" altLang="zh-CN" sz="2000" b="0" strike="noStrike" spc="-1">
+                <a:latin typeface="Arial"/>
+              </a:rPr>
+              <a:t>MYSQL</a:t>
+            </a:r>
+            <a:r>
+              <a:rPr lang="zh-CN" altLang="en-US" sz="2000" b="0" strike="noStrike" spc="-1">
+                <a:latin typeface="Arial"/>
+              </a:rPr>
+              <a:t>目标是</a:t>
+            </a:r>
+            <a:r>
+              <a:rPr lang="" altLang="zh-CN" sz="2000" b="0" strike="noStrike" spc="-1">
+                <a:latin typeface="Arial"/>
+              </a:rPr>
+              <a:t>contacts</a:t>
+            </a:r>
+            <a:r>
+              <a:rPr lang="zh-CN" altLang="" sz="2000" b="0" strike="noStrike" spc="-1">
+                <a:latin typeface="Arial"/>
+              </a:rPr>
+              <a:t>表，然后使用</a:t>
+            </a:r>
+            <a:r>
+              <a:rPr lang="en-US" altLang="zh-CN" sz="2000" b="0" strike="noStrike" spc="-1">
+                <a:latin typeface="Arial"/>
+              </a:rPr>
+              <a:t>ADD</a:t>
+            </a:r>
+            <a:r>
+              <a:rPr lang="zh-CN" altLang="en-US" sz="2000" b="0" strike="noStrike" spc="-1">
+                <a:latin typeface="Arial"/>
+              </a:rPr>
+              <a:t>来添加</a:t>
+            </a:r>
+            <a:r>
+              <a:rPr lang="" altLang="zh-CN" sz="2000" b="0" strike="noStrike" spc="-1">
+                <a:latin typeface="Arial"/>
+              </a:rPr>
+              <a:t>first_name</a:t>
+            </a:r>
+            <a:r>
+              <a:rPr lang="zh-CN" altLang="" sz="2000" b="0" strike="noStrike" spc="-1">
+                <a:latin typeface="Arial"/>
+              </a:rPr>
+              <a:t>和</a:t>
+            </a:r>
+            <a:r>
+              <a:rPr lang="" altLang="zh-CN" sz="2000" b="0" strike="noStrike" spc="-1">
+                <a:latin typeface="Arial"/>
+              </a:rPr>
+              <a:t>last_name</a:t>
+            </a:r>
+            <a:r>
+              <a:rPr lang="zh-CN" altLang="" sz="2000" b="0" strike="noStrike" spc="-1">
+                <a:latin typeface="Arial"/>
+              </a:rPr>
+              <a:t>两列，这里可以注意到，</a:t>
+            </a:r>
+            <a:r>
+              <a:rPr lang="" altLang="zh-CN" sz="2000" b="0" strike="noStrike" spc="-1">
+                <a:latin typeface="Arial"/>
+              </a:rPr>
+              <a:t>last_name</a:t>
+            </a:r>
+            <a:r>
+              <a:rPr lang="zh-CN" altLang="" sz="2000" b="0" strike="noStrike" spc="-1">
+                <a:latin typeface="Arial"/>
+              </a:rPr>
+              <a:t>的限制条件是</a:t>
+            </a:r>
+            <a:r>
+              <a:rPr lang="en-US" altLang="zh-CN" sz="2000" b="0" strike="noStrike" spc="-1">
+                <a:latin typeface="Arial"/>
+              </a:rPr>
+              <a:t>NOT NULL</a:t>
+            </a:r>
+            <a:r>
+              <a:rPr lang="zh-CN" altLang="en-US" sz="2000" b="0" strike="noStrike" spc="-1">
+                <a:latin typeface="Arial"/>
+              </a:rPr>
+              <a:t>，也就是说新添加的</a:t>
+            </a:r>
+            <a:r>
+              <a:rPr lang="" altLang="zh-CN" sz="2000" b="0" strike="noStrike" spc="-1">
+                <a:latin typeface="Arial"/>
+              </a:rPr>
+              <a:t>last_name</a:t>
+            </a:r>
+            <a:r>
+              <a:rPr lang="zh-CN" altLang="" sz="2000" b="0" strike="noStrike" spc="-1">
+                <a:latin typeface="Arial"/>
+              </a:rPr>
+              <a:t>不可以是空的，而</a:t>
+            </a:r>
+            <a:r>
+              <a:rPr lang="" altLang="zh-CN" sz="2000" b="0" strike="noStrike" spc="-1">
+                <a:latin typeface="Arial"/>
+              </a:rPr>
+              <a:t>first_name</a:t>
+            </a:r>
+            <a:r>
+              <a:rPr lang="zh-CN" altLang="" sz="2000" b="0" strike="noStrike" spc="-1">
+                <a:latin typeface="Arial"/>
+              </a:rPr>
+              <a:t>可以是空的。</a:t>
+            </a:r>
+            <a:endParaRPr lang="zh-CN" altLang="" sz="2000" b="0" strike="noStrike" spc="-1">
               <a:latin typeface="Arial"/>
             </a:endParaRPr>
           </a:p>
@@ -4737,7 +4946,7 @@
       </p:sp>
       <p:sp>
         <p:nvSpPr>
-          <p:cNvPr id="309" name="TextShape 3"/>
+          <p:cNvPr id="312" name="TextShape 3"/>
           <p:cNvSpPr txBox="true"/>
           <p:nvPr/>
         </p:nvSpPr>
@@ -4764,7 +4973,545 @@
                 <a:spcPct val="100000"/>
               </a:lnSpc>
             </a:pPr>
-            <a:fld id="{6C959B2F-2352-40E1-A516-52B902EBA866}" type="slidenum">
+            <a:fld id="{51495A6C-9E5A-4760-BFE6-ED7661F5700E}" type="slidenum">
+              <a:rPr lang="en-US" sz="1200" b="0" strike="noStrike" spc="-1">
+                <a:latin typeface="Times New Roman"/>
+              </a:rPr>
+            </a:fld>
+            <a:endParaRPr lang="en-US" sz="1200" b="0" strike="noStrike" spc="-1">
+              <a:latin typeface="Times New Roman"/>
+            </a:endParaRPr>
+          </a:p>
+        </p:txBody>
+      </p:sp>
+    </p:spTree>
+  </p:cSld>
+  <p:clrMapOvr>
+    <a:masterClrMapping/>
+  </p:clrMapOvr>
+</p:notes>
+</file>
+
+<file path=ppt/notesSlides/notesSlide28.xml><?xml version="1.0" encoding="utf-8"?>
+<p:notes xmlns:a="http://schemas.openxmlformats.org/drawingml/2006/main" xmlns:r="http://schemas.openxmlformats.org/officeDocument/2006/relationships" xmlns:p="http://schemas.openxmlformats.org/presentationml/2006/main">
+  <p:cSld>
+    <p:spTree>
+      <p:nvGrpSpPr>
+        <p:cNvPr id="1" name=""/>
+        <p:cNvGrpSpPr/>
+        <p:nvPr/>
+      </p:nvGrpSpPr>
+      <p:grpSpPr>
+        <a:xfrm>
+          <a:off x="0" y="0"/>
+          <a:ext cx="0" cy="0"/>
+          <a:chOff x="0" y="0"/>
+          <a:chExt cx="0" cy="0"/>
+        </a:xfrm>
+      </p:grpSpPr>
+      <p:sp>
+        <p:nvSpPr>
+          <p:cNvPr id="310" name="PlaceHolder 1"/>
+          <p:cNvSpPr>
+            <a:spLocks noGrp="true"/>
+          </p:cNvSpPr>
+          <p:nvPr>
+            <p:ph type="sldImg"/>
+          </p:nvPr>
+        </p:nvSpPr>
+        <p:spPr>
+          <a:xfrm>
+            <a:off x="685800" y="1143000"/>
+            <a:ext cx="5486040" cy="3085920"/>
+          </a:xfrm>
+          <a:prstGeom prst="rect">
+            <a:avLst/>
+          </a:prstGeom>
+        </p:spPr>
+      </p:sp>
+      <p:sp>
+        <p:nvSpPr>
+          <p:cNvPr id="311" name="PlaceHolder 2"/>
+          <p:cNvSpPr>
+            <a:spLocks noGrp="true"/>
+          </p:cNvSpPr>
+          <p:nvPr>
+            <p:ph type="body"/>
+          </p:nvPr>
+        </p:nvSpPr>
+        <p:spPr>
+          <a:xfrm>
+            <a:off x="685800" y="4400640"/>
+            <a:ext cx="5486040" cy="3600000"/>
+          </a:xfrm>
+          <a:prstGeom prst="rect">
+            <a:avLst/>
+          </a:prstGeom>
+        </p:spPr>
+        <p:txBody>
+          <a:bodyPr>
+            <a:noAutofit/>
+          </a:bodyPr>
+          <a:p>
+            <a:pPr marL="215900" indent="-215900">
+              <a:lnSpc>
+                <a:spcPct val="100000"/>
+              </a:lnSpc>
+            </a:pPr>
+            <a:r>
+              <a:rPr lang="zh-CN" altLang="" sz="2000" b="0" strike="noStrike" spc="-1">
+                <a:latin typeface="Arial"/>
+              </a:rPr>
+              <a:t>既然有添加操作，那么一定会有相对应的删除操作，那么如何使用</a:t>
+            </a:r>
+            <a:r>
+              <a:rPr lang="en-US" altLang="zh-CN" sz="2000" b="0" strike="noStrike" spc="-1">
+                <a:latin typeface="Arial"/>
+              </a:rPr>
+              <a:t>ALTER</a:t>
+            </a:r>
+            <a:r>
+              <a:rPr lang="zh-CN" altLang="en-US" sz="2000" b="0" strike="noStrike" spc="-1">
+                <a:latin typeface="Arial"/>
+              </a:rPr>
+              <a:t>来删除列呢？</a:t>
+            </a:r>
+            <a:endParaRPr lang="zh-CN" altLang="en-US" sz="2000" b="0" strike="noStrike" spc="-1">
+              <a:latin typeface="Arial"/>
+            </a:endParaRPr>
+          </a:p>
+          <a:p>
+            <a:pPr marL="215900" indent="-215900">
+              <a:lnSpc>
+                <a:spcPct val="100000"/>
+              </a:lnSpc>
+            </a:pPr>
+            <a:endParaRPr lang="zh-CN" altLang="en-US" sz="2000" b="0" strike="noStrike" spc="-1">
+              <a:latin typeface="Arial"/>
+            </a:endParaRPr>
+          </a:p>
+          <a:p>
+            <a:pPr marL="215900" indent="-215900">
+              <a:lnSpc>
+                <a:spcPct val="100000"/>
+              </a:lnSpc>
+            </a:pPr>
+            <a:r>
+              <a:rPr lang="zh-CN" altLang="en-US" sz="2000" b="0" strike="noStrike" spc="-1">
+                <a:latin typeface="Arial"/>
+              </a:rPr>
+              <a:t>其实非常简单，比添加操作简单多了，毕竟不需要声明数据类型啥的，直接告诉我要删除哪一列就完事了。</a:t>
+            </a:r>
+            <a:endParaRPr lang="zh-CN" altLang="en-US" sz="2000" b="0" strike="noStrike" spc="-1">
+              <a:latin typeface="Arial"/>
+            </a:endParaRPr>
+          </a:p>
+          <a:p>
+            <a:pPr marL="215900" indent="-215900">
+              <a:lnSpc>
+                <a:spcPct val="100000"/>
+              </a:lnSpc>
+            </a:pPr>
+            <a:endParaRPr lang="zh-CN" altLang="en-US" sz="2000" b="0" strike="noStrike" spc="-1">
+              <a:latin typeface="Arial"/>
+            </a:endParaRPr>
+          </a:p>
+          <a:p>
+            <a:pPr marL="215900" indent="-215900">
+              <a:lnSpc>
+                <a:spcPct val="100000"/>
+              </a:lnSpc>
+            </a:pPr>
+            <a:r>
+              <a:rPr lang="zh-CN" altLang="en-US" sz="2000" b="0" strike="noStrike" spc="-1">
+                <a:latin typeface="Arial"/>
+              </a:rPr>
+              <a:t>所以删除列的语法也非常简单，在表名之后，加上</a:t>
+            </a:r>
+            <a:r>
+              <a:rPr lang="en-US" altLang="zh-CN" sz="2000" b="0" strike="noStrike" spc="-1">
+                <a:latin typeface="Arial"/>
+              </a:rPr>
+              <a:t>DROP COLUMN</a:t>
+            </a:r>
+            <a:r>
+              <a:rPr lang="zh-CN" altLang="en-US" sz="2000" b="0" strike="noStrike" spc="-1">
+                <a:latin typeface="Arial"/>
+              </a:rPr>
+              <a:t>和删除的列名字就可以了，比如这个例子里面，我想要删除</a:t>
+            </a:r>
+            <a:r>
+              <a:rPr lang="" altLang="zh-CN" sz="2000" b="0" strike="noStrike" spc="-1">
+                <a:latin typeface="Arial"/>
+              </a:rPr>
+              <a:t>contact_type</a:t>
+            </a:r>
+            <a:r>
+              <a:rPr lang="zh-CN" altLang="" sz="2000" b="0" strike="noStrike" spc="-1">
+                <a:latin typeface="Arial"/>
+              </a:rPr>
+              <a:t>这个列，我把名字写上去就可以了，非常容易。</a:t>
+            </a:r>
+            <a:endParaRPr lang="en-US" altLang="zh-CN" sz="2000" b="0" strike="noStrike" spc="-1">
+              <a:latin typeface="Arial"/>
+            </a:endParaRPr>
+          </a:p>
+        </p:txBody>
+      </p:sp>
+      <p:sp>
+        <p:nvSpPr>
+          <p:cNvPr id="312" name="TextShape 3"/>
+          <p:cNvSpPr txBox="true"/>
+          <p:nvPr/>
+        </p:nvSpPr>
+        <p:spPr>
+          <a:xfrm>
+            <a:off x="3884760" y="8685360"/>
+            <a:ext cx="2971440" cy="458280"/>
+          </a:xfrm>
+          <a:prstGeom prst="rect">
+            <a:avLst/>
+          </a:prstGeom>
+          <a:noFill/>
+          <a:ln w="0">
+            <a:noFill/>
+          </a:ln>
+        </p:spPr>
+        <p:txBody>
+          <a:bodyPr anchor="b">
+            <a:noAutofit/>
+          </a:bodyPr>
+          <a:p>
+            <a:pPr algn="r">
+              <a:lnSpc>
+                <a:spcPct val="100000"/>
+              </a:lnSpc>
+            </a:pPr>
+            <a:fld id="{51495A6C-9E5A-4760-BFE6-ED7661F5700E}" type="slidenum">
+              <a:rPr lang="en-US" sz="1200" b="0" strike="noStrike" spc="-1">
+                <a:latin typeface="Times New Roman"/>
+              </a:rPr>
+            </a:fld>
+            <a:endParaRPr lang="en-US" sz="1200" b="0" strike="noStrike" spc="-1">
+              <a:latin typeface="Times New Roman"/>
+            </a:endParaRPr>
+          </a:p>
+        </p:txBody>
+      </p:sp>
+    </p:spTree>
+  </p:cSld>
+  <p:clrMapOvr>
+    <a:masterClrMapping/>
+  </p:clrMapOvr>
+</p:notes>
+</file>
+
+<file path=ppt/notesSlides/notesSlide29.xml><?xml version="1.0" encoding="utf-8"?>
+<p:notes xmlns:a="http://schemas.openxmlformats.org/drawingml/2006/main" xmlns:r="http://schemas.openxmlformats.org/officeDocument/2006/relationships" xmlns:p="http://schemas.openxmlformats.org/presentationml/2006/main">
+  <p:cSld>
+    <p:spTree>
+      <p:nvGrpSpPr>
+        <p:cNvPr id="1" name=""/>
+        <p:cNvGrpSpPr/>
+        <p:nvPr/>
+      </p:nvGrpSpPr>
+      <p:grpSpPr>
+        <a:xfrm>
+          <a:off x="0" y="0"/>
+          <a:ext cx="0" cy="0"/>
+          <a:chOff x="0" y="0"/>
+          <a:chExt cx="0" cy="0"/>
+        </a:xfrm>
+      </p:grpSpPr>
+      <p:sp>
+        <p:nvSpPr>
+          <p:cNvPr id="310" name="PlaceHolder 1"/>
+          <p:cNvSpPr>
+            <a:spLocks noGrp="true"/>
+          </p:cNvSpPr>
+          <p:nvPr>
+            <p:ph type="sldImg"/>
+          </p:nvPr>
+        </p:nvSpPr>
+        <p:spPr>
+          <a:xfrm>
+            <a:off x="685800" y="1143000"/>
+            <a:ext cx="5486040" cy="3085920"/>
+          </a:xfrm>
+          <a:prstGeom prst="rect">
+            <a:avLst/>
+          </a:prstGeom>
+        </p:spPr>
+      </p:sp>
+      <p:sp>
+        <p:nvSpPr>
+          <p:cNvPr id="311" name="PlaceHolder 2"/>
+          <p:cNvSpPr>
+            <a:spLocks noGrp="true"/>
+          </p:cNvSpPr>
+          <p:nvPr>
+            <p:ph type="body"/>
+          </p:nvPr>
+        </p:nvSpPr>
+        <p:spPr>
+          <a:xfrm>
+            <a:off x="685800" y="4400640"/>
+            <a:ext cx="5486040" cy="3600000"/>
+          </a:xfrm>
+          <a:prstGeom prst="rect">
+            <a:avLst/>
+          </a:prstGeom>
+        </p:spPr>
+        <p:txBody>
+          <a:bodyPr>
+            <a:noAutofit/>
+          </a:bodyPr>
+          <a:p>
+            <a:pPr marL="215900" indent="-215900">
+              <a:lnSpc>
+                <a:spcPct val="100000"/>
+              </a:lnSpc>
+            </a:pPr>
+            <a:r>
+              <a:rPr lang="zh-CN" altLang="en-US" sz="2000" b="0" strike="noStrike" spc="-1">
+                <a:latin typeface="Arial"/>
+              </a:rPr>
+              <a:t>接下来我们将开始介绍修改列的一些操作。修改这个操作相对于创建和删除操作要复杂得多，毕竟可以修改的地方太多了。</a:t>
+            </a:r>
+            <a:endParaRPr lang="zh-CN" altLang="en-US" sz="2000" b="0" strike="noStrike" spc="-1">
+              <a:latin typeface="Arial"/>
+            </a:endParaRPr>
+          </a:p>
+          <a:p>
+            <a:pPr marL="215900" indent="-215900">
+              <a:lnSpc>
+                <a:spcPct val="100000"/>
+              </a:lnSpc>
+            </a:pPr>
+            <a:endParaRPr lang="zh-CN" altLang="en-US" sz="2000" b="0" strike="noStrike" spc="-1">
+              <a:latin typeface="Arial"/>
+            </a:endParaRPr>
+          </a:p>
+          <a:p>
+            <a:pPr marL="215900" indent="-215900">
+              <a:lnSpc>
+                <a:spcPct val="100000"/>
+              </a:lnSpc>
+            </a:pPr>
+            <a:r>
+              <a:rPr lang="zh-CN" altLang="en-US" sz="2000" b="0" strike="noStrike" spc="-1">
+                <a:latin typeface="Arial"/>
+              </a:rPr>
+              <a:t>那么我们首先学习如何修改列的名字和定义吧。修改名字和定义所需要的关键字是</a:t>
+            </a:r>
+            <a:r>
+              <a:rPr lang="en-US" altLang="zh-CN" sz="2000" b="0" strike="noStrike" spc="-1">
+                <a:latin typeface="Arial"/>
+              </a:rPr>
+              <a:t>CHANGE COLUMN</a:t>
+            </a:r>
+            <a:r>
+              <a:rPr lang="zh-CN" altLang="en-US" sz="2000" b="0" strike="noStrike" spc="-1">
+                <a:latin typeface="Arial"/>
+              </a:rPr>
+              <a:t>，这里的语法前半部分跟添加和删除操作一模一样，同样是告诉</a:t>
+            </a:r>
+            <a:r>
+              <a:rPr lang="" altLang="zh-CN" sz="2000" b="0" strike="noStrike" spc="-1">
+                <a:latin typeface="Arial"/>
+              </a:rPr>
+              <a:t>mysql</a:t>
+            </a:r>
+            <a:r>
+              <a:rPr lang="zh-CN" altLang="" sz="2000" b="0" strike="noStrike" spc="-1">
+                <a:latin typeface="Arial"/>
+              </a:rPr>
+              <a:t>是哪一个表，后面的</a:t>
+            </a:r>
+            <a:r>
+              <a:rPr lang="" altLang="zh-CN" sz="2000" b="0" strike="noStrike" spc="-1">
+                <a:latin typeface="Arial"/>
+              </a:rPr>
+              <a:t>old_name</a:t>
+            </a:r>
+            <a:r>
+              <a:rPr lang="zh-CN" altLang="" sz="2000" b="0" strike="noStrike" spc="-1">
+                <a:latin typeface="Arial"/>
+              </a:rPr>
+              <a:t>代表了原有的名字，</a:t>
+            </a:r>
+            <a:r>
+              <a:rPr lang="" altLang="zh-CN" sz="2000" b="0" strike="noStrike" spc="-1">
+                <a:latin typeface="Arial"/>
+              </a:rPr>
+              <a:t>new_name</a:t>
+            </a:r>
+            <a:r>
+              <a:rPr lang="zh-CN" altLang="" sz="2000" b="0" strike="noStrike" spc="-1">
+                <a:latin typeface="Arial"/>
+              </a:rPr>
+              <a:t>代表了新的名字，而</a:t>
+            </a:r>
+            <a:r>
+              <a:rPr lang="" altLang="zh-CN" sz="2000" b="0" strike="noStrike" spc="-1">
+                <a:latin typeface="Arial"/>
+              </a:rPr>
+              <a:t>column_definition</a:t>
+            </a:r>
+            <a:r>
+              <a:rPr lang="zh-CN" altLang="" sz="2000" b="0" strike="noStrike" spc="-1">
+                <a:latin typeface="Arial"/>
+              </a:rPr>
+              <a:t>则代表着列的定义，这个定义包含了数据结构以及限制条件两层内容，具体的修改方式，我们可以看下面这个例子。</a:t>
+            </a:r>
+            <a:endParaRPr lang="zh-CN" altLang="" sz="2000" b="0" strike="noStrike" spc="-1">
+              <a:latin typeface="Arial"/>
+            </a:endParaRPr>
+          </a:p>
+          <a:p>
+            <a:pPr marL="215900" indent="-215900">
+              <a:lnSpc>
+                <a:spcPct val="100000"/>
+              </a:lnSpc>
+            </a:pPr>
+            <a:endParaRPr lang="zh-CN" altLang="" sz="2000" b="0" strike="noStrike" spc="-1">
+              <a:latin typeface="Arial"/>
+            </a:endParaRPr>
+          </a:p>
+          <a:p>
+            <a:pPr marL="215900" indent="-215900">
+              <a:lnSpc>
+                <a:spcPct val="100000"/>
+              </a:lnSpc>
+            </a:pPr>
+            <a:r>
+              <a:rPr lang="zh-CN" altLang="" sz="2000" b="0" strike="noStrike" spc="-1">
+                <a:latin typeface="Arial"/>
+              </a:rPr>
+              <a:t>在这个例子中我想要修改</a:t>
+            </a:r>
+            <a:r>
+              <a:rPr lang="" altLang="zh-CN" sz="2000" b="0" strike="noStrike" spc="-1">
+                <a:latin typeface="Arial"/>
+              </a:rPr>
+              <a:t>contacts</a:t>
+            </a:r>
+            <a:r>
+              <a:rPr lang="zh-CN" altLang="" sz="2000" b="0" strike="noStrike" spc="-1">
+                <a:latin typeface="Arial"/>
+              </a:rPr>
+              <a:t>这个表里面的</a:t>
+            </a:r>
+            <a:r>
+              <a:rPr lang="" altLang="zh-CN" sz="2000" b="0" strike="noStrike" spc="-1">
+                <a:latin typeface="Arial"/>
+              </a:rPr>
+              <a:t>contact_type</a:t>
+            </a:r>
+            <a:r>
+              <a:rPr lang="zh-CN" altLang="" sz="2000" b="0" strike="noStrike" spc="-1">
+                <a:latin typeface="Arial"/>
+              </a:rPr>
+              <a:t>这一列，将列的名字修改为</a:t>
+            </a:r>
+            <a:r>
+              <a:rPr lang="" altLang="zh-CN" sz="2000" b="0" strike="noStrike" spc="-1">
+                <a:latin typeface="Arial"/>
+              </a:rPr>
+              <a:t>ctype</a:t>
+            </a:r>
+            <a:r>
+              <a:rPr lang="zh-CN" altLang="" sz="2000" b="0" strike="noStrike" spc="-1">
+                <a:latin typeface="Arial"/>
+              </a:rPr>
+              <a:t>并且限定它是</a:t>
+            </a:r>
+            <a:r>
+              <a:rPr lang="" altLang="zh-CN" sz="2000" b="0" strike="noStrike" spc="-1">
+                <a:latin typeface="Arial"/>
+              </a:rPr>
+              <a:t>varchar(20)</a:t>
+            </a:r>
+            <a:r>
+              <a:rPr lang="zh-CN" altLang="" sz="2000" b="0" strike="noStrike" spc="-1">
+                <a:latin typeface="Arial"/>
+              </a:rPr>
+              <a:t>这个数据类型，并不可以是空值，我需要做的，就是在</a:t>
+            </a:r>
+            <a:r>
+              <a:rPr lang="en-US" altLang="zh-CN" sz="2000" b="0" strike="noStrike" spc="-1">
+                <a:latin typeface="Arial"/>
+              </a:rPr>
+              <a:t>CHANGE COLUMN</a:t>
+            </a:r>
+            <a:r>
+              <a:rPr lang="zh-CN" altLang="en-US" sz="2000" b="0" strike="noStrike" spc="-1">
+                <a:latin typeface="Arial"/>
+              </a:rPr>
+              <a:t>后面天上旧名字，新名字，数据类型以及限制条件即可，只要保证顺序不错就可以了。</a:t>
+            </a:r>
+            <a:endParaRPr lang="zh-CN" altLang="en-US" sz="2000" b="0" strike="noStrike" spc="-1">
+              <a:latin typeface="Arial"/>
+            </a:endParaRPr>
+          </a:p>
+          <a:p>
+            <a:pPr marL="215900" indent="-215900">
+              <a:lnSpc>
+                <a:spcPct val="100000"/>
+              </a:lnSpc>
+            </a:pPr>
+            <a:endParaRPr lang="zh-CN" altLang="en-US" sz="2000" b="0" strike="noStrike" spc="-1">
+              <a:latin typeface="Arial"/>
+            </a:endParaRPr>
+          </a:p>
+          <a:p>
+            <a:pPr marL="215900" indent="-215900">
+              <a:lnSpc>
+                <a:spcPct val="100000"/>
+              </a:lnSpc>
+            </a:pPr>
+            <a:r>
+              <a:rPr lang="zh-CN" altLang="en-US" sz="2000" b="0" strike="noStrike" spc="-1">
+                <a:latin typeface="Arial"/>
+              </a:rPr>
+              <a:t>这里要注意的是，如果你这里写的旧名字，在这张表里面不存在的话，是会报错的哦。</a:t>
+            </a:r>
+            <a:endParaRPr lang="zh-CN" altLang="en-US" sz="2000" b="0" strike="noStrike" spc="-1">
+              <a:latin typeface="Arial"/>
+            </a:endParaRPr>
+          </a:p>
+        </p:txBody>
+      </p:sp>
+      <p:sp>
+        <p:nvSpPr>
+          <p:cNvPr id="312" name="TextShape 3"/>
+          <p:cNvSpPr txBox="true"/>
+          <p:nvPr/>
+        </p:nvSpPr>
+        <p:spPr>
+          <a:xfrm>
+            <a:off x="3884760" y="8685360"/>
+            <a:ext cx="2971440" cy="458280"/>
+          </a:xfrm>
+          <a:prstGeom prst="rect">
+            <a:avLst/>
+          </a:prstGeom>
+          <a:noFill/>
+          <a:ln w="0">
+            <a:noFill/>
+          </a:ln>
+        </p:spPr>
+        <p:txBody>
+          <a:bodyPr anchor="b">
+            <a:noAutofit/>
+          </a:bodyPr>
+          <a:p>
+            <a:pPr algn="r">
+              <a:lnSpc>
+                <a:spcPct val="100000"/>
+              </a:lnSpc>
+            </a:pPr>
+            <a:fld id="{51495A6C-9E5A-4760-BFE6-ED7661F5700E}" type="slidenum">
               <a:rPr lang="en-US" sz="1200" b="0" strike="noStrike" spc="-1">
                 <a:latin typeface="Times New Roman"/>
               </a:rPr>
@@ -5443,6 +6190,326 @@
 </p:notes>
 </file>
 
+<file path=ppt/notesSlides/notesSlide30.xml><?xml version="1.0" encoding="utf-8"?>
+<p:notes xmlns:a="http://schemas.openxmlformats.org/drawingml/2006/main" xmlns:r="http://schemas.openxmlformats.org/officeDocument/2006/relationships" xmlns:p="http://schemas.openxmlformats.org/presentationml/2006/main">
+  <p:cSld>
+    <p:spTree>
+      <p:nvGrpSpPr>
+        <p:cNvPr id="1" name=""/>
+        <p:cNvGrpSpPr/>
+        <p:nvPr/>
+      </p:nvGrpSpPr>
+      <p:grpSpPr>
+        <a:xfrm>
+          <a:off x="0" y="0"/>
+          <a:ext cx="0" cy="0"/>
+          <a:chOff x="0" y="0"/>
+          <a:chExt cx="0" cy="0"/>
+        </a:xfrm>
+      </p:grpSpPr>
+      <p:sp>
+        <p:nvSpPr>
+          <p:cNvPr id="310" name="PlaceHolder 1"/>
+          <p:cNvSpPr>
+            <a:spLocks noGrp="true"/>
+          </p:cNvSpPr>
+          <p:nvPr>
+            <p:ph type="sldImg"/>
+          </p:nvPr>
+        </p:nvSpPr>
+        <p:spPr>
+          <a:xfrm>
+            <a:off x="685800" y="1143000"/>
+            <a:ext cx="5486040" cy="3085920"/>
+          </a:xfrm>
+          <a:prstGeom prst="rect">
+            <a:avLst/>
+          </a:prstGeom>
+        </p:spPr>
+      </p:sp>
+      <p:sp>
+        <p:nvSpPr>
+          <p:cNvPr id="311" name="PlaceHolder 2"/>
+          <p:cNvSpPr>
+            <a:spLocks noGrp="true"/>
+          </p:cNvSpPr>
+          <p:nvPr>
+            <p:ph type="body"/>
+          </p:nvPr>
+        </p:nvSpPr>
+        <p:spPr>
+          <a:xfrm>
+            <a:off x="685800" y="4400640"/>
+            <a:ext cx="5486040" cy="3600000"/>
+          </a:xfrm>
+          <a:prstGeom prst="rect">
+            <a:avLst/>
+          </a:prstGeom>
+        </p:spPr>
+        <p:txBody>
+          <a:bodyPr>
+            <a:noAutofit/>
+          </a:bodyPr>
+          <a:p>
+            <a:pPr marL="215900" indent="-215900">
+              <a:lnSpc>
+                <a:spcPct val="100000"/>
+              </a:lnSpc>
+            </a:pPr>
+            <a:r>
+              <a:rPr lang="zh-CN" altLang="" sz="2000" b="0" strike="noStrike" spc="-1">
+                <a:latin typeface="Arial"/>
+              </a:rPr>
+              <a:t>接下来，如果我只想修改某一列的定义，比如改变他的数据结构怎么办？</a:t>
+            </a:r>
+            <a:endParaRPr lang="zh-CN" altLang="" sz="2000" b="0" strike="noStrike" spc="-1">
+              <a:latin typeface="Arial"/>
+            </a:endParaRPr>
+          </a:p>
+          <a:p>
+            <a:pPr marL="215900" indent="-215900">
+              <a:lnSpc>
+                <a:spcPct val="100000"/>
+              </a:lnSpc>
+            </a:pPr>
+            <a:endParaRPr lang="" altLang="zh-CN" sz="2000" b="0" strike="noStrike" spc="-1">
+              <a:latin typeface="Arial"/>
+            </a:endParaRPr>
+          </a:p>
+          <a:p>
+            <a:pPr marL="215900" indent="-215900">
+              <a:lnSpc>
+                <a:spcPct val="100000"/>
+              </a:lnSpc>
+            </a:pPr>
+            <a:r>
+              <a:rPr lang="zh-CN" altLang="" sz="2000" b="0" strike="noStrike" spc="-1">
+                <a:latin typeface="Arial"/>
+              </a:rPr>
+              <a:t>那么我们就可以使用</a:t>
+            </a:r>
+            <a:r>
+              <a:rPr lang="en-US" altLang="zh-CN" sz="2000" b="0" strike="noStrike" spc="-1">
+                <a:latin typeface="Arial"/>
+              </a:rPr>
+              <a:t>MODIFY</a:t>
+            </a:r>
+            <a:r>
+              <a:rPr lang="zh-CN" altLang="en-US" sz="2000" b="0" strike="noStrike" spc="-1">
+                <a:latin typeface="Arial"/>
+              </a:rPr>
+              <a:t>关键字来修改。首先看语法，前半部分跟之前的命令一模一样，后半部分呢？无非是多了个</a:t>
+            </a:r>
+            <a:r>
+              <a:rPr lang="" altLang="zh-CN" sz="2000" b="0" strike="noStrike" spc="-1">
+                <a:latin typeface="Arial"/>
+              </a:rPr>
+              <a:t>MODIFY</a:t>
+            </a:r>
+            <a:r>
+              <a:rPr lang="zh-CN" altLang="" sz="2000" b="0" strike="noStrike" spc="-1">
+                <a:latin typeface="Arial"/>
+              </a:rPr>
+              <a:t>关键字，再跟上列的名字，以及你想要的数据定义，比如例子这里，我把</a:t>
+            </a:r>
+            <a:r>
+              <a:rPr lang="" altLang="zh-CN" sz="2000" b="0" strike="noStrike" spc="-1">
+                <a:latin typeface="Arial"/>
+              </a:rPr>
+              <a:t>last_name</a:t>
+            </a:r>
+            <a:r>
+              <a:rPr lang="zh-CN" altLang="" sz="2000" b="0" strike="noStrike" spc="-1">
+                <a:latin typeface="Arial"/>
+              </a:rPr>
+              <a:t>这一列的数据结构改成了</a:t>
+            </a:r>
+            <a:r>
+              <a:rPr lang="" altLang="zh-CN" sz="2000" b="0" strike="noStrike" spc="-1">
+                <a:latin typeface="Arial"/>
+              </a:rPr>
+              <a:t>varchar(50) </a:t>
+            </a:r>
+            <a:r>
+              <a:rPr lang="zh-CN" altLang="" sz="2000" b="0" strike="noStrike" spc="-1">
+                <a:latin typeface="Arial"/>
+              </a:rPr>
+              <a:t>并且允许空值了。</a:t>
+            </a:r>
+            <a:endParaRPr lang="zh-CN" altLang="" sz="2000" b="0" strike="noStrike" spc="-1">
+              <a:latin typeface="Arial"/>
+            </a:endParaRPr>
+          </a:p>
+        </p:txBody>
+      </p:sp>
+      <p:sp>
+        <p:nvSpPr>
+          <p:cNvPr id="312" name="TextShape 3"/>
+          <p:cNvSpPr txBox="true"/>
+          <p:nvPr/>
+        </p:nvSpPr>
+        <p:spPr>
+          <a:xfrm>
+            <a:off x="3884760" y="8685360"/>
+            <a:ext cx="2971440" cy="458280"/>
+          </a:xfrm>
+          <a:prstGeom prst="rect">
+            <a:avLst/>
+          </a:prstGeom>
+          <a:noFill/>
+          <a:ln w="0">
+            <a:noFill/>
+          </a:ln>
+        </p:spPr>
+        <p:txBody>
+          <a:bodyPr anchor="b">
+            <a:noAutofit/>
+          </a:bodyPr>
+          <a:p>
+            <a:pPr algn="r">
+              <a:lnSpc>
+                <a:spcPct val="100000"/>
+              </a:lnSpc>
+            </a:pPr>
+            <a:fld id="{51495A6C-9E5A-4760-BFE6-ED7661F5700E}" type="slidenum">
+              <a:rPr lang="en-US" sz="1200" b="0" strike="noStrike" spc="-1">
+                <a:latin typeface="Times New Roman"/>
+              </a:rPr>
+            </a:fld>
+            <a:endParaRPr lang="en-US" sz="1200" b="0" strike="noStrike" spc="-1">
+              <a:latin typeface="Times New Roman"/>
+            </a:endParaRPr>
+          </a:p>
+        </p:txBody>
+      </p:sp>
+    </p:spTree>
+  </p:cSld>
+  <p:clrMapOvr>
+    <a:masterClrMapping/>
+  </p:clrMapOvr>
+</p:notes>
+</file>
+
+<file path=ppt/notesSlides/notesSlide31.xml><?xml version="1.0" encoding="utf-8"?>
+<p:notes xmlns:a="http://schemas.openxmlformats.org/drawingml/2006/main" xmlns:r="http://schemas.openxmlformats.org/officeDocument/2006/relationships" xmlns:p="http://schemas.openxmlformats.org/presentationml/2006/main">
+  <p:cSld>
+    <p:spTree>
+      <p:nvGrpSpPr>
+        <p:cNvPr id="1" name=""/>
+        <p:cNvGrpSpPr/>
+        <p:nvPr/>
+      </p:nvGrpSpPr>
+      <p:grpSpPr>
+        <a:xfrm>
+          <a:off x="0" y="0"/>
+          <a:ext cx="0" cy="0"/>
+          <a:chOff x="0" y="0"/>
+          <a:chExt cx="0" cy="0"/>
+        </a:xfrm>
+      </p:grpSpPr>
+      <p:sp>
+        <p:nvSpPr>
+          <p:cNvPr id="307" name="PlaceHolder 1"/>
+          <p:cNvSpPr>
+            <a:spLocks noGrp="true"/>
+          </p:cNvSpPr>
+          <p:nvPr>
+            <p:ph type="sldImg"/>
+          </p:nvPr>
+        </p:nvSpPr>
+        <p:spPr>
+          <a:xfrm>
+            <a:off x="685800" y="1143000"/>
+            <a:ext cx="5486040" cy="3085920"/>
+          </a:xfrm>
+          <a:prstGeom prst="rect">
+            <a:avLst/>
+          </a:prstGeom>
+        </p:spPr>
+      </p:sp>
+      <p:sp>
+        <p:nvSpPr>
+          <p:cNvPr id="308" name="PlaceHolder 2"/>
+          <p:cNvSpPr>
+            <a:spLocks noGrp="true"/>
+          </p:cNvSpPr>
+          <p:nvPr>
+            <p:ph type="body"/>
+          </p:nvPr>
+        </p:nvSpPr>
+        <p:spPr>
+          <a:xfrm>
+            <a:off x="685800" y="4400640"/>
+            <a:ext cx="5486040" cy="3600000"/>
+          </a:xfrm>
+          <a:prstGeom prst="rect">
+            <a:avLst/>
+          </a:prstGeom>
+        </p:spPr>
+        <p:txBody>
+          <a:bodyPr>
+            <a:noAutofit/>
+          </a:bodyPr>
+          <a:p>
+            <a:pPr marL="215900" indent="-215900">
+              <a:lnSpc>
+                <a:spcPct val="100000"/>
+              </a:lnSpc>
+            </a:pPr>
+            <a:endParaRPr lang="zh-CN" altLang="en-US" sz="2000" b="0" strike="noStrike" spc="-1">
+              <a:latin typeface="Arial"/>
+            </a:endParaRPr>
+          </a:p>
+        </p:txBody>
+      </p:sp>
+      <p:sp>
+        <p:nvSpPr>
+          <p:cNvPr id="309" name="TextShape 3"/>
+          <p:cNvSpPr txBox="true"/>
+          <p:nvPr/>
+        </p:nvSpPr>
+        <p:spPr>
+          <a:xfrm>
+            <a:off x="3884760" y="8685360"/>
+            <a:ext cx="2971440" cy="458280"/>
+          </a:xfrm>
+          <a:prstGeom prst="rect">
+            <a:avLst/>
+          </a:prstGeom>
+          <a:noFill/>
+          <a:ln w="0">
+            <a:noFill/>
+          </a:ln>
+        </p:spPr>
+        <p:txBody>
+          <a:bodyPr anchor="b">
+            <a:noAutofit/>
+          </a:bodyPr>
+          <a:p>
+            <a:pPr algn="r">
+              <a:lnSpc>
+                <a:spcPct val="100000"/>
+              </a:lnSpc>
+            </a:pPr>
+            <a:fld id="{6C959B2F-2352-40E1-A516-52B902EBA866}" type="slidenum">
+              <a:rPr lang="en-US" sz="1200" b="0" strike="noStrike" spc="-1">
+                <a:latin typeface="Times New Roman"/>
+              </a:rPr>
+            </a:fld>
+            <a:endParaRPr lang="en-US" sz="1200" b="0" strike="noStrike" spc="-1">
+              <a:latin typeface="Times New Roman"/>
+            </a:endParaRPr>
+          </a:p>
+        </p:txBody>
+      </p:sp>
+    </p:spTree>
+  </p:cSld>
+  <p:clrMapOvr>
+    <a:masterClrMapping/>
+  </p:clrMapOvr>
+</p:notes>
+</file>
+
 <file path=ppt/notesSlides/notesSlide4.xml><?xml version="1.0" encoding="utf-8"?>
 <p:notes xmlns:a="http://schemas.openxmlformats.org/drawingml/2006/main" xmlns:r="http://schemas.openxmlformats.org/officeDocument/2006/relationships" xmlns:p="http://schemas.openxmlformats.org/presentationml/2006/main">
   <p:cSld>
@@ -6332,36 +7399,36 @@
               </a:lnSpc>
             </a:pPr>
             <a:r>
-              <a:rPr lang="zh-CN" altLang="" sz="2000" b="0" strike="noStrike" spc="-1">
+              <a:rPr lang="zh-CN" altLang="en-US" sz="2000" b="0" strike="noStrike" spc="-1">
                 <a:latin typeface="Arial"/>
               </a:rPr>
               <a:t>有时候我们并不满足于计算数量或者是均值之类的数据，还想对表格进行进一步的处理和压缩，根据某些属性来得出统计数据，因此就在</a:t>
             </a:r>
             <a:r>
-              <a:rPr lang="" altLang="zh-CN" sz="2000" b="0" strike="noStrike" spc="-1">
+              <a:rPr lang="en-US" altLang="zh-CN" sz="2000" b="0" strike="noStrike" spc="-1">
                 <a:latin typeface="Arial"/>
               </a:rPr>
               <a:t>aggregation</a:t>
             </a:r>
             <a:r>
-              <a:rPr lang="zh-CN" altLang="" sz="2000" b="0" strike="noStrike" spc="-1">
+              <a:rPr lang="zh-CN" altLang="en-US" sz="2000" b="0" strike="noStrike" spc="-1">
                 <a:latin typeface="Arial"/>
               </a:rPr>
               <a:t>的基础上引入了</a:t>
             </a:r>
             <a:r>
-              <a:rPr lang="" altLang="zh-CN" sz="2000" b="0" strike="noStrike" spc="-1">
+              <a:rPr lang="en-US" altLang="zh-CN" sz="2000" b="0" strike="noStrike" spc="-1">
                 <a:latin typeface="Arial"/>
               </a:rPr>
               <a:t>grouping</a:t>
             </a:r>
             <a:r>
-              <a:rPr lang="zh-CN" altLang="" sz="2000" b="0" strike="noStrike" spc="-1">
+              <a:rPr lang="zh-CN" altLang="en-US" sz="2000" b="0" strike="noStrike" spc="-1">
                 <a:latin typeface="Arial"/>
               </a:rPr>
               <a:t>操作。</a:t>
             </a:r>
-            <a:endParaRPr lang="zh-CN" altLang="" sz="2000" b="0" strike="noStrike" spc="-1">
+            <a:endParaRPr lang="zh-CN" altLang="en-US" sz="2000" b="0" strike="noStrike" spc="-1">
               <a:latin typeface="Arial"/>
             </a:endParaRPr>
           </a:p>
@@ -6371,7 +7438,7 @@
                 <a:spcPct val="100000"/>
               </a:lnSpc>
             </a:pPr>
-            <a:endParaRPr lang="zh-CN" altLang="" sz="2000" b="0" strike="noStrike" spc="-1">
+            <a:endParaRPr lang="zh-CN" altLang="en-US" sz="2000" b="0" strike="noStrike" spc="-1">
               <a:latin typeface="Arial"/>
             </a:endParaRPr>
           </a:p>
@@ -6382,72 +7449,72 @@
               </a:lnSpc>
             </a:pPr>
             <a:r>
-              <a:rPr lang="zh-CN" altLang="" sz="2000" b="0" strike="noStrike" spc="-1">
+              <a:rPr lang="zh-CN" altLang="en-US" sz="2000" b="0" strike="noStrike" spc="-1">
                 <a:latin typeface="Arial"/>
               </a:rPr>
               <a:t>首先属性</a:t>
             </a:r>
             <a:r>
-              <a:rPr lang="" altLang="zh-CN" sz="2000" b="0" strike="noStrike" spc="-1">
+              <a:rPr lang="en-US" altLang="zh-CN" sz="2000" b="0" strike="noStrike" spc="-1">
                 <a:latin typeface="Arial"/>
               </a:rPr>
               <a:t>GA</a:t>
             </a:r>
             <a:r>
-              <a:rPr lang="zh-CN" altLang="" sz="2000" b="0" strike="noStrike" spc="-1">
+              <a:rPr lang="zh-CN" altLang="en-US" sz="2000" b="0" strike="noStrike" spc="-1">
                 <a:latin typeface="Arial"/>
               </a:rPr>
               <a:t>下的值如果是有重复的，比如这张图里面，</a:t>
             </a:r>
             <a:r>
-              <a:rPr lang="" altLang="zh-CN" sz="2000" b="0" strike="noStrike" spc="-1">
+              <a:rPr lang="en-US" altLang="zh-CN" sz="2000" b="0" strike="noStrike" spc="-1">
                 <a:latin typeface="Arial"/>
               </a:rPr>
               <a:t>GA</a:t>
             </a:r>
             <a:r>
-              <a:rPr lang="zh-CN" altLang="" sz="2000" b="0" strike="noStrike" spc="-1">
+              <a:rPr lang="zh-CN" altLang="en-US" sz="2000" b="0" strike="noStrike" spc="-1">
                 <a:latin typeface="Arial"/>
               </a:rPr>
               <a:t>假设是</a:t>
             </a:r>
             <a:r>
-              <a:rPr lang="" altLang="zh-CN" sz="2000" b="0" strike="noStrike" spc="-1">
+              <a:rPr lang="en-US" altLang="zh-CN" sz="2000" b="0" strike="noStrike" spc="-1">
                 <a:latin typeface="Arial"/>
               </a:rPr>
               <a:t>branchNo, </a:t>
             </a:r>
             <a:r>
-              <a:rPr lang="zh-CN" altLang="" sz="2000" b="0" strike="noStrike" spc="-1">
+              <a:rPr lang="zh-CN" altLang="en-US" sz="2000" b="0" strike="noStrike" spc="-1">
                 <a:latin typeface="Arial"/>
               </a:rPr>
               <a:t>那么我想知道</a:t>
             </a:r>
             <a:r>
-              <a:rPr lang="" altLang="zh-CN" sz="2000" b="0" strike="noStrike" spc="-1">
+              <a:rPr lang="en-US" altLang="zh-CN" sz="2000" b="0" strike="noStrike" spc="-1">
                 <a:latin typeface="Arial"/>
               </a:rPr>
               <a:t>B005</a:t>
             </a:r>
             <a:r>
-              <a:rPr lang="zh-CN" altLang="" sz="2000" b="0" strike="noStrike" spc="-1">
+              <a:rPr lang="zh-CN" altLang="en-US" sz="2000" b="0" strike="noStrike" spc="-1">
                 <a:latin typeface="Arial"/>
               </a:rPr>
               <a:t>里有多少个职员，总薪水是多少？进一步的，我想知道每一个</a:t>
             </a:r>
             <a:r>
-              <a:rPr lang="" altLang="zh-CN" sz="2000" b="0" strike="noStrike" spc="-1">
+              <a:rPr lang="en-US" altLang="zh-CN" sz="2000" b="0" strike="noStrike" spc="-1">
                 <a:latin typeface="Arial"/>
               </a:rPr>
               <a:t>branchNo</a:t>
             </a:r>
             <a:r>
-              <a:rPr lang="zh-CN" altLang="" sz="2000" b="0" strike="noStrike" spc="-1">
+              <a:rPr lang="zh-CN" altLang="en-US" sz="2000" b="0" strike="noStrike" spc="-1">
                 <a:latin typeface="Arial"/>
               </a:rPr>
               <a:t>的职员数量和总薪水，那么怎么做呢？</a:t>
             </a:r>
-            <a:endParaRPr lang="zh-CN" altLang="" sz="2000" b="0" strike="noStrike" spc="-1">
+            <a:endParaRPr lang="zh-CN" altLang="en-US" sz="2000" b="0" strike="noStrike" spc="-1">
               <a:latin typeface="Arial"/>
             </a:endParaRPr>
           </a:p>
@@ -6574,73 +7641,73 @@
               <a:t>首先我们需要使用定义</a:t>
             </a:r>
             <a:r>
-              <a:rPr lang="" altLang="zh-CN" sz="2000" b="0" strike="noStrike" spc="-1">
+              <a:rPr lang="en-US" altLang="zh-CN" sz="2000" b="0" strike="noStrike" spc="-1">
                 <a:latin typeface="Arial"/>
               </a:rPr>
               <a:t>aggregation</a:t>
             </a:r>
             <a:r>
-              <a:rPr lang="zh-CN" altLang="" sz="2000" b="0" strike="noStrike" spc="-1">
+              <a:rPr lang="zh-CN" altLang="en-US" sz="2000" b="0" strike="noStrike" spc="-1">
                 <a:latin typeface="Arial"/>
               </a:rPr>
               <a:t>操作，</a:t>
             </a:r>
             <a:r>
-              <a:rPr lang="" altLang="zh-CN" sz="2000" b="0" strike="noStrike" spc="-1">
+              <a:rPr lang="en-US" altLang="zh-CN" sz="2000" b="0" strike="noStrike" spc="-1">
                 <a:latin typeface="Arial"/>
               </a:rPr>
               <a:t>COUNT staffNo</a:t>
             </a:r>
             <a:r>
-              <a:rPr lang="zh-CN" altLang="" sz="2000" b="0" strike="noStrike" spc="-1">
+              <a:rPr lang="zh-CN" altLang="en-US" sz="2000" b="0" strike="noStrike" spc="-1">
                 <a:latin typeface="Arial"/>
               </a:rPr>
               <a:t>来获得职员个数，</a:t>
             </a:r>
             <a:r>
-              <a:rPr lang="" altLang="zh-CN" sz="2000" b="0" strike="noStrike" spc="-1">
+              <a:rPr lang="en-US" altLang="zh-CN" sz="2000" b="0" strike="noStrike" spc="-1">
                 <a:latin typeface="Arial"/>
               </a:rPr>
               <a:t>SUM salary</a:t>
             </a:r>
             <a:r>
-              <a:rPr lang="zh-CN" altLang="" sz="2000" b="0" strike="noStrike" spc="-1">
+              <a:rPr lang="zh-CN" altLang="en-US" sz="2000" b="0" strike="noStrike" spc="-1">
                 <a:latin typeface="Arial"/>
               </a:rPr>
               <a:t>来获取薪水总数，之后这个</a:t>
             </a:r>
             <a:r>
-              <a:rPr lang="" altLang="zh-CN" sz="2000" b="0" strike="noStrike" spc="-1">
+              <a:rPr lang="en-US" altLang="zh-CN" sz="2000" b="0" strike="noStrike" spc="-1">
                 <a:latin typeface="Arial"/>
               </a:rPr>
               <a:t>aggregation</a:t>
             </a:r>
             <a:r>
-              <a:rPr lang="zh-CN" altLang="" sz="2000" b="0" strike="noStrike" spc="-1">
+              <a:rPr lang="zh-CN" altLang="en-US" sz="2000" b="0" strike="noStrike" spc="-1">
                 <a:latin typeface="Arial"/>
               </a:rPr>
               <a:t>操作基于表</a:t>
             </a:r>
             <a:r>
-              <a:rPr lang="" altLang="zh-CN" sz="2000" b="0" strike="noStrike" spc="-1">
+              <a:rPr lang="en-US" altLang="zh-CN" sz="2000" b="0" strike="noStrike" spc="-1">
                 <a:latin typeface="Arial"/>
               </a:rPr>
               <a:t>Staff</a:t>
             </a:r>
             <a:r>
-              <a:rPr lang="zh-CN" altLang="" sz="2000" b="0" strike="noStrike" spc="-1">
+              <a:rPr lang="zh-CN" altLang="en-US" sz="2000" b="0" strike="noStrike" spc="-1">
                 <a:latin typeface="Arial"/>
               </a:rPr>
               <a:t>的</a:t>
             </a:r>
             <a:r>
-              <a:rPr lang="" altLang="zh-CN" sz="2000" b="0" strike="noStrike" spc="-1">
+              <a:rPr lang="en-US" altLang="zh-CN" sz="2000" b="0" strike="noStrike" spc="-1">
                 <a:latin typeface="Arial"/>
               </a:rPr>
               <a:t>branchNo</a:t>
             </a:r>
             <a:r>
-              <a:rPr lang="zh-CN" altLang="" sz="2000" b="0" strike="noStrike" spc="-1">
+              <a:rPr lang="zh-CN" altLang="en-US" sz="2000" b="0" strike="noStrike" spc="-1">
                 <a:latin typeface="Arial"/>
               </a:rPr>
               <a:t>属性，使用投影操作将最终的结果投影成</a:t>
@@ -6658,61 +7725,61 @@
               <a:t>个属性，分别是</a:t>
             </a:r>
             <a:r>
-              <a:rPr lang="" altLang="zh-CN" sz="2000" b="0" strike="noStrike" spc="-1">
+              <a:rPr lang="en-US" altLang="zh-CN" sz="2000" b="0" strike="noStrike" spc="-1">
                 <a:latin typeface="Arial"/>
               </a:rPr>
               <a:t>branchNo</a:t>
             </a:r>
             <a:r>
-              <a:rPr lang="zh-CN" altLang="" sz="2000" b="0" strike="noStrike" spc="-1">
+              <a:rPr lang="zh-CN" altLang="en-US" sz="2000" b="0" strike="noStrike" spc="-1">
                 <a:latin typeface="Arial"/>
               </a:rPr>
               <a:t>代表不同的</a:t>
             </a:r>
             <a:r>
-              <a:rPr lang="" altLang="zh-CN" sz="2000" b="0" strike="noStrike" spc="-1">
+              <a:rPr lang="en-US" altLang="zh-CN" sz="2000" b="0" strike="noStrike" spc="-1">
                 <a:latin typeface="Arial"/>
               </a:rPr>
               <a:t>branchNo</a:t>
             </a:r>
             <a:r>
-              <a:rPr lang="zh-CN" altLang="" sz="2000" b="0" strike="noStrike" spc="-1">
+              <a:rPr lang="zh-CN" altLang="en-US" sz="2000" b="0" strike="noStrike" spc="-1">
                 <a:latin typeface="Arial"/>
               </a:rPr>
               <a:t>，</a:t>
             </a:r>
             <a:r>
-              <a:rPr lang="" altLang="zh-CN" sz="2000" b="0" strike="noStrike" spc="-1">
+              <a:rPr lang="en-US" altLang="zh-CN" sz="2000" b="0" strike="noStrike" spc="-1">
                 <a:latin typeface="Arial"/>
               </a:rPr>
               <a:t>myCount</a:t>
             </a:r>
             <a:r>
-              <a:rPr lang="zh-CN" altLang="" sz="2000" b="0" strike="noStrike" spc="-1">
+              <a:rPr lang="zh-CN" altLang="en-US" sz="2000" b="0" strike="noStrike" spc="-1">
                 <a:latin typeface="Arial"/>
               </a:rPr>
               <a:t>代表职员个数，</a:t>
             </a:r>
             <a:r>
-              <a:rPr lang="" altLang="zh-CN" sz="2000" b="0" strike="noStrike" spc="-1">
+              <a:rPr lang="en-US" altLang="zh-CN" sz="2000" b="0" strike="noStrike" spc="-1">
                 <a:latin typeface="Arial"/>
               </a:rPr>
               <a:t>mySum</a:t>
             </a:r>
             <a:r>
-              <a:rPr lang="zh-CN" altLang="" sz="2000" b="0" strike="noStrike" spc="-1">
+              <a:rPr lang="zh-CN" altLang="en-US" sz="2000" b="0" strike="noStrike" spc="-1">
                 <a:latin typeface="Arial"/>
               </a:rPr>
               <a:t>代表总薪水，最终得到了右边这个小表格，从这里我们看到</a:t>
             </a:r>
             <a:r>
-              <a:rPr lang="" altLang="zh-CN" sz="2000" b="0" strike="noStrike" spc="-1">
+              <a:rPr lang="en-US" altLang="zh-CN" sz="2000" b="0" strike="noStrike" spc="-1">
                 <a:latin typeface="Arial"/>
               </a:rPr>
               <a:t>B003</a:t>
             </a:r>
             <a:r>
-              <a:rPr lang="zh-CN" altLang="" sz="2000" b="0" strike="noStrike" spc="-1">
+              <a:rPr lang="zh-CN" altLang="en-US" sz="2000" b="0" strike="noStrike" spc="-1">
                 <a:latin typeface="Arial"/>
               </a:rPr>
               <a:t>这个部门有</a:t>
@@ -6755,7 +7822,7 @@
                 <a:spcPct val="100000"/>
               </a:lnSpc>
             </a:pPr>
-            <a:endParaRPr lang="zh-CN" altLang="" sz="2000" b="0" strike="noStrike" spc="-1">
+            <a:endParaRPr lang="zh-CN" altLang="en-US" sz="2000" b="0" strike="noStrike" spc="-1">
               <a:latin typeface="Arial"/>
             </a:endParaRPr>
           </a:p>
@@ -10959,7 +12026,7 @@
               <a:t>Lec </a:t>
             </a:r>
             <a:r>
-              <a:rPr lang="" altLang="en-US" sz="2400" b="0" strike="noStrike" spc="-1">
+              <a:rPr lang="en-US" altLang="en-US" sz="2400" b="0" strike="noStrike" spc="-1">
                 <a:solidFill>
                   <a:srgbClr val="FFFFFF"/>
                 </a:solidFill>
@@ -11146,7 +12213,7 @@
               </a:tabLst>
             </a:pPr>
             <a:r>
-              <a:rPr lang="" altLang="zh-CN" sz="2800" b="0" strike="noStrike" spc="-1">
+              <a:rPr lang="en-US" altLang="zh-CN" sz="2800" b="0" strike="noStrike" spc="-1">
                 <a:solidFill>
                   <a:srgbClr val="000000"/>
                 </a:solidFill>
@@ -11156,26 +12223,16 @@
               <a:t>Sequential </a:t>
             </a:r>
             <a:r>
-              <a:rPr lang="en-US" altLang="" sz="2800" b="0" strike="noStrike" spc="-1">
+              <a:rPr lang="en-US" altLang="en-US" sz="2800" b="0" strike="noStrike" spc="-1">
                 <a:solidFill>
                   <a:srgbClr val="000000"/>
                 </a:solidFill>
                 <a:latin typeface="Arial"/>
                 <a:ea typeface="Arial"/>
               </a:rPr>
-              <a:t>Query </a:t>
-            </a:r>
-            <a:r>
-              <a:rPr lang="" altLang="en-US" sz="2800" b="0" strike="noStrike" spc="-1">
-                <a:solidFill>
-                  <a:srgbClr val="000000"/>
-                </a:solidFill>
-                <a:latin typeface="Arial"/>
-                <a:ea typeface="Arial"/>
-              </a:rPr>
-              <a:t>Language</a:t>
-            </a:r>
-            <a:endParaRPr lang="" altLang="en-US" sz="2800" b="0" strike="noStrike" spc="-1">
+              <a:t>Query Language</a:t>
+            </a:r>
+            <a:endParaRPr lang="en-US" altLang="en-US" sz="2800" b="0" strike="noStrike" spc="-1">
               <a:solidFill>
                 <a:srgbClr val="000000"/>
               </a:solidFill>
@@ -12264,7 +13321,7 @@
               <a:t>Lec </a:t>
             </a:r>
             <a:r>
-              <a:rPr lang="" altLang="en-US" sz="2400" b="0" strike="noStrike" spc="-1">
+              <a:rPr lang="en-US" altLang="en-US" sz="2400" b="0" strike="noStrike" spc="-1">
                 <a:solidFill>
                   <a:srgbClr val="FFFFFF"/>
                 </a:solidFill>
@@ -12284,7 +13341,7 @@
               <a:t>: </a:t>
             </a:r>
             <a:r>
-              <a:rPr lang="" altLang="en-US" sz="2400" spc="-1">
+              <a:rPr lang="en-US" altLang="en-US" sz="2400" spc="-1">
                 <a:solidFill>
                   <a:srgbClr val="FFFFFF"/>
                 </a:solidFill>
@@ -12462,36 +13519,16 @@
               <a:t>Creating a </a:t>
             </a:r>
             <a:r>
-              <a:rPr lang="" altLang="en-US" sz="2800" b="0" strike="noStrike" spc="-1">
+              <a:rPr lang="en-US" altLang="en-US" sz="2800" b="0" strike="noStrike" spc="-1">
                 <a:solidFill>
                   <a:srgbClr val="000000"/>
                 </a:solidFill>
                 <a:latin typeface="Arial"/>
                 <a:ea typeface="Arial"/>
               </a:rPr>
-              <a:t>Table</a:t>
-            </a:r>
-            <a:r>
-              <a:rPr lang="en-US" altLang="" sz="2800" b="0" strike="noStrike" spc="-1">
-                <a:solidFill>
-                  <a:srgbClr val="000000"/>
-                </a:solidFill>
-                <a:latin typeface="Arial"/>
-                <a:ea typeface="Arial"/>
-              </a:rPr>
-              <a:t> - </a:t>
-            </a:r>
-            <a:r>
-              <a:rPr lang="" altLang="en-US" sz="2800" b="0" strike="noStrike" spc="-1">
-                <a:solidFill>
-                  <a:srgbClr val="000000"/>
-                </a:solidFill>
-                <a:latin typeface="Arial"/>
-                <a:ea typeface="Arial"/>
-              </a:rPr>
-              <a:t>Syntax</a:t>
-            </a:r>
-            <a:endParaRPr lang="" altLang="en-US" sz="2800" b="0" strike="noStrike" spc="-1">
+              <a:t>Table - Syntax</a:t>
+            </a:r>
+            <a:endParaRPr lang="en-US" altLang="en-US" sz="2800" b="0" strike="noStrike" spc="-1">
               <a:solidFill>
                 <a:srgbClr val="000000"/>
               </a:solidFill>
@@ -12548,13 +13585,13 @@
               <a:buNone/>
             </a:pPr>
             <a:r>
-              <a:rPr lang="" altLang="en-US" sz="1800" b="0" strike="noStrike" spc="-1">
+              <a:rPr lang="en-US" altLang="en-US" sz="1800" b="0" strike="noStrike" spc="-1">
                 <a:latin typeface="Arial"/>
                 <a:ea typeface="SimSun" charset="0"/>
               </a:rPr>
               <a:t>CREATE TABLE table_name(</a:t>
             </a:r>
-            <a:endParaRPr lang="" altLang="en-US" sz="1800" b="0" strike="noStrike" spc="-1">
+            <a:endParaRPr lang="en-US" altLang="en-US" sz="1800" b="0" strike="noStrike" spc="-1">
               <a:latin typeface="Arial"/>
               <a:ea typeface="SimSun" charset="0"/>
             </a:endParaRPr>
@@ -12571,13 +13608,13 @@
               <a:buNone/>
             </a:pPr>
             <a:r>
-              <a:rPr lang="" altLang="en-US" sz="1800" b="0" strike="noStrike" spc="-1">
+              <a:rPr lang="en-US" altLang="en-US" sz="1800" b="0" strike="noStrike" spc="-1">
                 <a:latin typeface="Arial"/>
                 <a:ea typeface="SimSun" charset="0"/>
               </a:rPr>
               <a:t>   column1 datatype [conditions],</a:t>
             </a:r>
-            <a:endParaRPr lang="" altLang="en-US" sz="1800" b="0" strike="noStrike" spc="-1">
+            <a:endParaRPr lang="en-US" altLang="en-US" sz="1800" b="0" strike="noStrike" spc="-1">
               <a:latin typeface="Arial"/>
               <a:ea typeface="SimSun" charset="0"/>
             </a:endParaRPr>
@@ -12594,7 +13631,7 @@
               <a:buNone/>
             </a:pPr>
             <a:r>
-              <a:rPr lang="" altLang="en-US" sz="1800" b="0" strike="noStrike" spc="-1">
+              <a:rPr lang="en-US" altLang="en-US" sz="1800" b="0" strike="noStrike" spc="-1">
                 <a:latin typeface="Arial"/>
                 <a:ea typeface="SimSun" charset="0"/>
               </a:rPr>
@@ -12608,7 +13645,7 @@
               </a:rPr>
               <a:t>[conditions],</a:t>
             </a:r>
-            <a:endParaRPr lang="" altLang="en-US" sz="1800" b="0" strike="noStrike" spc="-1">
+            <a:endParaRPr lang="en-US" altLang="en-US" sz="1800" b="0" strike="noStrike" spc="-1">
               <a:latin typeface="Arial"/>
               <a:ea typeface="SimSun" charset="0"/>
             </a:endParaRPr>
@@ -12625,7 +13662,7 @@
               <a:buNone/>
             </a:pPr>
             <a:r>
-              <a:rPr lang="" altLang="en-US" sz="1800" b="0" strike="noStrike" spc="-1">
+              <a:rPr lang="en-US" altLang="en-US" sz="1800" b="0" strike="noStrike" spc="-1">
                 <a:latin typeface="Arial"/>
                 <a:ea typeface="SimSun" charset="0"/>
               </a:rPr>
@@ -12639,7 +13676,7 @@
               </a:rPr>
               <a:t>[conditions],</a:t>
             </a:r>
-            <a:endParaRPr lang="" altLang="en-US" sz="1800" b="0" strike="noStrike" spc="-1">
+            <a:endParaRPr lang="en-US" altLang="en-US" sz="1800" b="0" strike="noStrike" spc="-1">
               <a:latin typeface="Arial"/>
               <a:ea typeface="SimSun" charset="0"/>
             </a:endParaRPr>
@@ -12656,13 +13693,13 @@
               <a:buNone/>
             </a:pPr>
             <a:r>
-              <a:rPr lang="" altLang="en-US" sz="1800" b="0" strike="noStrike" spc="-1">
+              <a:rPr lang="en-US" altLang="en-US" sz="1800" b="0" strike="noStrike" spc="-1">
                 <a:latin typeface="Arial"/>
                 <a:ea typeface="SimSun" charset="0"/>
               </a:rPr>
               <a:t>   .....</a:t>
             </a:r>
-            <a:endParaRPr lang="" altLang="en-US" sz="1800" b="0" strike="noStrike" spc="-1">
+            <a:endParaRPr lang="en-US" altLang="en-US" sz="1800" b="0" strike="noStrike" spc="-1">
               <a:latin typeface="Arial"/>
               <a:ea typeface="SimSun" charset="0"/>
             </a:endParaRPr>
@@ -12679,7 +13716,7 @@
               <a:buNone/>
             </a:pPr>
             <a:r>
-              <a:rPr lang="" altLang="en-US" sz="1800" b="0" strike="noStrike" spc="-1">
+              <a:rPr lang="en-US" altLang="en-US" sz="1800" b="0" strike="noStrike" spc="-1">
                 <a:latin typeface="Arial"/>
                 <a:ea typeface="SimSun" charset="0"/>
               </a:rPr>
@@ -12693,7 +13730,7 @@
               </a:rPr>
               <a:t>[conditions],</a:t>
             </a:r>
-            <a:endParaRPr lang="" altLang="en-US" sz="1800" b="0" strike="noStrike" spc="-1">
+            <a:endParaRPr lang="en-US" altLang="en-US" sz="1800" b="0" strike="noStrike" spc="-1">
               <a:latin typeface="Arial"/>
               <a:ea typeface="SimSun" charset="0"/>
             </a:endParaRPr>
@@ -12710,13 +13747,13 @@
               <a:buNone/>
             </a:pPr>
             <a:r>
-              <a:rPr lang="" altLang="en-US" sz="1800" b="0" strike="noStrike" spc="-1">
+              <a:rPr lang="en-US" altLang="en-US" sz="1800" b="0" strike="noStrike" spc="-1">
                 <a:latin typeface="Arial"/>
                 <a:ea typeface="SimSun" charset="0"/>
               </a:rPr>
               <a:t>   PRIMARY KEY( one or more columns )</a:t>
             </a:r>
-            <a:endParaRPr lang="" altLang="en-US" sz="1800" b="0" strike="noStrike" spc="-1">
+            <a:endParaRPr lang="en-US" altLang="en-US" sz="1800" b="0" strike="noStrike" spc="-1">
               <a:latin typeface="Arial"/>
               <a:ea typeface="SimSun" charset="0"/>
             </a:endParaRPr>
@@ -12733,13 +13770,13 @@
               <a:buNone/>
             </a:pPr>
             <a:r>
-              <a:rPr lang="" altLang="en-US" sz="1800" b="0" strike="noStrike" spc="-1">
+              <a:rPr lang="en-US" altLang="en-US" sz="1800" b="0" strike="noStrike" spc="-1">
                 <a:latin typeface="Arial"/>
                 <a:ea typeface="SimSun" charset="0"/>
               </a:rPr>
               <a:t>);</a:t>
             </a:r>
-            <a:endParaRPr lang="" altLang="en-US" sz="1800" b="0" strike="noStrike" spc="-1">
+            <a:endParaRPr lang="en-US" altLang="en-US" sz="1800" b="0" strike="noStrike" spc="-1">
               <a:latin typeface="Arial"/>
               <a:ea typeface="SimSun" charset="0"/>
             </a:endParaRPr>
@@ -12861,19 +13898,9 @@
                 <a:latin typeface="Arial"/>
                 <a:ea typeface="Arial"/>
               </a:rPr>
-              <a:t>Table - </a:t>
-            </a:r>
-            <a:r>
-              <a:rPr lang="" altLang="en-US" sz="2800" b="0" strike="noStrike" spc="-1">
-                <a:solidFill>
-                  <a:srgbClr val="000000"/>
-                </a:solidFill>
-                <a:latin typeface="Arial"/>
-                <a:ea typeface="Arial"/>
-              </a:rPr>
-              <a:t>Example</a:t>
-            </a:r>
-            <a:endParaRPr lang="" altLang="en-US" sz="2800" b="0" strike="noStrike" spc="-1">
+              <a:t>Table - Example</a:t>
+            </a:r>
+            <a:endParaRPr lang="en-US" altLang="en-US" sz="2800" b="0" strike="noStrike" spc="-1">
               <a:solidFill>
                 <a:srgbClr val="000000"/>
               </a:solidFill>
@@ -13022,19 +14049,9 @@
                 <a:latin typeface="Arial"/>
                 <a:ea typeface="Arial"/>
               </a:rPr>
-              <a:t>Table - </a:t>
-            </a:r>
-            <a:r>
-              <a:rPr lang="" altLang="en-US" sz="2800" b="0" strike="noStrike" spc="-1">
-                <a:solidFill>
-                  <a:srgbClr val="000000"/>
-                </a:solidFill>
-                <a:latin typeface="Arial"/>
-                <a:ea typeface="Arial"/>
-              </a:rPr>
-              <a:t>Data type</a:t>
-            </a:r>
-            <a:endParaRPr lang="" altLang="en-US" sz="2800" b="0" strike="noStrike" spc="-1">
+              <a:t>Table - Data type</a:t>
+            </a:r>
+            <a:endParaRPr lang="en-US" altLang="en-US" sz="2800" b="0" strike="noStrike" spc="-1">
               <a:solidFill>
                 <a:srgbClr val="000000"/>
               </a:solidFill>
@@ -13091,13 +14108,13 @@
               <a:buNone/>
             </a:pPr>
             <a:r>
-              <a:rPr lang="zh-CN" altLang="" sz="1800" b="0" strike="noStrike" spc="-1">
+              <a:rPr lang="zh-CN" altLang="en-US" sz="1800" b="0" strike="noStrike" spc="-1">
                 <a:latin typeface="Arial"/>
                 <a:ea typeface="SimSun" charset="0"/>
               </a:rPr>
               <a:t>数字型数据类型</a:t>
             </a:r>
-            <a:endParaRPr lang="zh-CN" altLang="" sz="1800" b="0" strike="noStrike" spc="-1">
+            <a:endParaRPr lang="zh-CN" altLang="en-US" sz="1800" b="0" strike="noStrike" spc="-1">
               <a:latin typeface="Arial"/>
               <a:ea typeface="SimSun" charset="0"/>
             </a:endParaRPr>
@@ -13113,7 +14130,7 @@
               <a:buFont typeface="Arial"/>
               <a:buNone/>
             </a:pPr>
-            <a:endParaRPr lang="zh-CN" altLang="" sz="1800" b="0" strike="noStrike" spc="-1">
+            <a:endParaRPr lang="zh-CN" altLang="en-US" sz="1800" b="0" strike="noStrike" spc="-1">
               <a:latin typeface="Arial"/>
               <a:ea typeface="SimSun" charset="0"/>
             </a:endParaRPr>
@@ -13259,19 +14276,9 @@
                 <a:latin typeface="Arial"/>
                 <a:ea typeface="Arial"/>
               </a:rPr>
-              <a:t>Table - </a:t>
-            </a:r>
-            <a:r>
-              <a:rPr lang="" altLang="en-US" sz="2800" b="0" strike="noStrike" spc="-1">
-                <a:solidFill>
-                  <a:srgbClr val="000000"/>
-                </a:solidFill>
-                <a:latin typeface="Arial"/>
-                <a:ea typeface="Arial"/>
-              </a:rPr>
-              <a:t>Column Options</a:t>
-            </a:r>
-            <a:endParaRPr lang="" altLang="en-US" sz="2800" b="0" strike="noStrike" spc="-1">
+              <a:t>Table - Column Options</a:t>
+            </a:r>
+            <a:endParaRPr lang="en-US" altLang="en-US" sz="2800" b="0" strike="noStrike" spc="-1">
               <a:solidFill>
                 <a:srgbClr val="000000"/>
               </a:solidFill>
@@ -13374,14 +14381,14 @@
               <a:buChar char="•"/>
             </a:pPr>
             <a:r>
-              <a:rPr lang="" altLang="en-US" sz="1800" b="0" strike="noStrike" spc="-1">
+              <a:rPr lang="en-US" altLang="en-US" sz="1800" b="0" strike="noStrike" spc="-1">
                 <a:latin typeface="Arial"/>
                 <a:ea typeface="SimSun" charset="0"/>
               </a:rPr>
               <a:t>CHAR(M)</a:t>
             </a:r>
             <a:r>
-              <a:rPr lang="zh-CN" altLang="" sz="1800" b="0" strike="noStrike" spc="-1">
+              <a:rPr lang="zh-CN" altLang="en-US" sz="1800" b="0" strike="noStrike" spc="-1">
                 <a:latin typeface="Arial"/>
                 <a:ea typeface="SimSun" charset="0"/>
               </a:rPr>
@@ -13402,14 +14409,14 @@
               <a:t>固定长度为</a:t>
             </a:r>
             <a:r>
-              <a:rPr lang="" altLang="zh-CN" sz="1800" b="0" strike="noStrike" spc="-1">
+              <a:rPr lang="en-US" altLang="zh-CN" sz="1800" b="0" strike="noStrike" spc="-1">
                 <a:latin typeface="Arial"/>
                 <a:ea typeface="SimSun" charset="0"/>
               </a:rPr>
               <a:t>M</a:t>
             </a:r>
             <a:r>
-              <a:rPr lang="zh-CN" altLang="" sz="1800" b="0" strike="noStrike" spc="-1">
+              <a:rPr lang="zh-CN" altLang="en-US" sz="1800" b="0" strike="noStrike" spc="-1">
                 <a:latin typeface="Arial"/>
                 <a:ea typeface="SimSun" charset="0"/>
               </a:rPr>
@@ -13432,27 +14439,27 @@
               <a:buChar char="•"/>
             </a:pPr>
             <a:r>
-              <a:rPr lang="" altLang="zh-CN" sz="1800" b="0" strike="noStrike" spc="-1">
+              <a:rPr lang="en-US" altLang="zh-CN" sz="1800" b="0" strike="noStrike" spc="-1">
                 <a:latin typeface="Arial"/>
                 <a:ea typeface="SimSun" charset="0"/>
               </a:rPr>
               <a:t>VARCHAR(M): </a:t>
             </a:r>
             <a:r>
-              <a:rPr lang="zh-CN" altLang="" sz="1800" b="0" strike="noStrike" spc="-1">
+              <a:rPr lang="zh-CN" altLang="en-US" sz="1800" b="0" strike="noStrike" spc="-1">
                 <a:latin typeface="Arial"/>
                 <a:ea typeface="SimSun" charset="0"/>
               </a:rPr>
               <a:t>可变长度的字符型数据类型，最大长度为</a:t>
             </a:r>
             <a:r>
-              <a:rPr lang="" altLang="zh-CN" sz="1800" b="0" strike="noStrike" spc="-1">
+              <a:rPr lang="en-US" altLang="zh-CN" sz="1800" b="0" strike="noStrike" spc="-1">
                 <a:latin typeface="Arial"/>
                 <a:ea typeface="SimSun" charset="0"/>
               </a:rPr>
               <a:t>M</a:t>
             </a:r>
-            <a:endParaRPr lang="" altLang="zh-CN" sz="1800" b="0" strike="noStrike" spc="-1">
+            <a:endParaRPr lang="en-US" altLang="zh-CN" sz="1800" b="0" strike="noStrike" spc="-1">
               <a:latin typeface="Arial"/>
               <a:ea typeface="SimSun" charset="0"/>
             </a:endParaRPr>
@@ -13469,14 +14476,14 @@
               <a:buChar char="•"/>
             </a:pPr>
             <a:r>
-              <a:rPr lang="" altLang="zh-CN" sz="1800" b="0" strike="noStrike" spc="-1">
+              <a:rPr lang="en-US" altLang="zh-CN" sz="1800" b="0" strike="noStrike" spc="-1">
                 <a:latin typeface="Arial"/>
                 <a:ea typeface="SimSun" charset="0"/>
               </a:rPr>
               <a:t>BLOB or TEXT: </a:t>
             </a:r>
             <a:r>
-              <a:rPr lang="zh-CN" altLang="" sz="1800" b="0" strike="noStrike" spc="-1">
+              <a:rPr lang="zh-CN" altLang="en-US" sz="1800" b="0" strike="noStrike" spc="-1">
                 <a:latin typeface="Arial"/>
                 <a:ea typeface="SimSun" charset="0"/>
               </a:rPr>
@@ -13679,13 +14686,13 @@
               <a:buChar char="•"/>
             </a:pPr>
             <a:r>
-              <a:rPr lang="" sz="1800" b="0" strike="noStrike" spc="-1">
+              <a:rPr lang="en-US" sz="1800" b="0" strike="noStrike" spc="-1">
                 <a:latin typeface="Arial"/>
                 <a:ea typeface="SimSun" charset="0"/>
               </a:rPr>
               <a:t>NOT NULL</a:t>
             </a:r>
-            <a:endParaRPr lang="" sz="1800" b="0" strike="noStrike" spc="-1">
+            <a:endParaRPr lang="en-US" sz="1800" b="0" strike="noStrike" spc="-1">
               <a:latin typeface="Arial"/>
               <a:ea typeface="SimSun" charset="0"/>
             </a:endParaRPr>
@@ -13702,13 +14709,13 @@
               <a:buChar char="•"/>
             </a:pPr>
             <a:r>
-              <a:rPr lang="zh-CN" altLang="" sz="1800" b="0" strike="noStrike" spc="-1">
+              <a:rPr lang="zh-CN" altLang="en-US" sz="1800" b="0" strike="noStrike" spc="-1">
                 <a:latin typeface="Arial"/>
                 <a:ea typeface="SimSun" charset="0"/>
               </a:rPr>
               <a:t>值不可以是空</a:t>
             </a:r>
-            <a:endParaRPr lang="" sz="1800" b="0" strike="noStrike" spc="-1">
+            <a:endParaRPr lang="en-US" sz="1800" b="0" strike="noStrike" spc="-1">
               <a:latin typeface="Arial"/>
               <a:ea typeface="SimSun" charset="0"/>
             </a:endParaRPr>
@@ -13725,13 +14732,13 @@
               <a:buChar char="•"/>
             </a:pPr>
             <a:r>
-              <a:rPr lang="" sz="1800" b="0" strike="noStrike" spc="-1">
+              <a:rPr lang="en-US" sz="1800" b="0" strike="noStrike" spc="-1">
                 <a:latin typeface="Arial"/>
                 <a:ea typeface="SimSun" charset="0"/>
               </a:rPr>
               <a:t>UNIQUE</a:t>
             </a:r>
-            <a:endParaRPr lang="" sz="1800" b="0" strike="noStrike" spc="-1">
+            <a:endParaRPr lang="en-US" sz="1800" b="0" strike="noStrike" spc="-1">
               <a:latin typeface="Arial"/>
               <a:ea typeface="SimSun" charset="0"/>
             </a:endParaRPr>
@@ -13748,13 +14755,13 @@
               <a:buChar char="•"/>
             </a:pPr>
             <a:r>
-              <a:rPr lang="zh-CN" altLang="" b="0" strike="noStrike" spc="-1">
+              <a:rPr lang="zh-CN" altLang="en-US" b="0" strike="noStrike" spc="-1">
                 <a:latin typeface="Arial"/>
                 <a:ea typeface="SimSun" charset="0"/>
               </a:rPr>
               <a:t>不可以重复</a:t>
             </a:r>
-            <a:endParaRPr lang="" sz="1800" b="0" strike="noStrike" spc="-1">
+            <a:endParaRPr lang="en-US" sz="1800" b="0" strike="noStrike" spc="-1">
               <a:latin typeface="Arial"/>
               <a:ea typeface="SimSun" charset="0"/>
             </a:endParaRPr>
@@ -13771,13 +14778,13 @@
               <a:buChar char="•"/>
             </a:pPr>
             <a:r>
-              <a:rPr lang="" sz="1800" b="0" strike="noStrike" spc="-1">
+              <a:rPr lang="en-US" sz="1800" b="0" strike="noStrike" spc="-1">
                 <a:latin typeface="Arial"/>
                 <a:ea typeface="SimSun" charset="0"/>
               </a:rPr>
               <a:t>DEFAULT</a:t>
             </a:r>
-            <a:endParaRPr lang="" sz="1800" b="0" strike="noStrike" spc="-1">
+            <a:endParaRPr lang="en-US" sz="1800" b="0" strike="noStrike" spc="-1">
               <a:latin typeface="Arial"/>
               <a:ea typeface="SimSun" charset="0"/>
             </a:endParaRPr>
@@ -13801,7 +14808,7 @@
               </a:rPr>
               <a:t>设定一个默认值</a:t>
             </a:r>
-            <a:endParaRPr lang="" sz="1800" b="0" strike="noStrike" spc="-1">
+            <a:endParaRPr lang="en-US" sz="1800" b="0" strike="noStrike" spc="-1">
               <a:latin typeface="Arial"/>
               <a:ea typeface="SimSun" charset="0"/>
             </a:endParaRPr>
@@ -13818,13 +14825,13 @@
               <a:buChar char="•"/>
             </a:pPr>
             <a:r>
-              <a:rPr lang="" sz="1800" b="0" strike="noStrike" spc="-1">
+              <a:rPr lang="en-US" sz="1800" b="0" strike="noStrike" spc="-1">
                 <a:latin typeface="Arial"/>
                 <a:ea typeface="SimSun" charset="0"/>
               </a:rPr>
               <a:t>AUTO_INCREMENT</a:t>
             </a:r>
-            <a:endParaRPr lang="" sz="1800" b="0" strike="noStrike" spc="-1">
+            <a:endParaRPr lang="en-US" sz="1800" b="0" strike="noStrike" spc="-1">
               <a:latin typeface="Arial"/>
               <a:ea typeface="SimSun" charset="0"/>
             </a:endParaRPr>
@@ -13841,13 +14848,13 @@
               <a:buChar char="•"/>
             </a:pPr>
             <a:r>
-              <a:rPr lang="zh-CN" altLang="" sz="1800" b="0" strike="noStrike" spc="-1">
+              <a:rPr lang="zh-CN" altLang="en-US" sz="1800" b="0" strike="noStrike" spc="-1">
                 <a:latin typeface="Arial"/>
                 <a:ea typeface="SimSun" charset="0"/>
               </a:rPr>
               <a:t>自动增长</a:t>
             </a:r>
-            <a:endParaRPr lang="zh-CN" altLang="" sz="1800" b="0" strike="noStrike" spc="-1">
+            <a:endParaRPr lang="zh-CN" altLang="en-US" sz="1800" b="0" strike="noStrike" spc="-1">
               <a:latin typeface="Arial"/>
               <a:ea typeface="SimSun" charset="0"/>
             </a:endParaRPr>
@@ -13864,13 +14871,13 @@
               <a:buChar char="•"/>
             </a:pPr>
             <a:r>
-              <a:rPr lang="zh-CN" altLang="" sz="1800" b="0" strike="noStrike" spc="-1">
+              <a:rPr lang="zh-CN" altLang="en-US" sz="1800" b="0" strike="noStrike" spc="-1">
                 <a:latin typeface="Arial"/>
                 <a:ea typeface="SimSun" charset="0"/>
               </a:rPr>
               <a:t>从一个基础值开始</a:t>
             </a:r>
-            <a:endParaRPr lang="zh-CN" altLang="" sz="1800" b="0" strike="noStrike" spc="-1">
+            <a:endParaRPr lang="zh-CN" altLang="en-US" sz="1800" b="0" strike="noStrike" spc="-1">
               <a:latin typeface="Arial"/>
               <a:ea typeface="SimSun" charset="0"/>
             </a:endParaRPr>
@@ -13887,20 +14894,20 @@
               <a:buChar char="•"/>
             </a:pPr>
             <a:r>
-              <a:rPr lang="zh-CN" altLang="" sz="1800" b="0" strike="noStrike" spc="-1">
+              <a:rPr lang="zh-CN" altLang="en-US" sz="1800" b="0" strike="noStrike" spc="-1">
                 <a:latin typeface="Arial"/>
                 <a:ea typeface="SimSun" charset="0"/>
               </a:rPr>
               <a:t>自动增长</a:t>
             </a:r>
             <a:r>
-              <a:rPr lang="" altLang="zh-CN" sz="1800" b="0" strike="noStrike" spc="-1">
+              <a:rPr lang="en-US" altLang="zh-CN" sz="1800" b="0" strike="noStrike" spc="-1">
                 <a:latin typeface="Arial"/>
                 <a:ea typeface="SimSun" charset="0"/>
               </a:rPr>
               <a:t>n</a:t>
             </a:r>
-            <a:endParaRPr lang="zh-CN" altLang="" sz="1800" b="0" strike="noStrike" spc="-1">
+            <a:endParaRPr lang="zh-CN" altLang="en-US" sz="1800" b="0" strike="noStrike" spc="-1">
               <a:latin typeface="Arial"/>
               <a:ea typeface="SimSun" charset="0"/>
             </a:endParaRPr>
@@ -13916,7 +14923,7 @@
               <a:buFont typeface="Arial" panose="02080604020202020204" pitchFamily="34" charset="0"/>
               <a:buNone/>
             </a:pPr>
-            <a:endParaRPr lang="zh-CN" altLang="" sz="1800" b="0" strike="noStrike" spc="-1">
+            <a:endParaRPr lang="zh-CN" altLang="en-US" sz="1800" b="0" strike="noStrike" spc="-1">
               <a:latin typeface="Arial"/>
               <a:ea typeface="SimSun" charset="0"/>
             </a:endParaRPr>
@@ -14480,19 +15487,9 @@
                 <a:latin typeface="Arial"/>
                 <a:ea typeface="Arial"/>
               </a:rPr>
-              <a:t>Table - </a:t>
-            </a:r>
-            <a:r>
-              <a:rPr lang="" altLang="en-US" sz="2800" b="0" strike="noStrike" spc="-1">
-                <a:solidFill>
-                  <a:srgbClr val="000000"/>
-                </a:solidFill>
-                <a:latin typeface="Arial"/>
-                <a:ea typeface="Arial"/>
-              </a:rPr>
-              <a:t>Foreign Key</a:t>
-            </a:r>
-            <a:endParaRPr lang="" altLang="en-US" sz="2800" b="0" strike="noStrike" spc="-1">
+              <a:t>Table - Foreign Key</a:t>
+            </a:r>
+            <a:endParaRPr lang="en-US" altLang="en-US" sz="2800" b="0" strike="noStrike" spc="-1">
               <a:solidFill>
                 <a:srgbClr val="000000"/>
               </a:solidFill>
@@ -15034,20 +16031,20 @@
               <a:t>我需要删除</a:t>
             </a:r>
             <a:r>
-              <a:rPr lang="" altLang="zh-CN" sz="1800" b="0" strike="noStrike" spc="-1">
+              <a:rPr lang="en-US" altLang="zh-CN" sz="1800" b="0" strike="noStrike" spc="-1">
                 <a:latin typeface="Arial"/>
                 <a:ea typeface="SimSun" charset="0"/>
               </a:rPr>
               <a:t>Persons</a:t>
             </a:r>
             <a:r>
-              <a:rPr lang="zh-CN" altLang="" sz="1800" b="0" strike="noStrike" spc="-1">
+              <a:rPr lang="zh-CN" altLang="en-US" sz="1800" b="0" strike="noStrike" spc="-1">
                 <a:latin typeface="Arial"/>
                 <a:ea typeface="SimSun" charset="0"/>
               </a:rPr>
               <a:t>表里面第三行怎么办？</a:t>
             </a:r>
-            <a:endParaRPr lang="zh-CN" altLang="" sz="1800" b="0" strike="noStrike" spc="-1">
+            <a:endParaRPr lang="zh-CN" altLang="en-US" sz="1800" b="0" strike="noStrike" spc="-1">
               <a:latin typeface="Arial"/>
               <a:ea typeface="SimSun" charset="0"/>
             </a:endParaRPr>
@@ -15064,20 +16061,20 @@
               <a:buChar char="•"/>
             </a:pPr>
             <a:r>
-              <a:rPr lang="" altLang="zh-CN" b="0" strike="noStrike" spc="-1">
+              <a:rPr lang="en-US" altLang="zh-CN" b="0" strike="noStrike" spc="-1">
                 <a:latin typeface="Arial"/>
                 <a:ea typeface="SimSun" charset="0"/>
               </a:rPr>
               <a:t>Restrict: </a:t>
             </a:r>
             <a:r>
-              <a:rPr lang="zh-CN" altLang="" b="0" strike="noStrike" spc="-1">
+              <a:rPr lang="zh-CN" altLang="en-US" b="0" strike="noStrike" spc="-1">
                 <a:latin typeface="Arial"/>
                 <a:ea typeface="SimSun" charset="0"/>
               </a:rPr>
               <a:t>不允许</a:t>
             </a:r>
-            <a:endParaRPr lang="zh-CN" altLang="" b="0" strike="noStrike" spc="-1">
+            <a:endParaRPr lang="zh-CN" altLang="en-US" b="0" strike="noStrike" spc="-1">
               <a:latin typeface="Arial"/>
               <a:ea typeface="SimSun" charset="0"/>
             </a:endParaRPr>
@@ -15094,34 +16091,34 @@
               <a:buChar char="•"/>
             </a:pPr>
             <a:r>
-              <a:rPr lang="" altLang="zh-CN" b="0" strike="noStrike" spc="-1">
+              <a:rPr lang="en-US" altLang="zh-CN" b="0" strike="noStrike" spc="-1">
                 <a:latin typeface="Arial"/>
                 <a:ea typeface="SimSun" charset="0"/>
               </a:rPr>
               <a:t>Cascade: </a:t>
             </a:r>
             <a:r>
-              <a:rPr lang="zh-CN" altLang="" b="0" strike="noStrike" spc="-1">
+              <a:rPr lang="zh-CN" altLang="en-US" b="0" strike="noStrike" spc="-1">
                 <a:latin typeface="Arial"/>
                 <a:ea typeface="SimSun" charset="0"/>
               </a:rPr>
               <a:t>把</a:t>
             </a:r>
             <a:r>
-              <a:rPr lang="" altLang="zh-CN" b="0" strike="noStrike" spc="-1">
+              <a:rPr lang="en-US" altLang="zh-CN" b="0" strike="noStrike" spc="-1">
                 <a:latin typeface="Arial"/>
                 <a:ea typeface="SimSun" charset="0"/>
               </a:rPr>
               <a:t>Orders</a:t>
             </a:r>
             <a:r>
-              <a:rPr lang="zh-CN" altLang="" b="0" strike="noStrike" spc="-1">
+              <a:rPr lang="zh-CN" altLang="en-US" b="0" strike="noStrike" spc="-1">
                 <a:latin typeface="Arial"/>
                 <a:ea typeface="SimSun" charset="0"/>
               </a:rPr>
               <a:t>第一二行也删了</a:t>
             </a:r>
-            <a:endParaRPr lang="zh-CN" altLang="" b="0" strike="noStrike" spc="-1">
+            <a:endParaRPr lang="zh-CN" altLang="en-US" b="0" strike="noStrike" spc="-1">
               <a:latin typeface="Arial"/>
               <a:ea typeface="SimSun" charset="0"/>
             </a:endParaRPr>
@@ -15138,34 +16135,34 @@
               <a:buChar char="•"/>
             </a:pPr>
             <a:r>
-              <a:rPr lang="" altLang="zh-CN" b="0" strike="noStrike" spc="-1">
+              <a:rPr lang="en-US" altLang="zh-CN" b="0" strike="noStrike" spc="-1">
                 <a:latin typeface="Arial"/>
                 <a:ea typeface="SimSun" charset="0"/>
               </a:rPr>
               <a:t>Set Null: Orders</a:t>
             </a:r>
             <a:r>
-              <a:rPr lang="zh-CN" altLang="" b="0" strike="noStrike" spc="-1">
+              <a:rPr lang="zh-CN" altLang="en-US" b="0" strike="noStrike" spc="-1">
                 <a:latin typeface="Arial"/>
                 <a:ea typeface="SimSun" charset="0"/>
               </a:rPr>
               <a:t>第一二行</a:t>
             </a:r>
             <a:r>
-              <a:rPr lang="" altLang="zh-CN" b="0" strike="noStrike" spc="-1">
+              <a:rPr lang="en-US" altLang="zh-CN" b="0" strike="noStrike" spc="-1">
                 <a:latin typeface="Arial"/>
                 <a:ea typeface="SimSun" charset="0"/>
               </a:rPr>
               <a:t>PersonID</a:t>
             </a:r>
             <a:r>
-              <a:rPr lang="zh-CN" altLang="" b="0" strike="noStrike" spc="-1">
+              <a:rPr lang="zh-CN" altLang="en-US" b="0" strike="noStrike" spc="-1">
                 <a:latin typeface="Arial"/>
                 <a:ea typeface="SimSun" charset="0"/>
               </a:rPr>
               <a:t>值设置为空</a:t>
             </a:r>
-            <a:endParaRPr lang="zh-CN" altLang="" b="0" strike="noStrike" spc="-1">
+            <a:endParaRPr lang="zh-CN" altLang="en-US" b="0" strike="noStrike" spc="-1">
               <a:latin typeface="Arial"/>
               <a:ea typeface="SimSun" charset="0"/>
             </a:endParaRPr>
@@ -15182,14 +16179,14 @@
               <a:buChar char="•"/>
             </a:pPr>
             <a:r>
-              <a:rPr lang="" altLang="zh-CN" b="0" strike="noStrike" spc="-1">
+              <a:rPr lang="en-US" altLang="zh-CN" b="0" strike="noStrike" spc="-1">
                 <a:latin typeface="Arial"/>
                 <a:ea typeface="SimSun" charset="0"/>
               </a:rPr>
               <a:t>Set default: Orders</a:t>
             </a:r>
             <a:r>
-              <a:rPr lang="zh-CN" altLang="" b="0" strike="noStrike" spc="-1">
+              <a:rPr lang="zh-CN" altLang="en-US" b="0" strike="noStrike" spc="-1">
                 <a:latin typeface="Arial"/>
                 <a:ea typeface="SimSun" charset="0"/>
               </a:rPr>
@@ -15463,28 +16460,28 @@
               <a:t>我需要修改</a:t>
             </a:r>
             <a:r>
-              <a:rPr lang="" altLang="zh-CN" sz="1800" b="0" strike="noStrike" spc="-1">
+              <a:rPr lang="en-US" altLang="zh-CN" sz="1800" b="0" strike="noStrike" spc="-1">
                 <a:latin typeface="Arial"/>
                 <a:ea typeface="SimSun" charset="0"/>
               </a:rPr>
               <a:t>Persons</a:t>
             </a:r>
             <a:r>
-              <a:rPr lang="zh-CN" altLang="" sz="1800" b="0" strike="noStrike" spc="-1">
+              <a:rPr lang="zh-CN" altLang="en-US" sz="1800" b="0" strike="noStrike" spc="-1">
                 <a:latin typeface="Arial"/>
                 <a:ea typeface="SimSun" charset="0"/>
               </a:rPr>
               <a:t>的</a:t>
             </a:r>
             <a:r>
-              <a:rPr lang="" altLang="zh-CN" sz="1800" b="0" strike="noStrike" spc="-1">
+              <a:rPr lang="en-US" altLang="zh-CN" sz="1800" b="0" strike="noStrike" spc="-1">
                 <a:latin typeface="Arial"/>
                 <a:ea typeface="SimSun" charset="0"/>
               </a:rPr>
               <a:t>PersonID</a:t>
             </a:r>
             <a:r>
-              <a:rPr lang="zh-CN" altLang="" sz="1800" b="0" strike="noStrike" spc="-1">
+              <a:rPr lang="zh-CN" altLang="en-US" sz="1800" b="0" strike="noStrike" spc="-1">
                 <a:latin typeface="Arial"/>
                 <a:ea typeface="SimSun" charset="0"/>
               </a:rPr>
@@ -15974,7 +16971,7 @@
               </a:tabLst>
             </a:pPr>
             <a:r>
-              <a:rPr lang="" altLang="en-US" sz="2800" b="0" strike="noStrike" spc="-1">
+              <a:rPr lang="en-US" altLang="en-US" sz="2800" b="0" strike="noStrike" spc="-1">
                 <a:solidFill>
                   <a:srgbClr val="000000"/>
                 </a:solidFill>
@@ -15983,7 +16980,7 @@
               </a:rPr>
               <a:t>Deleting Tables</a:t>
             </a:r>
-            <a:endParaRPr lang="" altLang="en-US" sz="2800" b="0" strike="noStrike" spc="-1">
+            <a:endParaRPr lang="en-US" altLang="en-US" sz="2800" b="0" strike="noStrike" spc="-1">
               <a:solidFill>
                 <a:srgbClr val="000000"/>
               </a:solidFill>
@@ -16287,7 +17284,7 @@
               <a:t>: </a:t>
             </a:r>
             <a:r>
-              <a:rPr lang="" altLang="en-US" sz="2400" spc="-1">
+              <a:rPr lang="en-US" altLang="en-US" sz="2400" spc="-1">
                 <a:solidFill>
                   <a:srgbClr val="FFFFFF"/>
                 </a:solidFill>
@@ -16392,14 +17389,14 @@
       </p:grpSpPr>
       <p:sp>
         <p:nvSpPr>
-          <p:cNvPr id="216" name="TextShape 1"/>
-          <p:cNvSpPr txBox="true"/>
+          <p:cNvPr id="218" name="CustomShape 1"/>
+          <p:cNvSpPr/>
           <p:nvPr/>
         </p:nvSpPr>
         <p:spPr>
           <a:xfrm>
-            <a:off x="3929400" y="2125080"/>
-            <a:ext cx="6974640" cy="1857960"/>
+            <a:off x="501480" y="0"/>
+            <a:ext cx="10515240" cy="1034280"/>
           </a:xfrm>
           <a:prstGeom prst="rect">
             <a:avLst/>
@@ -16409,83 +17406,29 @@
             <a:noFill/>
           </a:ln>
         </p:spPr>
-        <p:txBody>
-          <a:bodyPr anchor="b">
-            <a:normAutofit fontScale="35000"/>
-          </a:bodyPr>
-          <a:p>
-            <a:pPr>
-              <a:lnSpc>
-                <a:spcPct val="90000"/>
-              </a:lnSpc>
-            </a:pPr>
-            <a:r>
-              <a:rPr lang="en-US" sz="4900" b="1" strike="noStrike" spc="-1">
-                <a:solidFill>
-                  <a:srgbClr val="FFFFFF"/>
-                </a:solidFill>
-                <a:latin typeface="Source Sans Pro Black" panose="020B0803030403020204"/>
-                <a:ea typeface="Microsoft YaHei"/>
-              </a:rPr>
-              <a:t>CPT103</a:t>
-            </a:r>
-            <a:br>
-              <a:rPr lang="en-US" sz="4900" b="1" strike="noStrike" spc="-1">
-                <a:solidFill>
-                  <a:srgbClr val="FFFFFF"/>
-                </a:solidFill>
-                <a:latin typeface="Source Sans Pro Black" panose="020B0803030403020204"/>
-                <a:ea typeface="Microsoft YaHei"/>
-              </a:rPr>
-            </a:br>
-            <a:r>
-              <a:rPr lang="en-US" sz="6000" b="1" strike="noStrike" spc="-1">
-                <a:solidFill>
-                  <a:srgbClr val="FFFFFF"/>
-                </a:solidFill>
-                <a:latin typeface="Source Sans Pro Black" panose="020B0803030403020204"/>
-                <a:ea typeface="Microsoft YaHei"/>
-              </a:rPr>
-              <a:t>Introduction to Database</a:t>
-            </a:r>
-            <a:br>
-              <a:rPr lang="en-US" sz="6000" b="1" strike="noStrike" spc="-1">
-                <a:solidFill>
-                  <a:srgbClr val="FFFFFF"/>
-                </a:solidFill>
-                <a:latin typeface="Source Sans Pro Black" panose="020B0803030403020204"/>
-                <a:ea typeface="Microsoft YaHei"/>
-              </a:rPr>
-            </a:br>
-            <a:r>
-              <a:rPr lang="zh-CN" sz="4400" b="1" strike="noStrike" spc="-1">
-                <a:solidFill>
-                  <a:srgbClr val="FFFFFF"/>
-                </a:solidFill>
-                <a:latin typeface="Source Sans Pro Black" panose="020B0803030403020204"/>
-                <a:ea typeface="Microsoft YaHei"/>
-              </a:rPr>
-              <a:t>数据库导论</a:t>
-            </a:r>
-            <a:endParaRPr lang="en-US" sz="4400" b="0" strike="noStrike" spc="-1">
-              <a:solidFill>
-                <a:srgbClr val="000000"/>
-              </a:solidFill>
-              <a:latin typeface="等线"/>
-            </a:endParaRPr>
-          </a:p>
-        </p:txBody>
-      </p:sp>
-      <p:sp>
-        <p:nvSpPr>
-          <p:cNvPr id="217" name="TextShape 2"/>
+        <p:style>
+          <a:lnRef idx="0">
+            <a:srgbClr val="FFFFFF"/>
+          </a:lnRef>
+          <a:fillRef idx="0">
+            <a:srgbClr val="FFFFFF"/>
+          </a:fillRef>
+          <a:effectRef idx="0">
+            <a:srgbClr val="FFFFFF"/>
+          </a:effectRef>
+          <a:fontRef idx="minor"/>
+        </p:style>
+      </p:sp>
+      <p:sp>
+        <p:nvSpPr>
+          <p:cNvPr id="220" name="TextShape 3"/>
           <p:cNvSpPr txBox="true"/>
           <p:nvPr/>
         </p:nvSpPr>
         <p:spPr>
           <a:xfrm>
-            <a:off x="3938905" y="4159885"/>
-            <a:ext cx="7781925" cy="393700"/>
+            <a:off x="628920" y="606240"/>
+            <a:ext cx="7886520" cy="993960"/>
           </a:xfrm>
           <a:prstGeom prst="rect">
             <a:avLst/>
@@ -16496,122 +17439,1167 @@
           </a:ln>
         </p:spPr>
         <p:txBody>
-          <a:bodyPr>
-            <a:noAutofit/>
+          <a:bodyPr anchor="ctr">
+            <a:normAutofit/>
           </a:bodyPr>
           <a:p>
             <a:pPr>
               <a:lnSpc>
                 <a:spcPct val="90000"/>
               </a:lnSpc>
-              <a:spcBef>
-                <a:spcPts val="1000"/>
-              </a:spcBef>
               <a:tabLst>
                 <a:tab pos="0" algn="l"/>
               </a:tabLst>
             </a:pPr>
             <a:r>
-              <a:rPr lang="en-US" sz="2400" b="0" strike="noStrike" spc="-1">
+              <a:rPr lang="" altLang="en-US" sz="2800" b="0" strike="noStrike" spc="-1">
                 <a:solidFill>
-                  <a:srgbClr val="FFFFFF"/>
+                  <a:srgbClr val="000000"/>
                 </a:solidFill>
-                <a:latin typeface="Source Sans Pro" panose="020B0503030403020204"/>
-                <a:ea typeface="思源黑体"/>
-              </a:rPr>
-              <a:t>Lec </a:t>
-            </a:r>
-            <a:r>
-              <a:rPr lang="en-US" altLang="en-US" sz="2400" b="0" strike="noStrike" spc="-1">
+                <a:latin typeface="Arial"/>
+                <a:ea typeface="Arial"/>
+              </a:rPr>
+              <a:t>ALTER: </a:t>
+            </a:r>
+            <a:r>
+              <a:rPr lang="zh-CN" altLang="" sz="2800" b="0" strike="noStrike" spc="-1">
                 <a:solidFill>
-                  <a:srgbClr val="FFFFFF"/>
+                  <a:srgbClr val="000000"/>
                 </a:solidFill>
-                <a:latin typeface="Source Sans Pro" panose="020B0503030403020204"/>
-                <a:ea typeface="思源黑体"/>
-              </a:rPr>
-              <a:t>2</a:t>
-            </a:r>
-            <a:r>
-              <a:rPr lang="en-US" sz="2400" b="0" strike="noStrike" spc="-1">
-                <a:solidFill>
-                  <a:srgbClr val="FFFFFF"/>
-                </a:solidFill>
-                <a:latin typeface="Source Sans Pro" panose="020B0503030403020204"/>
-                <a:ea typeface="思源黑体"/>
-              </a:rPr>
-              <a:t>: </a:t>
-            </a:r>
-            <a:r>
-              <a:rPr lang="en-US" altLang="en-US" sz="2400" spc="-1">
-                <a:solidFill>
-                  <a:srgbClr val="FFFFFF"/>
-                </a:solidFill>
-                <a:latin typeface="Source Sans Pro" panose="020B0503030403020204"/>
-                <a:ea typeface="思源黑体"/>
+                <a:latin typeface="Arial"/>
+                <a:ea typeface="SimSun" charset="0"/>
+              </a:rPr>
+              <a:t>添加、删除、修改列</a:t>
+            </a:r>
+            <a:endParaRPr lang="en-US" altLang="zh-CN" sz="2800" b="0" strike="noStrike" spc="-1">
+              <a:solidFill>
+                <a:srgbClr val="000000"/>
+              </a:solidFill>
+              <a:latin typeface="Arial"/>
+              <a:ea typeface="SimSun" charset="0"/>
+            </a:endParaRPr>
+          </a:p>
+        </p:txBody>
+      </p:sp>
+      <p:sp>
+        <p:nvSpPr>
+          <p:cNvPr id="2" name="CustomShape 4"/>
+          <p:cNvSpPr/>
+          <p:nvPr/>
+        </p:nvSpPr>
+        <p:spPr>
+          <a:xfrm>
+            <a:off x="628650" y="1901190"/>
+            <a:ext cx="9179560" cy="2675890"/>
+          </a:xfrm>
+          <a:prstGeom prst="rect">
+            <a:avLst/>
+          </a:prstGeom>
+          <a:noFill/>
+          <a:ln w="0">
+            <a:noFill/>
+          </a:ln>
+        </p:spPr>
+        <p:style>
+          <a:lnRef idx="0">
+            <a:srgbClr val="FFFFFF"/>
+          </a:lnRef>
+          <a:fillRef idx="0">
+            <a:srgbClr val="FFFFFF"/>
+          </a:fillRef>
+          <a:effectRef idx="0">
+            <a:srgbClr val="FFFFFF"/>
+          </a:effectRef>
+          <a:fontRef idx="minor"/>
+        </p:style>
+        <p:txBody>
+          <a:bodyPr wrap="square" tIns="91440" bIns="91440">
+            <a:spAutoFit/>
+          </a:bodyPr>
+          <a:p>
+            <a:pPr marL="0" lvl="1" indent="-285750">
+              <a:lnSpc>
+                <a:spcPct val="100000"/>
+              </a:lnSpc>
+              <a:buClr>
+                <a:srgbClr val="000000"/>
+              </a:buClr>
+              <a:buFont typeface="Arial" panose="02080604020202020204" pitchFamily="34" charset="0"/>
+              <a:buChar char="•"/>
+            </a:pPr>
+            <a:r>
+              <a:rPr lang="" altLang="zh-CN" sz="1800" b="0" strike="noStrike" spc="-1">
+                <a:latin typeface="Arial"/>
+                <a:ea typeface="SimSun" charset="0"/>
+              </a:rPr>
+              <a:t>Add column</a:t>
+            </a:r>
+            <a:endParaRPr lang="" altLang="zh-CN" sz="1800" b="0" strike="noStrike" spc="-1">
+              <a:latin typeface="Arial"/>
+              <a:ea typeface="SimSun" charset="0"/>
+            </a:endParaRPr>
+          </a:p>
+          <a:p>
+            <a:pPr marL="0" lvl="1" indent="-285750">
+              <a:lnSpc>
+                <a:spcPct val="100000"/>
+              </a:lnSpc>
+              <a:buClr>
+                <a:srgbClr val="000000"/>
+              </a:buClr>
+              <a:buFont typeface="Arial" panose="02080604020202020204" pitchFamily="34" charset="0"/>
+              <a:buChar char="•"/>
+            </a:pPr>
+            <a:endParaRPr lang="" altLang="zh-CN" sz="1800" b="0" strike="noStrike" spc="-1">
+              <a:latin typeface="Arial"/>
+              <a:ea typeface="SimSun" charset="0"/>
+            </a:endParaRPr>
+          </a:p>
+          <a:p>
+            <a:pPr lvl="2" indent="-285750">
+              <a:lnSpc>
+                <a:spcPct val="100000"/>
+              </a:lnSpc>
+              <a:buClr>
+                <a:srgbClr val="000000"/>
+              </a:buClr>
+              <a:buFont typeface="Arial" panose="02080604020202020204" pitchFamily="34" charset="0"/>
+              <a:buChar char="•"/>
+            </a:pPr>
+            <a:r>
+              <a:rPr lang="zh-CN" altLang="" sz="1800" b="0" strike="noStrike" spc="-1">
+                <a:latin typeface="Arial"/>
+                <a:ea typeface="SimSun" charset="0"/>
+              </a:rPr>
+              <a:t>语法：</a:t>
+            </a:r>
+            <a:r>
+              <a:rPr lang="en-US" b="1" dirty="0">
+                <a:latin typeface="Courier New" panose="02070309020205020404" pitchFamily="49" charset="0"/>
+                <a:cs typeface="Courier New" panose="02070309020205020404" pitchFamily="49" charset="0"/>
                 <a:sym typeface="+mn-ea"/>
               </a:rPr>
-              <a:t>Defining &amp; Modifying Tables</a:t>
-            </a:r>
-            <a:endParaRPr lang="en-US" altLang="en-US" sz="2400" b="0" strike="noStrike" spc="-1">
-              <a:solidFill>
-                <a:srgbClr val="FFFFFF"/>
-              </a:solidFill>
-              <a:latin typeface="Source Sans Pro" panose="020B0503030403020204"/>
-              <a:ea typeface="思源黑体"/>
-            </a:endParaRPr>
-          </a:p>
+              <a:t>ALTER TABLE </a:t>
+            </a:r>
+            <a:r>
+              <a:rPr lang="en-US" dirty="0" err="1">
+                <a:latin typeface="Courier New" panose="02070309020205020404" pitchFamily="49" charset="0"/>
+                <a:cs typeface="Courier New" panose="02070309020205020404" pitchFamily="49" charset="0"/>
+                <a:sym typeface="+mn-ea"/>
+              </a:rPr>
+              <a:t>table_name</a:t>
+            </a:r>
+            <a:r>
+              <a:rPr lang="en-US" b="1" dirty="0">
+                <a:latin typeface="Courier New" panose="02070309020205020404" pitchFamily="49" charset="0"/>
+                <a:cs typeface="Courier New" panose="02070309020205020404" pitchFamily="49" charset="0"/>
+                <a:sym typeface="+mn-ea"/>
+              </a:rPr>
+              <a:t> ADD </a:t>
+            </a:r>
+            <a:r>
+              <a:rPr lang="en-US" dirty="0" err="1">
+                <a:latin typeface="Courier New" panose="02070309020205020404" pitchFamily="49" charset="0"/>
+                <a:cs typeface="Courier New" panose="02070309020205020404" pitchFamily="49" charset="0"/>
+                <a:sym typeface="+mn-ea"/>
+              </a:rPr>
+              <a:t>column_name</a:t>
+            </a:r>
+            <a:r>
+              <a:rPr lang="en-US" dirty="0">
+                <a:latin typeface="Courier New" panose="02070309020205020404" pitchFamily="49" charset="0"/>
+                <a:cs typeface="Courier New" panose="02070309020205020404" pitchFamily="49" charset="0"/>
+                <a:sym typeface="+mn-ea"/>
+              </a:rPr>
+              <a:t> datatype [options like UNIQUE …]</a:t>
+            </a:r>
+            <a:r>
+              <a:rPr lang="en-US" b="1" dirty="0">
+                <a:latin typeface="Courier New" panose="02070309020205020404" pitchFamily="49" charset="0"/>
+                <a:cs typeface="Courier New" panose="02070309020205020404" pitchFamily="49" charset="0"/>
+                <a:sym typeface="+mn-ea"/>
+              </a:rPr>
+              <a:t>;</a:t>
+            </a:r>
+            <a:endParaRPr lang="en-US" b="1" dirty="0">
+              <a:latin typeface="Courier New" panose="02070309020205020404" pitchFamily="49" charset="0"/>
+              <a:cs typeface="Courier New" panose="02070309020205020404" pitchFamily="49" charset="0"/>
+              <a:sym typeface="+mn-ea"/>
+            </a:endParaRPr>
+          </a:p>
+          <a:p>
+            <a:pPr lvl="2" indent="-285750">
+              <a:lnSpc>
+                <a:spcPct val="100000"/>
+              </a:lnSpc>
+              <a:buClr>
+                <a:srgbClr val="000000"/>
+              </a:buClr>
+              <a:buFont typeface="Arial" panose="02080604020202020204" pitchFamily="34" charset="0"/>
+              <a:buChar char="•"/>
+            </a:pPr>
+            <a:r>
+              <a:rPr lang="zh-CN" altLang="en-US" b="1" dirty="0">
+                <a:latin typeface="Courier New" panose="02070309020205020404" pitchFamily="49" charset="0"/>
+                <a:ea typeface="SimSun" charset="0"/>
+                <a:cs typeface="Courier New" panose="02070309020205020404" pitchFamily="49" charset="0"/>
+                <a:sym typeface="+mn-ea"/>
+              </a:rPr>
+              <a:t>例子</a:t>
+            </a:r>
+            <a:endParaRPr lang="" altLang="zh-CN" sz="1800" b="0" strike="noStrike" spc="-1">
+              <a:latin typeface="Arial"/>
+              <a:ea typeface="SimSun" charset="0"/>
+            </a:endParaRPr>
+          </a:p>
+          <a:p>
+            <a:pPr marL="628650" lvl="2" indent="0">
+              <a:lnSpc>
+                <a:spcPct val="100000"/>
+              </a:lnSpc>
+              <a:buClr>
+                <a:srgbClr val="000000"/>
+              </a:buClr>
+              <a:buFont typeface="Arial" panose="02080604020202020204" pitchFamily="34" charset="0"/>
+              <a:buNone/>
+            </a:pPr>
+            <a:endParaRPr lang="" altLang="zh-CN" sz="1800" b="0" strike="noStrike" spc="-1">
+              <a:latin typeface="Arial"/>
+              <a:ea typeface="SimSun" charset="0"/>
+            </a:endParaRPr>
+          </a:p>
+          <a:p>
+            <a:pPr marL="628650" lvl="2" indent="0">
+              <a:lnSpc>
+                <a:spcPct val="100000"/>
+              </a:lnSpc>
+              <a:buClr>
+                <a:srgbClr val="000000"/>
+              </a:buClr>
+              <a:buFont typeface="Arial" panose="02080604020202020204" pitchFamily="34" charset="0"/>
+              <a:buNone/>
+            </a:pPr>
+            <a:endParaRPr lang="" altLang="zh-CN" sz="1800" b="0" strike="noStrike" spc="-1">
+              <a:latin typeface="Arial"/>
+              <a:ea typeface="SimSun" charset="0"/>
+            </a:endParaRPr>
+          </a:p>
+          <a:p>
+            <a:pPr marL="628650" lvl="2" indent="0">
+              <a:lnSpc>
+                <a:spcPct val="100000"/>
+              </a:lnSpc>
+              <a:buClr>
+                <a:srgbClr val="000000"/>
+              </a:buClr>
+              <a:buFont typeface="Arial" panose="02080604020202020204" pitchFamily="34" charset="0"/>
+              <a:buNone/>
+            </a:pPr>
+            <a:endParaRPr lang="" altLang="zh-CN" sz="1800" b="0" strike="noStrike" spc="-1">
+              <a:latin typeface="Arial"/>
+              <a:ea typeface="SimSun" charset="0"/>
+            </a:endParaRPr>
+          </a:p>
+          <a:p>
+            <a:pPr marL="0" lvl="1" indent="0">
+              <a:lnSpc>
+                <a:spcPct val="100000"/>
+              </a:lnSpc>
+              <a:buClr>
+                <a:srgbClr val="000000"/>
+              </a:buClr>
+              <a:buFont typeface="Arial" panose="02080604020202020204" pitchFamily="34" charset="0"/>
+              <a:buNone/>
+            </a:pPr>
+            <a:endParaRPr lang="" altLang="zh-CN" sz="1800" b="0" strike="noStrike" spc="-1">
+              <a:latin typeface="Arial"/>
+              <a:ea typeface="SimSun" charset="0"/>
+            </a:endParaRPr>
+          </a:p>
+        </p:txBody>
+      </p:sp>
+      <p:pic>
+        <p:nvPicPr>
+          <p:cNvPr id="3" name="Picture 2"/>
+          <p:cNvPicPr>
+            <a:picLocks noChangeAspect="true"/>
+          </p:cNvPicPr>
+          <p:nvPr/>
+        </p:nvPicPr>
+        <p:blipFill>
+          <a:blip r:embed="rId1"/>
+          <a:stretch>
+            <a:fillRect/>
+          </a:stretch>
+        </p:blipFill>
+        <p:spPr>
+          <a:xfrm>
+            <a:off x="1608455" y="3512185"/>
+            <a:ext cx="8736330" cy="457200"/>
+          </a:xfrm>
+          <a:prstGeom prst="rect">
+            <a:avLst/>
+          </a:prstGeom>
+        </p:spPr>
+      </p:pic>
+    </p:spTree>
+  </p:cSld>
+  <p:clrMapOvr>
+    <a:masterClrMapping/>
+  </p:clrMapOvr>
+  <mc:AlternateContent xmlns:mc="http://schemas.openxmlformats.org/markup-compatibility/2006">
+    <mc:Choice xmlns:p14="http://schemas.microsoft.com/office/powerpoint/2010/main" Requires="p14">
+      <p:transition spd="slow" p14:dur="2000"/>
+    </mc:Choice>
+    <mc:Fallback>
+      <p:transition spd="slow"/>
+    </mc:Fallback>
+  </mc:AlternateContent>
+</p:sld>
+</file>
+
+<file path=ppt/slides/slide28.xml><?xml version="1.0" encoding="utf-8"?>
+<p:sld xmlns:a="http://schemas.openxmlformats.org/drawingml/2006/main" xmlns:r="http://schemas.openxmlformats.org/officeDocument/2006/relationships" xmlns:p="http://schemas.openxmlformats.org/presentationml/2006/main">
+  <p:cSld>
+    <p:spTree>
+      <p:nvGrpSpPr>
+        <p:cNvPr id="1" name=""/>
+        <p:cNvGrpSpPr/>
+        <p:nvPr/>
+      </p:nvGrpSpPr>
+      <p:grpSpPr>
+        <a:xfrm>
+          <a:off x="0" y="0"/>
+          <a:ext cx="0" cy="0"/>
+          <a:chOff x="0" y="0"/>
+          <a:chExt cx="0" cy="0"/>
+        </a:xfrm>
+      </p:grpSpPr>
+      <p:sp>
+        <p:nvSpPr>
+          <p:cNvPr id="218" name="CustomShape 1"/>
+          <p:cNvSpPr/>
+          <p:nvPr/>
+        </p:nvSpPr>
+        <p:spPr>
+          <a:xfrm>
+            <a:off x="501480" y="0"/>
+            <a:ext cx="10515240" cy="1034280"/>
+          </a:xfrm>
+          <a:prstGeom prst="rect">
+            <a:avLst/>
+          </a:prstGeom>
+          <a:noFill/>
+          <a:ln w="0">
+            <a:noFill/>
+          </a:ln>
+        </p:spPr>
+        <p:style>
+          <a:lnRef idx="0">
+            <a:srgbClr val="FFFFFF"/>
+          </a:lnRef>
+          <a:fillRef idx="0">
+            <a:srgbClr val="FFFFFF"/>
+          </a:fillRef>
+          <a:effectRef idx="0">
+            <a:srgbClr val="FFFFFF"/>
+          </a:effectRef>
+          <a:fontRef idx="minor"/>
+        </p:style>
+      </p:sp>
+      <p:sp>
+        <p:nvSpPr>
+          <p:cNvPr id="220" name="TextShape 3"/>
+          <p:cNvSpPr txBox="true"/>
+          <p:nvPr/>
+        </p:nvSpPr>
+        <p:spPr>
+          <a:xfrm>
+            <a:off x="628920" y="606240"/>
+            <a:ext cx="7886520" cy="993960"/>
+          </a:xfrm>
+          <a:prstGeom prst="rect">
+            <a:avLst/>
+          </a:prstGeom>
+          <a:noFill/>
+          <a:ln w="0">
+            <a:noFill/>
+          </a:ln>
+        </p:spPr>
+        <p:txBody>
+          <a:bodyPr anchor="ctr">
+            <a:normAutofit/>
+          </a:bodyPr>
           <a:p>
             <a:pPr>
               <a:lnSpc>
                 <a:spcPct val="90000"/>
               </a:lnSpc>
-              <a:spcBef>
-                <a:spcPts val="1000"/>
-              </a:spcBef>
               <a:tabLst>
                 <a:tab pos="0" algn="l"/>
               </a:tabLst>
             </a:pPr>
-            <a:endParaRPr lang="en-US" sz="2400" b="0" strike="noStrike" spc="-1">
+            <a:r>
+              <a:rPr lang="en-US" altLang="en-US" sz="2800" b="0" strike="noStrike" spc="-1">
+                <a:solidFill>
+                  <a:srgbClr val="000000"/>
+                </a:solidFill>
+                <a:latin typeface="Arial"/>
+                <a:ea typeface="Arial"/>
+              </a:rPr>
+              <a:t>ALTER: </a:t>
+            </a:r>
+            <a:r>
+              <a:rPr lang="zh-CN" altLang="en-US" sz="2800" b="0" strike="noStrike" spc="-1">
+                <a:solidFill>
+                  <a:srgbClr val="000000"/>
+                </a:solidFill>
+                <a:latin typeface="Arial"/>
+                <a:ea typeface="SimSun" charset="0"/>
+              </a:rPr>
+              <a:t>添加、删除、修改列</a:t>
+            </a:r>
+            <a:endParaRPr lang="en-US" altLang="zh-CN" sz="2800" b="0" strike="noStrike" spc="-1">
               <a:solidFill>
-                <a:srgbClr val="FFFFFF"/>
+                <a:srgbClr val="000000"/>
               </a:solidFill>
-              <a:latin typeface="Source Sans Pro" panose="020B0503030403020204"/>
-              <a:ea typeface="思源黑体"/>
-            </a:endParaRPr>
-          </a:p>
+              <a:latin typeface="Arial"/>
+              <a:ea typeface="SimSun" charset="0"/>
+            </a:endParaRPr>
+          </a:p>
+        </p:txBody>
+      </p:sp>
+      <p:sp>
+        <p:nvSpPr>
+          <p:cNvPr id="2" name="CustomShape 4"/>
+          <p:cNvSpPr/>
+          <p:nvPr/>
+        </p:nvSpPr>
+        <p:spPr>
+          <a:xfrm>
+            <a:off x="628650" y="1901190"/>
+            <a:ext cx="9179560" cy="2398395"/>
+          </a:xfrm>
+          <a:prstGeom prst="rect">
+            <a:avLst/>
+          </a:prstGeom>
+          <a:noFill/>
+          <a:ln w="0">
+            <a:noFill/>
+          </a:ln>
+        </p:spPr>
+        <p:style>
+          <a:lnRef idx="0">
+            <a:srgbClr val="FFFFFF"/>
+          </a:lnRef>
+          <a:fillRef idx="0">
+            <a:srgbClr val="FFFFFF"/>
+          </a:fillRef>
+          <a:effectRef idx="0">
+            <a:srgbClr val="FFFFFF"/>
+          </a:effectRef>
+          <a:fontRef idx="minor"/>
+        </p:style>
+        <p:txBody>
+          <a:bodyPr wrap="square" tIns="91440" bIns="91440">
+            <a:spAutoFit/>
+          </a:bodyPr>
+          <a:p>
+            <a:pPr marL="0" lvl="1" indent="-285750">
+              <a:lnSpc>
+                <a:spcPct val="100000"/>
+              </a:lnSpc>
+              <a:buClr>
+                <a:srgbClr val="000000"/>
+              </a:buClr>
+              <a:buFont typeface="Arial" panose="02080604020202020204" pitchFamily="34" charset="0"/>
+              <a:buChar char="•"/>
+            </a:pPr>
+            <a:r>
+              <a:rPr lang="" altLang="en-US" sz="1800" b="0" strike="noStrike" spc="-1">
+                <a:latin typeface="Arial"/>
+                <a:ea typeface="SimSun" charset="0"/>
+              </a:rPr>
+              <a:t>Drop </a:t>
+            </a:r>
+            <a:r>
+              <a:rPr lang="en-US" altLang="zh-CN" sz="1800" b="0" strike="noStrike" spc="-1">
+                <a:latin typeface="Arial"/>
+                <a:ea typeface="SimSun" charset="0"/>
+              </a:rPr>
+              <a:t>column</a:t>
+            </a:r>
+            <a:endParaRPr lang="en-US" altLang="zh-CN" sz="1800" b="0" strike="noStrike" spc="-1">
+              <a:latin typeface="Arial"/>
+              <a:ea typeface="SimSun" charset="0"/>
+            </a:endParaRPr>
+          </a:p>
+          <a:p>
+            <a:pPr marL="0" lvl="1" indent="-285750">
+              <a:lnSpc>
+                <a:spcPct val="100000"/>
+              </a:lnSpc>
+              <a:buClr>
+                <a:srgbClr val="000000"/>
+              </a:buClr>
+              <a:buFont typeface="Arial" panose="02080604020202020204" pitchFamily="34" charset="0"/>
+              <a:buChar char="•"/>
+            </a:pPr>
+            <a:endParaRPr lang="en-US" altLang="zh-CN" sz="1800" b="0" strike="noStrike" spc="-1">
+              <a:latin typeface="Arial"/>
+              <a:ea typeface="SimSun" charset="0"/>
+            </a:endParaRPr>
+          </a:p>
+          <a:p>
+            <a:pPr lvl="2" indent="-285750">
+              <a:lnSpc>
+                <a:spcPct val="100000"/>
+              </a:lnSpc>
+              <a:buClr>
+                <a:srgbClr val="000000"/>
+              </a:buClr>
+              <a:buFont typeface="Arial" panose="02080604020202020204" pitchFamily="34" charset="0"/>
+              <a:buChar char="•"/>
+            </a:pPr>
+            <a:r>
+              <a:rPr lang="zh-CN" altLang="en-US" sz="1800" b="0" strike="noStrike" spc="-1">
+                <a:latin typeface="Arial"/>
+                <a:ea typeface="SimSun" charset="0"/>
+              </a:rPr>
+              <a:t>语法：</a:t>
+            </a:r>
+            <a:r>
+              <a:rPr lang="en-US" b="1" dirty="0">
+                <a:latin typeface="Courier New" panose="02070309020205020404" pitchFamily="49" charset="0"/>
+                <a:cs typeface="Courier New" panose="02070309020205020404" pitchFamily="49" charset="0"/>
+                <a:sym typeface="+mn-ea"/>
+              </a:rPr>
+              <a:t>ALTER TABLE </a:t>
+            </a:r>
+            <a:r>
+              <a:rPr lang="en-US" dirty="0" err="1">
+                <a:latin typeface="Courier New" panose="02070309020205020404" pitchFamily="49" charset="0"/>
+                <a:cs typeface="Courier New" panose="02070309020205020404" pitchFamily="49" charset="0"/>
+                <a:sym typeface="+mn-ea"/>
+              </a:rPr>
+              <a:t>table_name</a:t>
+            </a:r>
+            <a:r>
+              <a:rPr lang="en-US" b="1" dirty="0">
+                <a:latin typeface="Courier New" panose="02070309020205020404" pitchFamily="49" charset="0"/>
+                <a:cs typeface="Courier New" panose="02070309020205020404" pitchFamily="49" charset="0"/>
+                <a:sym typeface="+mn-ea"/>
+              </a:rPr>
+              <a:t> DROP COLUMN </a:t>
+            </a:r>
+            <a:r>
+              <a:rPr lang="en-US" dirty="0" err="1">
+                <a:latin typeface="Courier New" panose="02070309020205020404" pitchFamily="49" charset="0"/>
+                <a:cs typeface="Courier New" panose="02070309020205020404" pitchFamily="49" charset="0"/>
+                <a:sym typeface="+mn-ea"/>
+              </a:rPr>
+              <a:t>column_name</a:t>
+            </a:r>
+            <a:r>
+              <a:rPr lang="en-US" b="1" dirty="0">
+                <a:latin typeface="Courier New" panose="02070309020205020404" pitchFamily="49" charset="0"/>
+                <a:cs typeface="Courier New" panose="02070309020205020404" pitchFamily="49" charset="0"/>
+                <a:sym typeface="+mn-ea"/>
+              </a:rPr>
+              <a:t>;</a:t>
+            </a:r>
+            <a:endParaRPr lang="en-US" b="1" dirty="0">
+              <a:latin typeface="Courier New" panose="02070309020205020404" pitchFamily="49" charset="0"/>
+              <a:cs typeface="Courier New" panose="02070309020205020404" pitchFamily="49" charset="0"/>
+              <a:sym typeface="+mn-ea"/>
+            </a:endParaRPr>
+          </a:p>
+          <a:p>
+            <a:pPr lvl="2" indent="-285750">
+              <a:lnSpc>
+                <a:spcPct val="100000"/>
+              </a:lnSpc>
+              <a:buClr>
+                <a:srgbClr val="000000"/>
+              </a:buClr>
+              <a:buFont typeface="Arial" panose="02080604020202020204" pitchFamily="34" charset="0"/>
+              <a:buChar char="•"/>
+            </a:pPr>
+            <a:r>
+              <a:rPr lang="zh-CN" altLang="en-US" b="1" dirty="0">
+                <a:latin typeface="Courier New" panose="02070309020205020404" pitchFamily="49" charset="0"/>
+                <a:ea typeface="SimSun" charset="0"/>
+                <a:cs typeface="Courier New" panose="02070309020205020404" pitchFamily="49" charset="0"/>
+                <a:sym typeface="+mn-ea"/>
+              </a:rPr>
+              <a:t>例子</a:t>
+            </a:r>
+            <a:endParaRPr lang="en-US" altLang="zh-CN" sz="1800" b="0" strike="noStrike" spc="-1">
+              <a:latin typeface="Arial"/>
+              <a:ea typeface="SimSun" charset="0"/>
+            </a:endParaRPr>
+          </a:p>
+          <a:p>
+            <a:pPr marL="628650" lvl="2" indent="0">
+              <a:lnSpc>
+                <a:spcPct val="100000"/>
+              </a:lnSpc>
+              <a:buClr>
+                <a:srgbClr val="000000"/>
+              </a:buClr>
+              <a:buFont typeface="Arial" panose="02080604020202020204" pitchFamily="34" charset="0"/>
+              <a:buNone/>
+            </a:pPr>
+            <a:endParaRPr lang="en-US" altLang="zh-CN" sz="1800" b="0" strike="noStrike" spc="-1">
+              <a:latin typeface="Arial"/>
+              <a:ea typeface="SimSun" charset="0"/>
+            </a:endParaRPr>
+          </a:p>
+          <a:p>
+            <a:pPr marL="628650" lvl="2" indent="0">
+              <a:lnSpc>
+                <a:spcPct val="100000"/>
+              </a:lnSpc>
+              <a:buClr>
+                <a:srgbClr val="000000"/>
+              </a:buClr>
+              <a:buFont typeface="Arial" panose="02080604020202020204" pitchFamily="34" charset="0"/>
+              <a:buNone/>
+            </a:pPr>
+            <a:endParaRPr lang="en-US" altLang="zh-CN" sz="1800" b="0" strike="noStrike" spc="-1">
+              <a:latin typeface="Arial"/>
+              <a:ea typeface="SimSun" charset="0"/>
+            </a:endParaRPr>
+          </a:p>
+          <a:p>
+            <a:pPr marL="628650" lvl="2" indent="0">
+              <a:lnSpc>
+                <a:spcPct val="100000"/>
+              </a:lnSpc>
+              <a:buClr>
+                <a:srgbClr val="000000"/>
+              </a:buClr>
+              <a:buFont typeface="Arial" panose="02080604020202020204" pitchFamily="34" charset="0"/>
+              <a:buNone/>
+            </a:pPr>
+            <a:endParaRPr lang="en-US" altLang="zh-CN" sz="1800" b="0" strike="noStrike" spc="-1">
+              <a:latin typeface="Arial"/>
+              <a:ea typeface="SimSun" charset="0"/>
+            </a:endParaRPr>
+          </a:p>
+          <a:p>
+            <a:pPr marL="0" lvl="1" indent="0">
+              <a:lnSpc>
+                <a:spcPct val="100000"/>
+              </a:lnSpc>
+              <a:buClr>
+                <a:srgbClr val="000000"/>
+              </a:buClr>
+              <a:buFont typeface="Arial" panose="02080604020202020204" pitchFamily="34" charset="0"/>
+              <a:buNone/>
+            </a:pPr>
+            <a:endParaRPr lang="en-US" altLang="zh-CN" sz="1800" b="0" strike="noStrike" spc="-1">
+              <a:latin typeface="Arial"/>
+              <a:ea typeface="SimSun" charset="0"/>
+            </a:endParaRPr>
+          </a:p>
+        </p:txBody>
+      </p:sp>
+      <p:pic>
+        <p:nvPicPr>
+          <p:cNvPr id="4" name="Picture 3"/>
+          <p:cNvPicPr>
+            <a:picLocks noChangeAspect="true"/>
+          </p:cNvPicPr>
+          <p:nvPr/>
+        </p:nvPicPr>
+        <p:blipFill>
+          <a:blip r:embed="rId1"/>
+          <a:stretch>
+            <a:fillRect/>
+          </a:stretch>
+        </p:blipFill>
+        <p:spPr>
+          <a:xfrm>
+            <a:off x="2094230" y="3451860"/>
+            <a:ext cx="6711950" cy="591820"/>
+          </a:xfrm>
+          <a:prstGeom prst="rect">
+            <a:avLst/>
+          </a:prstGeom>
+        </p:spPr>
+      </p:pic>
+    </p:spTree>
+  </p:cSld>
+  <p:clrMapOvr>
+    <a:masterClrMapping/>
+  </p:clrMapOvr>
+  <mc:AlternateContent xmlns:mc="http://schemas.openxmlformats.org/markup-compatibility/2006">
+    <mc:Choice xmlns:p14="http://schemas.microsoft.com/office/powerpoint/2010/main" Requires="p14">
+      <p:transition spd="slow" p14:dur="2000"/>
+    </mc:Choice>
+    <mc:Fallback>
+      <p:transition spd="slow"/>
+    </mc:Fallback>
+  </mc:AlternateContent>
+</p:sld>
+</file>
+
+<file path=ppt/slides/slide29.xml><?xml version="1.0" encoding="utf-8"?>
+<p:sld xmlns:a="http://schemas.openxmlformats.org/drawingml/2006/main" xmlns:r="http://schemas.openxmlformats.org/officeDocument/2006/relationships" xmlns:p="http://schemas.openxmlformats.org/presentationml/2006/main">
+  <p:cSld>
+    <p:spTree>
+      <p:nvGrpSpPr>
+        <p:cNvPr id="1" name=""/>
+        <p:cNvGrpSpPr/>
+        <p:nvPr/>
+      </p:nvGrpSpPr>
+      <p:grpSpPr>
+        <a:xfrm>
+          <a:off x="0" y="0"/>
+          <a:ext cx="0" cy="0"/>
+          <a:chOff x="0" y="0"/>
+          <a:chExt cx="0" cy="0"/>
+        </a:xfrm>
+      </p:grpSpPr>
+      <p:sp>
+        <p:nvSpPr>
+          <p:cNvPr id="218" name="CustomShape 1"/>
+          <p:cNvSpPr/>
+          <p:nvPr/>
+        </p:nvSpPr>
+        <p:spPr>
+          <a:xfrm>
+            <a:off x="501480" y="0"/>
+            <a:ext cx="10515240" cy="1034280"/>
+          </a:xfrm>
+          <a:prstGeom prst="rect">
+            <a:avLst/>
+          </a:prstGeom>
+          <a:noFill/>
+          <a:ln w="0">
+            <a:noFill/>
+          </a:ln>
+        </p:spPr>
+        <p:style>
+          <a:lnRef idx="0">
+            <a:srgbClr val="FFFFFF"/>
+          </a:lnRef>
+          <a:fillRef idx="0">
+            <a:srgbClr val="FFFFFF"/>
+          </a:fillRef>
+          <a:effectRef idx="0">
+            <a:srgbClr val="FFFFFF"/>
+          </a:effectRef>
+          <a:fontRef idx="minor"/>
+        </p:style>
+      </p:sp>
+      <p:sp>
+        <p:nvSpPr>
+          <p:cNvPr id="220" name="TextShape 3"/>
+          <p:cNvSpPr txBox="true"/>
+          <p:nvPr/>
+        </p:nvSpPr>
+        <p:spPr>
+          <a:xfrm>
+            <a:off x="628920" y="606240"/>
+            <a:ext cx="7886520" cy="993960"/>
+          </a:xfrm>
+          <a:prstGeom prst="rect">
+            <a:avLst/>
+          </a:prstGeom>
+          <a:noFill/>
+          <a:ln w="0">
+            <a:noFill/>
+          </a:ln>
+        </p:spPr>
+        <p:txBody>
+          <a:bodyPr anchor="ctr">
+            <a:normAutofit/>
+          </a:bodyPr>
           <a:p>
             <a:pPr>
               <a:lnSpc>
                 <a:spcPct val="90000"/>
               </a:lnSpc>
-              <a:spcBef>
-                <a:spcPts val="1000"/>
-              </a:spcBef>
               <a:tabLst>
                 <a:tab pos="0" algn="l"/>
               </a:tabLst>
             </a:pPr>
             <a:r>
-              <a:rPr lang="en-US" altLang="en-US" sz="2400" b="0" strike="noStrike" spc="-1">
+              <a:rPr lang="en-US" altLang="en-US" sz="2800" b="0" strike="noStrike" spc="-1">
                 <a:solidFill>
-                  <a:srgbClr val="FFFFFF"/>
+                  <a:srgbClr val="000000"/>
                 </a:solidFill>
-                <a:latin typeface="Source Sans Pro" panose="020B0503030403020204"/>
-                <a:ea typeface="思源黑体"/>
-              </a:rPr>
-              <a:t>	</a:t>
-            </a:r>
-            <a:endParaRPr lang="en-US" altLang="en-US" sz="2400" b="0" strike="noStrike" spc="-1">
+                <a:latin typeface="Arial"/>
+                <a:ea typeface="Arial"/>
+              </a:rPr>
+              <a:t>ALTER: </a:t>
+            </a:r>
+            <a:r>
+              <a:rPr lang="zh-CN" altLang="en-US" sz="2800" b="0" strike="noStrike" spc="-1">
+                <a:solidFill>
+                  <a:srgbClr val="000000"/>
+                </a:solidFill>
+                <a:latin typeface="Arial"/>
+                <a:ea typeface="SimSun" charset="0"/>
+              </a:rPr>
+              <a:t>添加、删除、修改列</a:t>
+            </a:r>
+            <a:endParaRPr lang="en-US" altLang="zh-CN" sz="2800" b="0" strike="noStrike" spc="-1">
               <a:solidFill>
-                <a:srgbClr val="FFFFFF"/>
+                <a:srgbClr val="000000"/>
               </a:solidFill>
-              <a:latin typeface="Source Sans Pro" panose="020B0503030403020204"/>
-              <a:ea typeface="思源黑体"/>
+              <a:latin typeface="Arial"/>
+              <a:ea typeface="SimSun" charset="0"/>
             </a:endParaRPr>
           </a:p>
         </p:txBody>
       </p:sp>
+      <p:sp>
+        <p:nvSpPr>
+          <p:cNvPr id="2" name="CustomShape 4"/>
+          <p:cNvSpPr/>
+          <p:nvPr/>
+        </p:nvSpPr>
+        <p:spPr>
+          <a:xfrm>
+            <a:off x="628650" y="1901190"/>
+            <a:ext cx="10773410" cy="4060825"/>
+          </a:xfrm>
+          <a:prstGeom prst="rect">
+            <a:avLst/>
+          </a:prstGeom>
+          <a:noFill/>
+          <a:ln w="0">
+            <a:noFill/>
+          </a:ln>
+        </p:spPr>
+        <p:style>
+          <a:lnRef idx="0">
+            <a:srgbClr val="FFFFFF"/>
+          </a:lnRef>
+          <a:fillRef idx="0">
+            <a:srgbClr val="FFFFFF"/>
+          </a:fillRef>
+          <a:effectRef idx="0">
+            <a:srgbClr val="FFFFFF"/>
+          </a:effectRef>
+          <a:fontRef idx="minor"/>
+        </p:style>
+        <p:txBody>
+          <a:bodyPr wrap="square" tIns="91440" bIns="91440">
+            <a:spAutoFit/>
+          </a:bodyPr>
+          <a:p>
+            <a:pPr marL="0" lvl="1" indent="-285750">
+              <a:lnSpc>
+                <a:spcPct val="100000"/>
+              </a:lnSpc>
+              <a:buClr>
+                <a:srgbClr val="000000"/>
+              </a:buClr>
+              <a:buFont typeface="Arial" panose="02080604020202020204" pitchFamily="34" charset="0"/>
+              <a:buChar char="•"/>
+            </a:pPr>
+            <a:r>
+              <a:rPr lang="" altLang="en-US" sz="1800" b="0" strike="noStrike" spc="-1">
+                <a:latin typeface="Arial"/>
+                <a:ea typeface="SimSun" charset="0"/>
+              </a:rPr>
+              <a:t>Modify </a:t>
+            </a:r>
+            <a:r>
+              <a:rPr lang="en-US" altLang="zh-CN" sz="1800" b="0" strike="noStrike" spc="-1">
+                <a:latin typeface="Arial"/>
+                <a:ea typeface="SimSun" charset="0"/>
+              </a:rPr>
+              <a:t>column</a:t>
+            </a:r>
+            <a:r>
+              <a:rPr lang="" altLang="en-US" sz="1800" b="0" strike="noStrike" spc="-1">
+                <a:latin typeface="Arial"/>
+                <a:ea typeface="SimSun" charset="0"/>
+              </a:rPr>
+              <a:t>: name and definition</a:t>
+            </a:r>
+            <a:endParaRPr lang="en-US" altLang="zh-CN" sz="1800" b="0" strike="noStrike" spc="-1">
+              <a:latin typeface="Arial"/>
+              <a:ea typeface="SimSun" charset="0"/>
+            </a:endParaRPr>
+          </a:p>
+          <a:p>
+            <a:pPr marL="0" lvl="1" indent="-285750">
+              <a:lnSpc>
+                <a:spcPct val="100000"/>
+              </a:lnSpc>
+              <a:buClr>
+                <a:srgbClr val="000000"/>
+              </a:buClr>
+              <a:buFont typeface="Arial" panose="02080604020202020204" pitchFamily="34" charset="0"/>
+              <a:buChar char="•"/>
+            </a:pPr>
+            <a:endParaRPr lang="en-US" altLang="zh-CN" sz="1800" b="0" strike="noStrike" spc="-1">
+              <a:latin typeface="Arial"/>
+              <a:ea typeface="SimSun" charset="0"/>
+            </a:endParaRPr>
+          </a:p>
+          <a:p>
+            <a:pPr lvl="2" indent="-285750">
+              <a:lnSpc>
+                <a:spcPct val="100000"/>
+              </a:lnSpc>
+              <a:buClr>
+                <a:srgbClr val="000000"/>
+              </a:buClr>
+              <a:buFont typeface="Arial" panose="02080604020202020204" pitchFamily="34" charset="0"/>
+              <a:buChar char="•"/>
+            </a:pPr>
+            <a:r>
+              <a:rPr lang="zh-CN" altLang="en-US" sz="1800" b="0" strike="noStrike" spc="-1">
+                <a:latin typeface="Arial"/>
+                <a:ea typeface="SimSun" charset="0"/>
+              </a:rPr>
+              <a:t>语法</a:t>
+            </a:r>
+            <a:endParaRPr lang="zh-CN" altLang="en-US" sz="1800" b="0" strike="noStrike" spc="-1">
+              <a:latin typeface="Arial"/>
+              <a:ea typeface="SimSun" charset="0"/>
+            </a:endParaRPr>
+          </a:p>
+          <a:p>
+            <a:pPr lvl="2" indent="-285750">
+              <a:lnSpc>
+                <a:spcPct val="100000"/>
+              </a:lnSpc>
+              <a:buClr>
+                <a:srgbClr val="000000"/>
+              </a:buClr>
+              <a:buFont typeface="Arial" panose="02080604020202020204" pitchFamily="34" charset="0"/>
+              <a:buChar char="•"/>
+            </a:pPr>
+            <a:endParaRPr lang="zh-CN" altLang="en-US" sz="1800" b="0" strike="noStrike" spc="-1">
+              <a:latin typeface="Arial"/>
+              <a:ea typeface="SimSun" charset="0"/>
+            </a:endParaRPr>
+          </a:p>
+          <a:p>
+            <a:pPr lvl="2" indent="-285750">
+              <a:lnSpc>
+                <a:spcPct val="100000"/>
+              </a:lnSpc>
+              <a:buClr>
+                <a:srgbClr val="000000"/>
+              </a:buClr>
+              <a:buFont typeface="Arial" panose="02080604020202020204" pitchFamily="34" charset="0"/>
+              <a:buChar char="•"/>
+            </a:pPr>
+            <a:endParaRPr lang="zh-CN" altLang="en-US" sz="1800" b="0" strike="noStrike" spc="-1">
+              <a:latin typeface="Arial"/>
+              <a:ea typeface="SimSun" charset="0"/>
+            </a:endParaRPr>
+          </a:p>
+          <a:p>
+            <a:pPr lvl="2" indent="-285750">
+              <a:lnSpc>
+                <a:spcPct val="100000"/>
+              </a:lnSpc>
+              <a:buClr>
+                <a:srgbClr val="000000"/>
+              </a:buClr>
+              <a:buFont typeface="Arial" panose="02080604020202020204" pitchFamily="34" charset="0"/>
+              <a:buChar char="•"/>
+            </a:pPr>
+            <a:endParaRPr lang="zh-CN" altLang="en-US" sz="1800" b="0" strike="noStrike" spc="-1">
+              <a:latin typeface="Arial"/>
+              <a:ea typeface="SimSun" charset="0"/>
+            </a:endParaRPr>
+          </a:p>
+          <a:p>
+            <a:pPr lvl="2" indent="-285750">
+              <a:lnSpc>
+                <a:spcPct val="100000"/>
+              </a:lnSpc>
+              <a:buClr>
+                <a:srgbClr val="000000"/>
+              </a:buClr>
+              <a:buFont typeface="Arial" panose="02080604020202020204" pitchFamily="34" charset="0"/>
+              <a:buChar char="•"/>
+            </a:pPr>
+            <a:endParaRPr lang="zh-CN" altLang="en-US" sz="1800" b="0" strike="noStrike" spc="-1">
+              <a:latin typeface="Arial"/>
+              <a:ea typeface="SimSun" charset="0"/>
+            </a:endParaRPr>
+          </a:p>
+          <a:p>
+            <a:pPr lvl="2" indent="-285750">
+              <a:lnSpc>
+                <a:spcPct val="100000"/>
+              </a:lnSpc>
+              <a:buClr>
+                <a:srgbClr val="000000"/>
+              </a:buClr>
+              <a:buFont typeface="Arial" panose="02080604020202020204" pitchFamily="34" charset="0"/>
+              <a:buChar char="•"/>
+            </a:pPr>
+            <a:endParaRPr lang="zh-CN" altLang="en-US" sz="1800" b="0" strike="noStrike" spc="-1">
+              <a:latin typeface="Arial"/>
+              <a:ea typeface="SimSun" charset="0"/>
+            </a:endParaRPr>
+          </a:p>
+          <a:p>
+            <a:pPr lvl="2" indent="-285750">
+              <a:lnSpc>
+                <a:spcPct val="100000"/>
+              </a:lnSpc>
+              <a:buClr>
+                <a:srgbClr val="000000"/>
+              </a:buClr>
+              <a:buFont typeface="Arial" panose="02080604020202020204" pitchFamily="34" charset="0"/>
+              <a:buChar char="•"/>
+            </a:pPr>
+            <a:endParaRPr lang="zh-CN" altLang="en-US" sz="1800" b="0" strike="noStrike" spc="-1">
+              <a:latin typeface="Arial"/>
+              <a:ea typeface="SimSun" charset="0"/>
+            </a:endParaRPr>
+          </a:p>
+          <a:p>
+            <a:pPr lvl="2" indent="-285750">
+              <a:lnSpc>
+                <a:spcPct val="100000"/>
+              </a:lnSpc>
+              <a:buClr>
+                <a:srgbClr val="000000"/>
+              </a:buClr>
+              <a:buFont typeface="Arial" panose="02080604020202020204" pitchFamily="34" charset="0"/>
+              <a:buChar char="•"/>
+            </a:pPr>
+            <a:r>
+              <a:rPr lang="zh-CN" altLang="en-US" sz="1800" b="0" strike="noStrike" spc="-1">
+                <a:latin typeface="Arial"/>
+                <a:ea typeface="SimSun" charset="0"/>
+              </a:rPr>
+              <a:t>例子</a:t>
+            </a:r>
+            <a:endParaRPr lang="en-US" altLang="zh-CN" sz="1800" b="0" strike="noStrike" spc="-1">
+              <a:latin typeface="Arial"/>
+              <a:ea typeface="SimSun" charset="0"/>
+            </a:endParaRPr>
+          </a:p>
+          <a:p>
+            <a:pPr marL="628650" lvl="2" indent="0">
+              <a:lnSpc>
+                <a:spcPct val="100000"/>
+              </a:lnSpc>
+              <a:buClr>
+                <a:srgbClr val="000000"/>
+              </a:buClr>
+              <a:buFont typeface="Arial" panose="02080604020202020204" pitchFamily="34" charset="0"/>
+              <a:buNone/>
+            </a:pPr>
+            <a:endParaRPr lang="en-US" altLang="zh-CN" sz="1800" b="0" strike="noStrike" spc="-1">
+              <a:latin typeface="Arial"/>
+              <a:ea typeface="SimSun" charset="0"/>
+            </a:endParaRPr>
+          </a:p>
+          <a:p>
+            <a:pPr marL="628650" lvl="2" indent="0">
+              <a:lnSpc>
+                <a:spcPct val="100000"/>
+              </a:lnSpc>
+              <a:buClr>
+                <a:srgbClr val="000000"/>
+              </a:buClr>
+              <a:buFont typeface="Arial" panose="02080604020202020204" pitchFamily="34" charset="0"/>
+              <a:buNone/>
+            </a:pPr>
+            <a:endParaRPr lang="en-US" altLang="zh-CN" sz="1800" b="0" strike="noStrike" spc="-1">
+              <a:latin typeface="Arial"/>
+              <a:ea typeface="SimSun" charset="0"/>
+            </a:endParaRPr>
+          </a:p>
+          <a:p>
+            <a:pPr marL="628650" lvl="2" indent="0">
+              <a:lnSpc>
+                <a:spcPct val="100000"/>
+              </a:lnSpc>
+              <a:buClr>
+                <a:srgbClr val="000000"/>
+              </a:buClr>
+              <a:buFont typeface="Arial" panose="02080604020202020204" pitchFamily="34" charset="0"/>
+              <a:buNone/>
+            </a:pPr>
+            <a:endParaRPr lang="en-US" altLang="zh-CN" sz="1800" b="0" strike="noStrike" spc="-1">
+              <a:latin typeface="Arial"/>
+              <a:ea typeface="SimSun" charset="0"/>
+            </a:endParaRPr>
+          </a:p>
+          <a:p>
+            <a:pPr marL="0" lvl="1" indent="0">
+              <a:lnSpc>
+                <a:spcPct val="100000"/>
+              </a:lnSpc>
+              <a:buClr>
+                <a:srgbClr val="000000"/>
+              </a:buClr>
+              <a:buFont typeface="Arial" panose="02080604020202020204" pitchFamily="34" charset="0"/>
+              <a:buNone/>
+            </a:pPr>
+            <a:endParaRPr lang="en-US" altLang="zh-CN" sz="1800" b="0" strike="noStrike" spc="-1">
+              <a:latin typeface="Arial"/>
+              <a:ea typeface="SimSun" charset="0"/>
+            </a:endParaRPr>
+          </a:p>
+        </p:txBody>
+      </p:sp>
+      <p:pic>
+        <p:nvPicPr>
+          <p:cNvPr id="5" name="Picture 4"/>
+          <p:cNvPicPr>
+            <a:picLocks noChangeAspect="true"/>
+          </p:cNvPicPr>
+          <p:nvPr/>
+        </p:nvPicPr>
+        <p:blipFill>
+          <a:blip r:embed="rId1"/>
+          <a:stretch>
+            <a:fillRect/>
+          </a:stretch>
+        </p:blipFill>
+        <p:spPr>
+          <a:xfrm>
+            <a:off x="2494280" y="4916170"/>
+            <a:ext cx="4081145" cy="1046480"/>
+          </a:xfrm>
+          <a:prstGeom prst="rect">
+            <a:avLst/>
+          </a:prstGeom>
+        </p:spPr>
+      </p:pic>
+      <p:pic>
+        <p:nvPicPr>
+          <p:cNvPr id="6" name="Picture 5"/>
+          <p:cNvPicPr>
+            <a:picLocks noChangeAspect="true"/>
+          </p:cNvPicPr>
+          <p:nvPr/>
+        </p:nvPicPr>
+        <p:blipFill>
+          <a:blip r:embed="rId2"/>
+          <a:stretch>
+            <a:fillRect/>
+          </a:stretch>
+        </p:blipFill>
+        <p:spPr>
+          <a:xfrm>
+            <a:off x="2450465" y="2995295"/>
+            <a:ext cx="4124960" cy="1104265"/>
+          </a:xfrm>
+          <a:prstGeom prst="rect">
+            <a:avLst/>
+          </a:prstGeom>
+        </p:spPr>
+      </p:pic>
     </p:spTree>
   </p:cSld>
   <p:clrMapOvr>
@@ -17246,6 +19234,739 @@
             <a:endParaRPr lang="en-US" altLang="en-US" sz="1800" b="0" strike="noStrike" spc="-1">
               <a:latin typeface="Arial"/>
               <a:ea typeface="SimSun" charset="0"/>
+            </a:endParaRPr>
+          </a:p>
+        </p:txBody>
+      </p:sp>
+    </p:spTree>
+  </p:cSld>
+  <p:clrMapOvr>
+    <a:masterClrMapping/>
+  </p:clrMapOvr>
+  <mc:AlternateContent xmlns:mc="http://schemas.openxmlformats.org/markup-compatibility/2006">
+    <mc:Choice xmlns:p14="http://schemas.microsoft.com/office/powerpoint/2010/main" Requires="p14">
+      <p:transition spd="slow" p14:dur="2000"/>
+    </mc:Choice>
+    <mc:Fallback>
+      <p:transition spd="slow"/>
+    </mc:Fallback>
+  </mc:AlternateContent>
+</p:sld>
+</file>
+
+<file path=ppt/slides/slide30.xml><?xml version="1.0" encoding="utf-8"?>
+<p:sld xmlns:a="http://schemas.openxmlformats.org/drawingml/2006/main" xmlns:r="http://schemas.openxmlformats.org/officeDocument/2006/relationships" xmlns:p="http://schemas.openxmlformats.org/presentationml/2006/main">
+  <p:cSld>
+    <p:spTree>
+      <p:nvGrpSpPr>
+        <p:cNvPr id="1" name=""/>
+        <p:cNvGrpSpPr/>
+        <p:nvPr/>
+      </p:nvGrpSpPr>
+      <p:grpSpPr>
+        <a:xfrm>
+          <a:off x="0" y="0"/>
+          <a:ext cx="0" cy="0"/>
+          <a:chOff x="0" y="0"/>
+          <a:chExt cx="0" cy="0"/>
+        </a:xfrm>
+      </p:grpSpPr>
+      <p:sp>
+        <p:nvSpPr>
+          <p:cNvPr id="218" name="CustomShape 1"/>
+          <p:cNvSpPr/>
+          <p:nvPr/>
+        </p:nvSpPr>
+        <p:spPr>
+          <a:xfrm>
+            <a:off x="501480" y="0"/>
+            <a:ext cx="10515240" cy="1034280"/>
+          </a:xfrm>
+          <a:prstGeom prst="rect">
+            <a:avLst/>
+          </a:prstGeom>
+          <a:noFill/>
+          <a:ln w="0">
+            <a:noFill/>
+          </a:ln>
+        </p:spPr>
+        <p:style>
+          <a:lnRef idx="0">
+            <a:srgbClr val="FFFFFF"/>
+          </a:lnRef>
+          <a:fillRef idx="0">
+            <a:srgbClr val="FFFFFF"/>
+          </a:fillRef>
+          <a:effectRef idx="0">
+            <a:srgbClr val="FFFFFF"/>
+          </a:effectRef>
+          <a:fontRef idx="minor"/>
+        </p:style>
+      </p:sp>
+      <p:sp>
+        <p:nvSpPr>
+          <p:cNvPr id="220" name="TextShape 3"/>
+          <p:cNvSpPr txBox="true"/>
+          <p:nvPr/>
+        </p:nvSpPr>
+        <p:spPr>
+          <a:xfrm>
+            <a:off x="628920" y="606240"/>
+            <a:ext cx="7886520" cy="993960"/>
+          </a:xfrm>
+          <a:prstGeom prst="rect">
+            <a:avLst/>
+          </a:prstGeom>
+          <a:noFill/>
+          <a:ln w="0">
+            <a:noFill/>
+          </a:ln>
+        </p:spPr>
+        <p:txBody>
+          <a:bodyPr anchor="ctr">
+            <a:normAutofit/>
+          </a:bodyPr>
+          <a:p>
+            <a:pPr>
+              <a:lnSpc>
+                <a:spcPct val="90000"/>
+              </a:lnSpc>
+              <a:tabLst>
+                <a:tab pos="0" algn="l"/>
+              </a:tabLst>
+            </a:pPr>
+            <a:r>
+              <a:rPr lang="en-US" altLang="en-US" sz="2800" b="0" strike="noStrike" spc="-1">
+                <a:solidFill>
+                  <a:srgbClr val="000000"/>
+                </a:solidFill>
+                <a:latin typeface="Arial"/>
+                <a:ea typeface="Arial"/>
+              </a:rPr>
+              <a:t>ALTER: </a:t>
+            </a:r>
+            <a:r>
+              <a:rPr lang="zh-CN" altLang="en-US" sz="2800" b="0" strike="noStrike" spc="-1">
+                <a:solidFill>
+                  <a:srgbClr val="000000"/>
+                </a:solidFill>
+                <a:latin typeface="Arial"/>
+                <a:ea typeface="SimSun" charset="0"/>
+              </a:rPr>
+              <a:t>添加、删除、修改列</a:t>
+            </a:r>
+            <a:endParaRPr lang="en-US" altLang="zh-CN" sz="2800" b="0" strike="noStrike" spc="-1">
+              <a:solidFill>
+                <a:srgbClr val="000000"/>
+              </a:solidFill>
+              <a:latin typeface="Arial"/>
+              <a:ea typeface="SimSun" charset="0"/>
+            </a:endParaRPr>
+          </a:p>
+        </p:txBody>
+      </p:sp>
+      <p:sp>
+        <p:nvSpPr>
+          <p:cNvPr id="2" name="CustomShape 4"/>
+          <p:cNvSpPr/>
+          <p:nvPr/>
+        </p:nvSpPr>
+        <p:spPr>
+          <a:xfrm>
+            <a:off x="628650" y="1901190"/>
+            <a:ext cx="10773410" cy="4060825"/>
+          </a:xfrm>
+          <a:prstGeom prst="rect">
+            <a:avLst/>
+          </a:prstGeom>
+          <a:noFill/>
+          <a:ln w="0">
+            <a:noFill/>
+          </a:ln>
+        </p:spPr>
+        <p:style>
+          <a:lnRef idx="0">
+            <a:srgbClr val="FFFFFF"/>
+          </a:lnRef>
+          <a:fillRef idx="0">
+            <a:srgbClr val="FFFFFF"/>
+          </a:fillRef>
+          <a:effectRef idx="0">
+            <a:srgbClr val="FFFFFF"/>
+          </a:effectRef>
+          <a:fontRef idx="minor"/>
+        </p:style>
+        <p:txBody>
+          <a:bodyPr wrap="square" tIns="91440" bIns="91440">
+            <a:spAutoFit/>
+          </a:bodyPr>
+          <a:p>
+            <a:pPr marL="0" lvl="1" indent="-285750">
+              <a:lnSpc>
+                <a:spcPct val="100000"/>
+              </a:lnSpc>
+              <a:buClr>
+                <a:srgbClr val="000000"/>
+              </a:buClr>
+              <a:buFont typeface="Arial" panose="02080604020202020204" pitchFamily="34" charset="0"/>
+              <a:buChar char="•"/>
+            </a:pPr>
+            <a:r>
+              <a:rPr lang="en-US" altLang="en-US" sz="1800" b="0" strike="noStrike" spc="-1">
+                <a:latin typeface="Arial"/>
+                <a:ea typeface="SimSun" charset="0"/>
+              </a:rPr>
+              <a:t>Modify </a:t>
+            </a:r>
+            <a:r>
+              <a:rPr lang="en-US" altLang="zh-CN" sz="1800" b="0" strike="noStrike" spc="-1">
+                <a:latin typeface="Arial"/>
+                <a:ea typeface="SimSun" charset="0"/>
+              </a:rPr>
+              <a:t>column</a:t>
+            </a:r>
+            <a:r>
+              <a:rPr lang="en-US" altLang="en-US" sz="1800" b="0" strike="noStrike" spc="-1">
+                <a:latin typeface="Arial"/>
+                <a:ea typeface="SimSun" charset="0"/>
+              </a:rPr>
+              <a:t>: </a:t>
+            </a:r>
+            <a:r>
+              <a:rPr lang="" altLang="en-US" sz="1800" b="0" strike="noStrike" spc="-1">
+                <a:latin typeface="Arial"/>
+                <a:ea typeface="SimSun" charset="0"/>
+              </a:rPr>
+              <a:t>definition</a:t>
+            </a:r>
+            <a:endParaRPr lang="en-US" altLang="zh-CN" sz="1800" b="0" strike="noStrike" spc="-1">
+              <a:latin typeface="Arial"/>
+              <a:ea typeface="SimSun" charset="0"/>
+            </a:endParaRPr>
+          </a:p>
+          <a:p>
+            <a:pPr marL="0" lvl="1" indent="-285750">
+              <a:lnSpc>
+                <a:spcPct val="100000"/>
+              </a:lnSpc>
+              <a:buClr>
+                <a:srgbClr val="000000"/>
+              </a:buClr>
+              <a:buFont typeface="Arial" panose="02080604020202020204" pitchFamily="34" charset="0"/>
+              <a:buChar char="•"/>
+            </a:pPr>
+            <a:endParaRPr lang="en-US" altLang="zh-CN" sz="1800" b="0" strike="noStrike" spc="-1">
+              <a:latin typeface="Arial"/>
+              <a:ea typeface="SimSun" charset="0"/>
+            </a:endParaRPr>
+          </a:p>
+          <a:p>
+            <a:pPr lvl="2" indent="-285750">
+              <a:lnSpc>
+                <a:spcPct val="100000"/>
+              </a:lnSpc>
+              <a:buClr>
+                <a:srgbClr val="000000"/>
+              </a:buClr>
+              <a:buFont typeface="Arial" panose="02080604020202020204" pitchFamily="34" charset="0"/>
+              <a:buChar char="•"/>
+            </a:pPr>
+            <a:r>
+              <a:rPr lang="zh-CN" altLang="en-US" sz="1800" b="0" strike="noStrike" spc="-1">
+                <a:latin typeface="Arial"/>
+                <a:ea typeface="SimSun" charset="0"/>
+              </a:rPr>
+              <a:t>语法</a:t>
+            </a:r>
+            <a:endParaRPr lang="zh-CN" altLang="en-US" sz="1800" b="0" strike="noStrike" spc="-1">
+              <a:latin typeface="Arial"/>
+              <a:ea typeface="SimSun" charset="0"/>
+            </a:endParaRPr>
+          </a:p>
+          <a:p>
+            <a:pPr lvl="2" indent="-285750">
+              <a:lnSpc>
+                <a:spcPct val="100000"/>
+              </a:lnSpc>
+              <a:buClr>
+                <a:srgbClr val="000000"/>
+              </a:buClr>
+              <a:buFont typeface="Arial" panose="02080604020202020204" pitchFamily="34" charset="0"/>
+              <a:buChar char="•"/>
+            </a:pPr>
+            <a:endParaRPr lang="zh-CN" altLang="en-US" sz="1800" b="0" strike="noStrike" spc="-1">
+              <a:latin typeface="Arial"/>
+              <a:ea typeface="SimSun" charset="0"/>
+            </a:endParaRPr>
+          </a:p>
+          <a:p>
+            <a:pPr lvl="2" indent="-285750">
+              <a:lnSpc>
+                <a:spcPct val="100000"/>
+              </a:lnSpc>
+              <a:buClr>
+                <a:srgbClr val="000000"/>
+              </a:buClr>
+              <a:buFont typeface="Arial" panose="02080604020202020204" pitchFamily="34" charset="0"/>
+              <a:buChar char="•"/>
+            </a:pPr>
+            <a:endParaRPr lang="zh-CN" altLang="en-US" sz="1800" b="0" strike="noStrike" spc="-1">
+              <a:latin typeface="Arial"/>
+              <a:ea typeface="SimSun" charset="0"/>
+            </a:endParaRPr>
+          </a:p>
+          <a:p>
+            <a:pPr lvl="2" indent="-285750">
+              <a:lnSpc>
+                <a:spcPct val="100000"/>
+              </a:lnSpc>
+              <a:buClr>
+                <a:srgbClr val="000000"/>
+              </a:buClr>
+              <a:buFont typeface="Arial" panose="02080604020202020204" pitchFamily="34" charset="0"/>
+              <a:buChar char="•"/>
+            </a:pPr>
+            <a:endParaRPr lang="zh-CN" altLang="en-US" sz="1800" b="0" strike="noStrike" spc="-1">
+              <a:latin typeface="Arial"/>
+              <a:ea typeface="SimSun" charset="0"/>
+            </a:endParaRPr>
+          </a:p>
+          <a:p>
+            <a:pPr lvl="2" indent="-285750">
+              <a:lnSpc>
+                <a:spcPct val="100000"/>
+              </a:lnSpc>
+              <a:buClr>
+                <a:srgbClr val="000000"/>
+              </a:buClr>
+              <a:buFont typeface="Arial" panose="02080604020202020204" pitchFamily="34" charset="0"/>
+              <a:buChar char="•"/>
+            </a:pPr>
+            <a:endParaRPr lang="zh-CN" altLang="en-US" sz="1800" b="0" strike="noStrike" spc="-1">
+              <a:latin typeface="Arial"/>
+              <a:ea typeface="SimSun" charset="0"/>
+            </a:endParaRPr>
+          </a:p>
+          <a:p>
+            <a:pPr lvl="2" indent="-285750">
+              <a:lnSpc>
+                <a:spcPct val="100000"/>
+              </a:lnSpc>
+              <a:buClr>
+                <a:srgbClr val="000000"/>
+              </a:buClr>
+              <a:buFont typeface="Arial" panose="02080604020202020204" pitchFamily="34" charset="0"/>
+              <a:buChar char="•"/>
+            </a:pPr>
+            <a:endParaRPr lang="zh-CN" altLang="en-US" sz="1800" b="0" strike="noStrike" spc="-1">
+              <a:latin typeface="Arial"/>
+              <a:ea typeface="SimSun" charset="0"/>
+            </a:endParaRPr>
+          </a:p>
+          <a:p>
+            <a:pPr lvl="2" indent="-285750">
+              <a:lnSpc>
+                <a:spcPct val="100000"/>
+              </a:lnSpc>
+              <a:buClr>
+                <a:srgbClr val="000000"/>
+              </a:buClr>
+              <a:buFont typeface="Arial" panose="02080604020202020204" pitchFamily="34" charset="0"/>
+              <a:buChar char="•"/>
+            </a:pPr>
+            <a:endParaRPr lang="zh-CN" altLang="en-US" sz="1800" b="0" strike="noStrike" spc="-1">
+              <a:latin typeface="Arial"/>
+              <a:ea typeface="SimSun" charset="0"/>
+            </a:endParaRPr>
+          </a:p>
+          <a:p>
+            <a:pPr lvl="2" indent="-285750">
+              <a:lnSpc>
+                <a:spcPct val="100000"/>
+              </a:lnSpc>
+              <a:buClr>
+                <a:srgbClr val="000000"/>
+              </a:buClr>
+              <a:buFont typeface="Arial" panose="02080604020202020204" pitchFamily="34" charset="0"/>
+              <a:buChar char="•"/>
+            </a:pPr>
+            <a:r>
+              <a:rPr lang="zh-CN" altLang="en-US" sz="1800" b="0" strike="noStrike" spc="-1">
+                <a:latin typeface="Arial"/>
+                <a:ea typeface="SimSun" charset="0"/>
+              </a:rPr>
+              <a:t>例子</a:t>
+            </a:r>
+            <a:endParaRPr lang="en-US" altLang="zh-CN" sz="1800" b="0" strike="noStrike" spc="-1">
+              <a:latin typeface="Arial"/>
+              <a:ea typeface="SimSun" charset="0"/>
+            </a:endParaRPr>
+          </a:p>
+          <a:p>
+            <a:pPr marL="628650" lvl="2" indent="0">
+              <a:lnSpc>
+                <a:spcPct val="100000"/>
+              </a:lnSpc>
+              <a:buClr>
+                <a:srgbClr val="000000"/>
+              </a:buClr>
+              <a:buFont typeface="Arial" panose="02080604020202020204" pitchFamily="34" charset="0"/>
+              <a:buNone/>
+            </a:pPr>
+            <a:endParaRPr lang="en-US" altLang="zh-CN" sz="1800" b="0" strike="noStrike" spc="-1">
+              <a:latin typeface="Arial"/>
+              <a:ea typeface="SimSun" charset="0"/>
+            </a:endParaRPr>
+          </a:p>
+          <a:p>
+            <a:pPr marL="628650" lvl="2" indent="0">
+              <a:lnSpc>
+                <a:spcPct val="100000"/>
+              </a:lnSpc>
+              <a:buClr>
+                <a:srgbClr val="000000"/>
+              </a:buClr>
+              <a:buFont typeface="Arial" panose="02080604020202020204" pitchFamily="34" charset="0"/>
+              <a:buNone/>
+            </a:pPr>
+            <a:endParaRPr lang="en-US" altLang="zh-CN" sz="1800" b="0" strike="noStrike" spc="-1">
+              <a:latin typeface="Arial"/>
+              <a:ea typeface="SimSun" charset="0"/>
+            </a:endParaRPr>
+          </a:p>
+          <a:p>
+            <a:pPr marL="628650" lvl="2" indent="0">
+              <a:lnSpc>
+                <a:spcPct val="100000"/>
+              </a:lnSpc>
+              <a:buClr>
+                <a:srgbClr val="000000"/>
+              </a:buClr>
+              <a:buFont typeface="Arial" panose="02080604020202020204" pitchFamily="34" charset="0"/>
+              <a:buNone/>
+            </a:pPr>
+            <a:endParaRPr lang="en-US" altLang="zh-CN" sz="1800" b="0" strike="noStrike" spc="-1">
+              <a:latin typeface="Arial"/>
+              <a:ea typeface="SimSun" charset="0"/>
+            </a:endParaRPr>
+          </a:p>
+          <a:p>
+            <a:pPr marL="0" lvl="1" indent="0">
+              <a:lnSpc>
+                <a:spcPct val="100000"/>
+              </a:lnSpc>
+              <a:buClr>
+                <a:srgbClr val="000000"/>
+              </a:buClr>
+              <a:buFont typeface="Arial" panose="02080604020202020204" pitchFamily="34" charset="0"/>
+              <a:buNone/>
+            </a:pPr>
+            <a:endParaRPr lang="en-US" altLang="zh-CN" sz="1800" b="0" strike="noStrike" spc="-1">
+              <a:latin typeface="Arial"/>
+              <a:ea typeface="SimSun" charset="0"/>
+            </a:endParaRPr>
+          </a:p>
+        </p:txBody>
+      </p:sp>
+      <p:pic>
+        <p:nvPicPr>
+          <p:cNvPr id="4" name="Picture 3"/>
+          <p:cNvPicPr>
+            <a:picLocks noChangeAspect="true"/>
+          </p:cNvPicPr>
+          <p:nvPr/>
+        </p:nvPicPr>
+        <p:blipFill>
+          <a:blip r:embed="rId1"/>
+          <a:stretch>
+            <a:fillRect/>
+          </a:stretch>
+        </p:blipFill>
+        <p:spPr>
+          <a:xfrm>
+            <a:off x="2466340" y="3110865"/>
+            <a:ext cx="5169535" cy="852805"/>
+          </a:xfrm>
+          <a:prstGeom prst="rect">
+            <a:avLst/>
+          </a:prstGeom>
+        </p:spPr>
+      </p:pic>
+      <p:pic>
+        <p:nvPicPr>
+          <p:cNvPr id="6" name="Picture 5"/>
+          <p:cNvPicPr>
+            <a:picLocks noChangeAspect="true"/>
+          </p:cNvPicPr>
+          <p:nvPr/>
+        </p:nvPicPr>
+        <p:blipFill>
+          <a:blip r:embed="rId2"/>
+          <a:stretch>
+            <a:fillRect/>
+          </a:stretch>
+        </p:blipFill>
+        <p:spPr>
+          <a:xfrm>
+            <a:off x="2466340" y="5036820"/>
+            <a:ext cx="5186045" cy="924560"/>
+          </a:xfrm>
+          <a:prstGeom prst="rect">
+            <a:avLst/>
+          </a:prstGeom>
+        </p:spPr>
+      </p:pic>
+    </p:spTree>
+  </p:cSld>
+  <p:clrMapOvr>
+    <a:masterClrMapping/>
+  </p:clrMapOvr>
+  <mc:AlternateContent xmlns:mc="http://schemas.openxmlformats.org/markup-compatibility/2006">
+    <mc:Choice xmlns:p14="http://schemas.microsoft.com/office/powerpoint/2010/main" Requires="p14">
+      <p:transition spd="slow" p14:dur="2000"/>
+    </mc:Choice>
+    <mc:Fallback>
+      <p:transition spd="slow"/>
+    </mc:Fallback>
+  </mc:AlternateContent>
+</p:sld>
+</file>
+
+<file path=ppt/slides/slide31.xml><?xml version="1.0" encoding="utf-8"?>
+<p:sld xmlns:a="http://schemas.openxmlformats.org/drawingml/2006/main" xmlns:r="http://schemas.openxmlformats.org/officeDocument/2006/relationships" xmlns:p="http://schemas.openxmlformats.org/presentationml/2006/main">
+  <p:cSld>
+    <p:spTree>
+      <p:nvGrpSpPr>
+        <p:cNvPr id="1" name=""/>
+        <p:cNvGrpSpPr/>
+        <p:nvPr/>
+      </p:nvGrpSpPr>
+      <p:grpSpPr>
+        <a:xfrm>
+          <a:off x="0" y="0"/>
+          <a:ext cx="0" cy="0"/>
+          <a:chOff x="0" y="0"/>
+          <a:chExt cx="0" cy="0"/>
+        </a:xfrm>
+      </p:grpSpPr>
+      <p:sp>
+        <p:nvSpPr>
+          <p:cNvPr id="216" name="TextShape 1"/>
+          <p:cNvSpPr txBox="true"/>
+          <p:nvPr/>
+        </p:nvSpPr>
+        <p:spPr>
+          <a:xfrm>
+            <a:off x="3929400" y="2125080"/>
+            <a:ext cx="6974640" cy="1857960"/>
+          </a:xfrm>
+          <a:prstGeom prst="rect">
+            <a:avLst/>
+          </a:prstGeom>
+          <a:noFill/>
+          <a:ln w="0">
+            <a:noFill/>
+          </a:ln>
+        </p:spPr>
+        <p:txBody>
+          <a:bodyPr anchor="b">
+            <a:normAutofit fontScale="35000"/>
+          </a:bodyPr>
+          <a:p>
+            <a:pPr>
+              <a:lnSpc>
+                <a:spcPct val="90000"/>
+              </a:lnSpc>
+            </a:pPr>
+            <a:r>
+              <a:rPr lang="en-US" sz="4900" b="1" strike="noStrike" spc="-1">
+                <a:solidFill>
+                  <a:srgbClr val="FFFFFF"/>
+                </a:solidFill>
+                <a:latin typeface="Source Sans Pro Black" panose="020B0803030403020204"/>
+                <a:ea typeface="Microsoft YaHei"/>
+              </a:rPr>
+              <a:t>CPT103</a:t>
+            </a:r>
+            <a:br>
+              <a:rPr lang="en-US" sz="4900" b="1" strike="noStrike" spc="-1">
+                <a:solidFill>
+                  <a:srgbClr val="FFFFFF"/>
+                </a:solidFill>
+                <a:latin typeface="Source Sans Pro Black" panose="020B0803030403020204"/>
+                <a:ea typeface="Microsoft YaHei"/>
+              </a:rPr>
+            </a:br>
+            <a:r>
+              <a:rPr lang="en-US" sz="6000" b="1" strike="noStrike" spc="-1">
+                <a:solidFill>
+                  <a:srgbClr val="FFFFFF"/>
+                </a:solidFill>
+                <a:latin typeface="Source Sans Pro Black" panose="020B0803030403020204"/>
+                <a:ea typeface="Microsoft YaHei"/>
+              </a:rPr>
+              <a:t>Introduction to Database</a:t>
+            </a:r>
+            <a:br>
+              <a:rPr lang="en-US" sz="6000" b="1" strike="noStrike" spc="-1">
+                <a:solidFill>
+                  <a:srgbClr val="FFFFFF"/>
+                </a:solidFill>
+                <a:latin typeface="Source Sans Pro Black" panose="020B0803030403020204"/>
+                <a:ea typeface="Microsoft YaHei"/>
+              </a:rPr>
+            </a:br>
+            <a:r>
+              <a:rPr lang="zh-CN" sz="4400" b="1" strike="noStrike" spc="-1">
+                <a:solidFill>
+                  <a:srgbClr val="FFFFFF"/>
+                </a:solidFill>
+                <a:latin typeface="Source Sans Pro Black" panose="020B0803030403020204"/>
+                <a:ea typeface="Microsoft YaHei"/>
+              </a:rPr>
+              <a:t>数据库导论</a:t>
+            </a:r>
+            <a:endParaRPr lang="en-US" sz="4400" b="0" strike="noStrike" spc="-1">
+              <a:solidFill>
+                <a:srgbClr val="000000"/>
+              </a:solidFill>
+              <a:latin typeface="等线"/>
+            </a:endParaRPr>
+          </a:p>
+        </p:txBody>
+      </p:sp>
+      <p:sp>
+        <p:nvSpPr>
+          <p:cNvPr id="217" name="TextShape 2"/>
+          <p:cNvSpPr txBox="true"/>
+          <p:nvPr/>
+        </p:nvSpPr>
+        <p:spPr>
+          <a:xfrm>
+            <a:off x="3938905" y="4159885"/>
+            <a:ext cx="7781925" cy="393700"/>
+          </a:xfrm>
+          <a:prstGeom prst="rect">
+            <a:avLst/>
+          </a:prstGeom>
+          <a:noFill/>
+          <a:ln w="0">
+            <a:noFill/>
+          </a:ln>
+        </p:spPr>
+        <p:txBody>
+          <a:bodyPr>
+            <a:noAutofit/>
+          </a:bodyPr>
+          <a:p>
+            <a:pPr>
+              <a:lnSpc>
+                <a:spcPct val="90000"/>
+              </a:lnSpc>
+              <a:spcBef>
+                <a:spcPts val="1000"/>
+              </a:spcBef>
+              <a:tabLst>
+                <a:tab pos="0" algn="l"/>
+              </a:tabLst>
+            </a:pPr>
+            <a:r>
+              <a:rPr lang="en-US" sz="2400" b="0" strike="noStrike" spc="-1">
+                <a:solidFill>
+                  <a:srgbClr val="FFFFFF"/>
+                </a:solidFill>
+                <a:latin typeface="Source Sans Pro" panose="020B0503030403020204"/>
+                <a:ea typeface="思源黑体"/>
+              </a:rPr>
+              <a:t>Lec </a:t>
+            </a:r>
+            <a:r>
+              <a:rPr lang="en-US" altLang="en-US" sz="2400" b="0" strike="noStrike" spc="-1">
+                <a:solidFill>
+                  <a:srgbClr val="FFFFFF"/>
+                </a:solidFill>
+                <a:latin typeface="Source Sans Pro" panose="020B0503030403020204"/>
+                <a:ea typeface="思源黑体"/>
+              </a:rPr>
+              <a:t>2</a:t>
+            </a:r>
+            <a:r>
+              <a:rPr lang="en-US" sz="2400" b="0" strike="noStrike" spc="-1">
+                <a:solidFill>
+                  <a:srgbClr val="FFFFFF"/>
+                </a:solidFill>
+                <a:latin typeface="Source Sans Pro" panose="020B0503030403020204"/>
+                <a:ea typeface="思源黑体"/>
+              </a:rPr>
+              <a:t>: </a:t>
+            </a:r>
+            <a:r>
+              <a:rPr lang="en-US" altLang="en-US" sz="2400" spc="-1">
+                <a:solidFill>
+                  <a:srgbClr val="FFFFFF"/>
+                </a:solidFill>
+                <a:latin typeface="Source Sans Pro" panose="020B0503030403020204"/>
+                <a:ea typeface="思源黑体"/>
+                <a:sym typeface="+mn-ea"/>
+              </a:rPr>
+              <a:t>Defining &amp; Modifying Tables</a:t>
+            </a:r>
+            <a:endParaRPr lang="en-US" altLang="en-US" sz="2400" b="0" strike="noStrike" spc="-1">
+              <a:solidFill>
+                <a:srgbClr val="FFFFFF"/>
+              </a:solidFill>
+              <a:latin typeface="Source Sans Pro" panose="020B0503030403020204"/>
+              <a:ea typeface="思源黑体"/>
+            </a:endParaRPr>
+          </a:p>
+          <a:p>
+            <a:pPr>
+              <a:lnSpc>
+                <a:spcPct val="90000"/>
+              </a:lnSpc>
+              <a:spcBef>
+                <a:spcPts val="1000"/>
+              </a:spcBef>
+              <a:tabLst>
+                <a:tab pos="0" algn="l"/>
+              </a:tabLst>
+            </a:pPr>
+            <a:endParaRPr lang="en-US" sz="2400" b="0" strike="noStrike" spc="-1">
+              <a:solidFill>
+                <a:srgbClr val="FFFFFF"/>
+              </a:solidFill>
+              <a:latin typeface="Source Sans Pro" panose="020B0503030403020204"/>
+              <a:ea typeface="思源黑体"/>
+            </a:endParaRPr>
+          </a:p>
+          <a:p>
+            <a:pPr>
+              <a:lnSpc>
+                <a:spcPct val="90000"/>
+              </a:lnSpc>
+              <a:spcBef>
+                <a:spcPts val="1000"/>
+              </a:spcBef>
+              <a:tabLst>
+                <a:tab pos="0" algn="l"/>
+              </a:tabLst>
+            </a:pPr>
+            <a:r>
+              <a:rPr lang="en-US" altLang="en-US" sz="2400" b="0" strike="noStrike" spc="-1">
+                <a:solidFill>
+                  <a:srgbClr val="FFFFFF"/>
+                </a:solidFill>
+                <a:latin typeface="Source Sans Pro" panose="020B0503030403020204"/>
+                <a:ea typeface="思源黑体"/>
+              </a:rPr>
+              <a:t>	</a:t>
+            </a:r>
+            <a:endParaRPr lang="en-US" altLang="en-US" sz="2400" b="0" strike="noStrike" spc="-1">
+              <a:solidFill>
+                <a:srgbClr val="FFFFFF"/>
+              </a:solidFill>
+              <a:latin typeface="Source Sans Pro" panose="020B0503030403020204"/>
+              <a:ea typeface="思源黑体"/>
             </a:endParaRPr>
           </a:p>
         </p:txBody>
@@ -18623,7 +21344,7 @@
               <a:buChar char="•"/>
             </a:pPr>
             <a:r>
-              <a:rPr lang="" altLang="en-US" spc="-1">
+              <a:rPr lang="en-US" altLang="en-US" spc="-1">
                 <a:latin typeface="Arial"/>
                 <a:ea typeface="SimSun" charset="0"/>
                 <a:sym typeface="+mn-ea"/>
@@ -18631,7 +21352,7 @@
               <a:t>Grouping </a:t>
             </a:r>
             <a:r>
-              <a:rPr lang="zh-CN" altLang="" spc="-1">
+              <a:rPr lang="zh-CN" altLang="en-US" spc="-1">
                 <a:latin typeface="Arial"/>
                 <a:ea typeface="SimSun" charset="0"/>
                 <a:sym typeface="+mn-ea"/>
@@ -18639,7 +21360,7 @@
               <a:t>将属性</a:t>
             </a:r>
             <a:r>
-              <a:rPr lang="" altLang="zh-CN" spc="-1">
+              <a:rPr lang="en-US" altLang="zh-CN" spc="-1">
                 <a:latin typeface="Arial"/>
                 <a:ea typeface="SimSun" charset="0"/>
                 <a:sym typeface="+mn-ea"/>
@@ -18647,7 +21368,7 @@
               <a:t>GA</a:t>
             </a:r>
             <a:r>
-              <a:rPr lang="zh-CN" altLang="" spc="-1">
+              <a:rPr lang="zh-CN" altLang="en-US" spc="-1">
                 <a:latin typeface="Arial"/>
                 <a:ea typeface="SimSun" charset="0"/>
                 <a:sym typeface="+mn-ea"/>
@@ -18655,7 +21376,7 @@
               <a:t>聚合，同时使用计算函数</a:t>
             </a:r>
             <a:r>
-              <a:rPr lang="" altLang="zh-CN" spc="-1">
+              <a:rPr lang="en-US" altLang="zh-CN" spc="-1">
                 <a:latin typeface="Arial"/>
                 <a:ea typeface="SimSun" charset="0"/>
                 <a:sym typeface="+mn-ea"/>
@@ -18663,7 +21384,7 @@
               <a:t>AL</a:t>
             </a:r>
             <a:r>
-              <a:rPr lang="zh-CN" altLang="" spc="-1">
+              <a:rPr lang="zh-CN" altLang="en-US" spc="-1">
                 <a:latin typeface="Arial"/>
                 <a:ea typeface="SimSun" charset="0"/>
                 <a:sym typeface="+mn-ea"/>
@@ -18921,7 +21642,7 @@
               <a:t>每个</a:t>
             </a:r>
             <a:r>
-              <a:rPr lang="" altLang="zh-CN" spc="-1">
+              <a:rPr lang="en-US" altLang="zh-CN" spc="-1">
                 <a:latin typeface="Arial"/>
                 <a:ea typeface="SimSun" charset="0"/>
                 <a:sym typeface="+mn-ea"/>
@@ -18929,14 +21650,14 @@
               <a:t>branchNo</a:t>
             </a:r>
             <a:r>
-              <a:rPr lang="zh-CN" altLang="" spc="-1">
+              <a:rPr lang="zh-CN" altLang="en-US" spc="-1">
                 <a:latin typeface="Arial"/>
                 <a:ea typeface="SimSun" charset="0"/>
                 <a:sym typeface="+mn-ea"/>
               </a:rPr>
               <a:t>分别有多少个员工？</a:t>
             </a:r>
-            <a:endParaRPr lang="zh-CN" altLang="" spc="-1">
+            <a:endParaRPr lang="zh-CN" altLang="en-US" spc="-1">
               <a:latin typeface="Arial"/>
               <a:ea typeface="SimSun" charset="0"/>
               <a:sym typeface="+mn-ea"/>
@@ -18987,7 +21708,7 @@
               <a:t>每个</a:t>
             </a:r>
             <a:r>
-              <a:rPr lang="" altLang="zh-CN" sz="1800" b="0" strike="noStrike" spc="-1">
+              <a:rPr lang="en-US" altLang="zh-CN" sz="1800" b="0" strike="noStrike" spc="-1">
                 <a:latin typeface="Arial"/>
                 <a:ea typeface="SimSun" charset="0"/>
                 <a:sym typeface="+mn-ea"/>
@@ -18995,14 +21716,14 @@
               <a:t>branchNo</a:t>
             </a:r>
             <a:r>
-              <a:rPr lang="zh-CN" altLang="" sz="1800" b="0" strike="noStrike" spc="-1">
+              <a:rPr lang="zh-CN" altLang="en-US" sz="1800" b="0" strike="noStrike" spc="-1">
                 <a:latin typeface="Arial"/>
                 <a:ea typeface="SimSun" charset="0"/>
                 <a:sym typeface="+mn-ea"/>
               </a:rPr>
               <a:t>分别的总薪水是多少？</a:t>
             </a:r>
-            <a:endParaRPr lang="zh-CN" altLang="" sz="1800" b="0" strike="noStrike" spc="-1">
+            <a:endParaRPr lang="zh-CN" altLang="en-US" sz="1800" b="0" strike="noStrike" spc="-1">
               <a:latin typeface="Arial"/>
               <a:ea typeface="SimSun" charset="0"/>
               <a:sym typeface="+mn-ea"/>
@@ -19588,7 +22309,7 @@
               <a:t>Lec </a:t>
             </a:r>
             <a:r>
-              <a:rPr lang="" altLang="en-US" sz="2400" b="0" strike="noStrike" spc="-1">
+              <a:rPr lang="en-US" altLang="en-US" sz="2400" b="0" strike="noStrike" spc="-1">
                 <a:solidFill>
                   <a:srgbClr val="FFFFFF"/>
                 </a:solidFill>
